--- a/dns/dns2-presentation.pptx
+++ b/dns/dns2-presentation.pptx
@@ -1,55 +1,55 @@
 
 <file path=ppt/presentation.xml><?xml version="1.0" encoding="utf-8"?>
-<p:presentation xmlns:a="http://schemas.openxmlformats.org/drawingml/2006/main" xmlns:r="http://schemas.openxmlformats.org/officeDocument/2006/relationships" xmlns:p="http://schemas.openxmlformats.org/presentationml/2006/main">
+<p:presentation xmlns:a="http://schemas.openxmlformats.org/drawingml/2006/main" xmlns:r="http://schemas.openxmlformats.org/officeDocument/2006/relationships" xmlns:p="http://schemas.openxmlformats.org/presentationml/2006/main" saveSubsetFonts="1">
   <p:sldMasterIdLst>
-    <p:sldMasterId id="2147483648" r:id="rId5"/>
+    <p:sldMasterId id="2147483648" r:id="rId1"/>
   </p:sldMasterIdLst>
   <p:notesMasterIdLst>
-    <p:notesMasterId r:id="rId7"/>
+    <p:notesMasterId r:id="rId44"/>
   </p:notesMasterIdLst>
   <p:sldIdLst>
-    <p:sldId id="256" r:id="rId8"/>
-    <p:sldId id="257" r:id="rId9"/>
-    <p:sldId id="258" r:id="rId10"/>
-    <p:sldId id="259" r:id="rId11"/>
-    <p:sldId id="260" r:id="rId12"/>
-    <p:sldId id="261" r:id="rId13"/>
-    <p:sldId id="262" r:id="rId14"/>
-    <p:sldId id="263" r:id="rId15"/>
-    <p:sldId id="264" r:id="rId16"/>
-    <p:sldId id="265" r:id="rId17"/>
-    <p:sldId id="266" r:id="rId18"/>
-    <p:sldId id="267" r:id="rId19"/>
-    <p:sldId id="268" r:id="rId20"/>
-    <p:sldId id="269" r:id="rId21"/>
-    <p:sldId id="270" r:id="rId22"/>
-    <p:sldId id="271" r:id="rId23"/>
-    <p:sldId id="272" r:id="rId24"/>
-    <p:sldId id="273" r:id="rId25"/>
-    <p:sldId id="274" r:id="rId26"/>
-    <p:sldId id="275" r:id="rId27"/>
-    <p:sldId id="276" r:id="rId28"/>
-    <p:sldId id="277" r:id="rId29"/>
-    <p:sldId id="278" r:id="rId30"/>
-    <p:sldId id="279" r:id="rId31"/>
-    <p:sldId id="280" r:id="rId32"/>
-    <p:sldId id="281" r:id="rId33"/>
-    <p:sldId id="282" r:id="rId34"/>
-    <p:sldId id="283" r:id="rId35"/>
-    <p:sldId id="284" r:id="rId36"/>
-    <p:sldId id="285" r:id="rId37"/>
-    <p:sldId id="286" r:id="rId38"/>
-    <p:sldId id="287" r:id="rId39"/>
-    <p:sldId id="288" r:id="rId40"/>
-    <p:sldId id="289" r:id="rId41"/>
-    <p:sldId id="290" r:id="rId42"/>
-    <p:sldId id="291" r:id="rId43"/>
-    <p:sldId id="292" r:id="rId44"/>
-    <p:sldId id="293" r:id="rId45"/>
-    <p:sldId id="294" r:id="rId46"/>
-    <p:sldId id="295" r:id="rId47"/>
-    <p:sldId id="296" r:id="rId48"/>
-    <p:sldId id="297" r:id="rId49"/>
+    <p:sldId id="256" r:id="rId2"/>
+    <p:sldId id="257" r:id="rId3"/>
+    <p:sldId id="258" r:id="rId4"/>
+    <p:sldId id="259" r:id="rId5"/>
+    <p:sldId id="260" r:id="rId6"/>
+    <p:sldId id="261" r:id="rId7"/>
+    <p:sldId id="262" r:id="rId8"/>
+    <p:sldId id="263" r:id="rId9"/>
+    <p:sldId id="264" r:id="rId10"/>
+    <p:sldId id="265" r:id="rId11"/>
+    <p:sldId id="266" r:id="rId12"/>
+    <p:sldId id="267" r:id="rId13"/>
+    <p:sldId id="268" r:id="rId14"/>
+    <p:sldId id="269" r:id="rId15"/>
+    <p:sldId id="270" r:id="rId16"/>
+    <p:sldId id="271" r:id="rId17"/>
+    <p:sldId id="272" r:id="rId18"/>
+    <p:sldId id="273" r:id="rId19"/>
+    <p:sldId id="274" r:id="rId20"/>
+    <p:sldId id="275" r:id="rId21"/>
+    <p:sldId id="276" r:id="rId22"/>
+    <p:sldId id="277" r:id="rId23"/>
+    <p:sldId id="278" r:id="rId24"/>
+    <p:sldId id="279" r:id="rId25"/>
+    <p:sldId id="280" r:id="rId26"/>
+    <p:sldId id="281" r:id="rId27"/>
+    <p:sldId id="282" r:id="rId28"/>
+    <p:sldId id="283" r:id="rId29"/>
+    <p:sldId id="284" r:id="rId30"/>
+    <p:sldId id="285" r:id="rId31"/>
+    <p:sldId id="286" r:id="rId32"/>
+    <p:sldId id="287" r:id="rId33"/>
+    <p:sldId id="288" r:id="rId34"/>
+    <p:sldId id="289" r:id="rId35"/>
+    <p:sldId id="290" r:id="rId36"/>
+    <p:sldId id="291" r:id="rId37"/>
+    <p:sldId id="292" r:id="rId38"/>
+    <p:sldId id="293" r:id="rId39"/>
+    <p:sldId id="294" r:id="rId40"/>
+    <p:sldId id="295" r:id="rId41"/>
+    <p:sldId id="296" r:id="rId42"/>
+    <p:sldId id="297" r:id="rId43"/>
   </p:sldIdLst>
   <p:sldSz cx="10071100" cy="7556500"/>
   <p:notesSz cx="6858000" cy="9144000"/>
@@ -157,13 +157,14 @@
 </p:presentation>
 </file>
 
-<file path=ppt/commentAuthors.xml><?xml version="1.0" encoding="utf-8"?>
-<p:cmAuthorLst xmlns:a="http://schemas.openxmlformats.org/drawingml/2006/main" xmlns:r="http://schemas.openxmlformats.org/officeDocument/2006/relationships" xmlns:p="http://schemas.openxmlformats.org/presentationml/2006/main"/>
-</file>
-
 <file path=ppt/notesMasters/notesMaster1.xml><?xml version="1.0" encoding="utf-8"?>
 <p:notesMaster xmlns:a="http://schemas.openxmlformats.org/drawingml/2006/main" xmlns:r="http://schemas.openxmlformats.org/officeDocument/2006/relationships" xmlns:p="http://schemas.openxmlformats.org/presentationml/2006/main">
   <p:cSld>
+    <p:bg>
+      <p:bgRef idx="1001">
+        <a:schemeClr val="bg1"/>
+      </p:bgRef>
+    </p:bg>
     <p:spTree>
       <p:nvGrpSpPr>
         <p:cNvPr id="1" name=""/>
@@ -181,7 +182,9 @@
       <p:sp>
         <p:nvSpPr>
           <p:cNvPr id="6" name="Shape 6"/>
-          <p:cNvSpPr/>
+          <p:cNvSpPr>
+            <a:spLocks noGrp="1" noRot="1" noChangeAspect="1"/>
+          </p:cNvSpPr>
           <p:nvPr>
             <p:ph type="sldImg"/>
           </p:nvPr>
@@ -200,13 +203,16 @@
           <a:lstStyle/>
           <a:p>
             <a:pPr lvl="0"/>
+            <a:endParaRPr/>
           </a:p>
         </p:txBody>
       </p:sp>
       <p:sp>
         <p:nvSpPr>
           <p:cNvPr id="7" name="Shape 7"/>
-          <p:cNvSpPr/>
+          <p:cNvSpPr>
+            <a:spLocks noGrp="1"/>
+          </p:cNvSpPr>
           <p:nvPr>
             <p:ph type="body" sz="quarter" idx="1"/>
           </p:nvPr>
@@ -225,10 +231,16 @@
           <a:lstStyle/>
           <a:p>
             <a:pPr lvl="0"/>
+            <a:endParaRPr/>
           </a:p>
         </p:txBody>
       </p:sp>
     </p:spTree>
+    <p:extLst>
+      <p:ext uri="{BB962C8B-B14F-4D97-AF65-F5344CB8AC3E}">
+        <p14:creationId xmlns:p14="http://schemas.microsoft.com/office/powerpoint/2010/main" val="1874626989"/>
+      </p:ext>
+    </p:extLst>
   </p:cSld>
   <p:clrMap bg1="lt1" tx1="dk1" bg2="lt2" tx2="dk2" accent1="accent1" accent2="accent2" accent3="accent3" accent4="accent4" accent5="accent5" accent6="accent6" hlink="hlink" folHlink="folHlink"/>
   <p:notesStyle>
@@ -336,7 +348,7 @@
 </file>
 
 <file path=ppt/slideLayouts/slideLayout1.xml><?xml version="1.0" encoding="utf-8"?>
-<p:sldLayout xmlns:a="http://schemas.openxmlformats.org/drawingml/2006/main" xmlns:r="http://schemas.openxmlformats.org/officeDocument/2006/relationships" xmlns:p="http://schemas.openxmlformats.org/presentationml/2006/main" type="tx" showMasterSp="1" showMasterPhAnim="1">
+<p:sldLayout xmlns:a="http://schemas.openxmlformats.org/drawingml/2006/main" xmlns:r="http://schemas.openxmlformats.org/officeDocument/2006/relationships" xmlns:p="http://schemas.openxmlformats.org/presentationml/2006/main" type="tx">
   <p:cSld name="Default">
     <p:spTree>
       <p:nvGrpSpPr>
@@ -355,7 +367,9 @@
       <p:sp>
         <p:nvSpPr>
           <p:cNvPr id="5" name="Shape 5"/>
-          <p:cNvSpPr/>
+          <p:cNvSpPr>
+            <a:spLocks noGrp="1"/>
+          </p:cNvSpPr>
           <p:nvPr>
             <p:ph type="sldNum" sz="quarter" idx="2"/>
           </p:nvPr>
@@ -370,7 +384,10 @@
           <a:lstStyle/>
           <a:p>
             <a:pPr lvl="0"/>
-            <a:fld id="{86CB4B4D-7CA3-9044-876B-883B54F8677D}" type="slidenum"/>
+            <a:fld id="{86CB4B4D-7CA3-9044-876B-883B54F8677D}" type="slidenum">
+              <a:t>‹#›</a:t>
+            </a:fld>
+            <a:endParaRPr/>
           </a:p>
         </p:txBody>
       </p:sp>
@@ -379,7 +396,7 @@
   <p:clrMapOvr>
     <a:masterClrMapping/>
   </p:clrMapOvr>
-  <p:transition spd="med" advClick="1"/>
+  <p:transition spd="med"/>
 </p:sldLayout>
 </file>
 
@@ -391,6 +408,7 @@
         <a:solidFill>
           <a:srgbClr val="FFFFFF"/>
         </a:solidFill>
+        <a:effectLst/>
       </p:bgPr>
     </p:bg>
     <p:spTree>
@@ -414,7 +432,7 @@
           <p:nvPr/>
         </p:nvPicPr>
         <p:blipFill>
-          <a:blip r:embed="rId2">
+          <a:blip r:embed="rId3">
             <a:extLst/>
           </a:blip>
           <a:stretch>
@@ -437,7 +455,9 @@
       <p:sp>
         <p:nvSpPr>
           <p:cNvPr id="3" name="Shape 3"/>
-          <p:cNvSpPr/>
+          <p:cNvSpPr>
+            <a:spLocks noGrp="1"/>
+          </p:cNvSpPr>
           <p:nvPr>
             <p:ph type="sldNum" sz="quarter" idx="2"/>
           </p:nvPr>
@@ -473,7 +493,10 @@
           </a:lstStyle>
           <a:p>
             <a:pPr lvl="0"/>
-            <a:fld id="{86CB4B4D-7CA3-9044-876B-883B54F8677D}" type="slidenum"/>
+            <a:fld id="{86CB4B4D-7CA3-9044-876B-883B54F8677D}" type="slidenum">
+              <a:t>‹#›</a:t>
+            </a:fld>
+            <a:endParaRPr/>
           </a:p>
         </p:txBody>
       </p:sp>
@@ -481,9 +504,9 @@
   </p:cSld>
   <p:clrMap bg1="lt1" tx1="dk1" bg2="lt2" tx2="dk2" accent1="accent1" accent2="accent2" accent3="accent3" accent4="accent4" accent5="accent5" accent6="accent6" hlink="hlink" folHlink="folHlink"/>
   <p:sldLayoutIdLst>
-    <p:sldLayoutId id="2147483649" r:id="rId3"/>
+    <p:sldLayoutId id="2147483649" r:id="rId1"/>
   </p:sldLayoutIdLst>
-  <p:transition spd="med" advClick="1"/>
+  <p:transition spd="med"/>
   <p:txStyles>
     <p:titleStyle>
       <a:lvl1pPr algn="ctr" defTabSz="457200">
@@ -901,7 +924,7 @@
 </file>
 
 <file path=ppt/slides/slide1.xml><?xml version="1.0" encoding="utf-8"?>
-<p:sld xmlns:a="http://schemas.openxmlformats.org/drawingml/2006/main" xmlns:r="http://schemas.openxmlformats.org/officeDocument/2006/relationships" xmlns:p="http://schemas.openxmlformats.org/presentationml/2006/main" showMasterSp="1" showMasterPhAnim="1">
+<p:sld xmlns:a="http://schemas.openxmlformats.org/drawingml/2006/main" xmlns:r="http://schemas.openxmlformats.org/officeDocument/2006/relationships" xmlns:p="http://schemas.openxmlformats.org/presentationml/2006/main">
   <p:cSld>
     <p:spTree>
       <p:nvGrpSpPr>
@@ -1033,7 +1056,7 @@
               <a:defRPr sz="1800"/>
             </a:pPr>
             <a:r>
-              <a:rPr sz="3100">
+              <a:rPr sz="3100" dirty="0">
                 <a:latin typeface="Calibri"/>
                 <a:ea typeface="Calibri"/>
                 <a:cs typeface="Calibri"/>
@@ -1041,12 +1064,6 @@
               </a:rPr>
               <a:t>Joe Abley</a:t>
             </a:r>
-            <a:endParaRPr sz="3100">
-              <a:latin typeface="Calibri"/>
-              <a:ea typeface="Calibri"/>
-              <a:cs typeface="Calibri"/>
-              <a:sym typeface="Calibri"/>
-            </a:endParaRPr>
           </a:p>
           <a:p>
             <a:pPr lvl="0" algn="ctr" defTabSz="914400">
@@ -1072,14 +1089,56 @@
               <a:defRPr sz="1800"/>
             </a:pPr>
             <a:r>
-              <a:rPr sz="3100">
+              <a:rPr sz="3100" dirty="0">
                 <a:latin typeface="Calibri"/>
                 <a:ea typeface="Calibri"/>
                 <a:cs typeface="Calibri"/>
                 <a:sym typeface="Calibri"/>
               </a:rPr>
-              <a:t>AfNOG Workshop, AIS 2015, Tunis</a:t>
-            </a:r>
+              <a:t>AfNOG Workshop, AIS </a:t>
+            </a:r>
+            <a:r>
+              <a:rPr sz="3100" dirty="0" smtClean="0">
+                <a:latin typeface="Calibri"/>
+                <a:ea typeface="Calibri"/>
+                <a:cs typeface="Calibri"/>
+                <a:sym typeface="Calibri"/>
+              </a:rPr>
+              <a:t>201</a:t>
+            </a:r>
+            <a:r>
+              <a:rPr lang="en-US" sz="3100" dirty="0" smtClean="0">
+                <a:latin typeface="Calibri"/>
+                <a:ea typeface="Calibri"/>
+                <a:cs typeface="Calibri"/>
+                <a:sym typeface="Calibri"/>
+              </a:rPr>
+              <a:t>6</a:t>
+            </a:r>
+            <a:r>
+              <a:rPr sz="3100" smtClean="0">
+                <a:latin typeface="Calibri"/>
+                <a:ea typeface="Calibri"/>
+                <a:cs typeface="Calibri"/>
+                <a:sym typeface="Calibri"/>
+              </a:rPr>
+              <a:t>, </a:t>
+            </a:r>
+            <a:r>
+              <a:rPr lang="en-US" sz="3100" smtClean="0">
+                <a:latin typeface="Calibri"/>
+                <a:ea typeface="Calibri"/>
+                <a:cs typeface="Calibri"/>
+                <a:sym typeface="Calibri"/>
+              </a:rPr>
+              <a:t>Gaborone</a:t>
+            </a:r>
+            <a:endParaRPr sz="3100" dirty="0">
+              <a:latin typeface="Calibri"/>
+              <a:ea typeface="Calibri"/>
+              <a:cs typeface="Calibri"/>
+              <a:sym typeface="Calibri"/>
+            </a:endParaRPr>
           </a:p>
         </p:txBody>
       </p:sp>
@@ -1112,7 +1171,7 @@
           </a:bodyPr>
           <a:lstStyle/>
           <a:p>
-            <a:pPr lvl="1" marL="288925" indent="215900" algn="ctr" defTabSz="914400">
+            <a:pPr marL="288925" lvl="1" indent="215900" algn="ctr" defTabSz="914400">
               <a:lnSpc>
                 <a:spcPct val="96000"/>
               </a:lnSpc>
@@ -1144,15 +1203,9 @@
               </a:rPr>
               <a:t>Session 2: Resolver Operation</a:t>
             </a:r>
-            <a:endParaRPr sz="4400">
-              <a:latin typeface="Tahoma"/>
-              <a:ea typeface="Tahoma"/>
-              <a:cs typeface="Tahoma"/>
-              <a:sym typeface="Tahoma"/>
-            </a:endParaRPr>
           </a:p>
           <a:p>
-            <a:pPr lvl="1" marL="288925" indent="215900" algn="ctr" defTabSz="914400">
+            <a:pPr marL="288925" lvl="1" indent="215900" algn="ctr" defTabSz="914400">
               <a:lnSpc>
                 <a:spcPct val="96000"/>
               </a:lnSpc>
@@ -1192,12 +1245,12 @@
   <p:clrMapOvr>
     <a:masterClrMapping/>
   </p:clrMapOvr>
-  <p:transition spd="med" advClick="1"/>
+  <p:transition spd="med"/>
 </p:sld>
 </file>
 
 <file path=ppt/slides/slide10.xml><?xml version="1.0" encoding="utf-8"?>
-<p:sld xmlns:a="http://schemas.openxmlformats.org/drawingml/2006/main" xmlns:r="http://schemas.openxmlformats.org/officeDocument/2006/relationships" xmlns:p="http://schemas.openxmlformats.org/presentationml/2006/main" showMasterSp="1" showMasterPhAnim="1">
+<p:sld xmlns:a="http://schemas.openxmlformats.org/drawingml/2006/main" xmlns:r="http://schemas.openxmlformats.org/officeDocument/2006/relationships" xmlns:p="http://schemas.openxmlformats.org/presentationml/2006/main">
   <p:cSld>
     <p:spTree>
       <p:nvGrpSpPr>
@@ -1216,7 +1269,9 @@
       <p:sp>
         <p:nvSpPr>
           <p:cNvPr id="106" name="Shape 106"/>
-          <p:cNvSpPr/>
+          <p:cNvSpPr>
+            <a:spLocks noGrp="1"/>
+          </p:cNvSpPr>
           <p:nvPr>
             <p:ph type="title" idx="4294967295"/>
           </p:nvPr>
@@ -1240,7 +1295,7 @@
         </p:spPr>
         <p:txBody>
           <a:bodyPr lIns="0" tIns="0" rIns="0" bIns="0" anchor="ctr">
-            <a:normAutofit fontScale="100000" lnSpcReduction="0"/>
+            <a:normAutofit/>
           </a:bodyPr>
           <a:lstStyle>
             <a:lvl1pPr>
@@ -1285,7 +1340,9 @@
       <p:sp>
         <p:nvSpPr>
           <p:cNvPr id="107" name="Shape 107"/>
-          <p:cNvSpPr/>
+          <p:cNvSpPr>
+            <a:spLocks noGrp="1"/>
+          </p:cNvSpPr>
           <p:nvPr>
             <p:ph type="body" idx="4294967295"/>
           </p:nvPr>
@@ -1309,7 +1366,7 @@
         </p:spPr>
         <p:txBody>
           <a:bodyPr lIns="0" tIns="0" rIns="0" bIns="0">
-            <a:normAutofit fontScale="100000" lnSpcReduction="0"/>
+            <a:normAutofit/>
           </a:bodyPr>
           <a:lstStyle/>
           <a:p>
@@ -1345,7 +1402,6 @@
               <a:rPr sz="3200"/>
               <a:t>ftp://ftp.internic.net/domain/named.cache</a:t>
             </a:r>
-            <a:endParaRPr sz="3200"/>
           </a:p>
           <a:p>
             <a:pPr lvl="0">
@@ -1388,12 +1444,12 @@
   <p:clrMapOvr>
     <a:masterClrMapping/>
   </p:clrMapOvr>
-  <p:transition spd="med" advClick="1"/>
+  <p:transition spd="med"/>
 </p:sld>
 </file>
 
 <file path=ppt/slides/slide11.xml><?xml version="1.0" encoding="utf-8"?>
-<p:sld xmlns:a="http://schemas.openxmlformats.org/drawingml/2006/main" xmlns:r="http://schemas.openxmlformats.org/officeDocument/2006/relationships" xmlns:p="http://schemas.openxmlformats.org/presentationml/2006/main" showMasterSp="1" showMasterPhAnim="1">
+<p:sld xmlns:a="http://schemas.openxmlformats.org/drawingml/2006/main" xmlns:r="http://schemas.openxmlformats.org/officeDocument/2006/relationships" xmlns:p="http://schemas.openxmlformats.org/presentationml/2006/main">
   <p:cSld>
     <p:spTree>
       <p:nvGrpSpPr>
@@ -1412,7 +1468,9 @@
       <p:sp>
         <p:nvSpPr>
           <p:cNvPr id="109" name="Shape 109"/>
-          <p:cNvSpPr/>
+          <p:cNvSpPr>
+            <a:spLocks noGrp="1"/>
+          </p:cNvSpPr>
           <p:nvPr>
             <p:ph type="title" idx="4294967295"/>
           </p:nvPr>
@@ -1436,7 +1494,7 @@
         </p:spPr>
         <p:txBody>
           <a:bodyPr lIns="0" tIns="0" rIns="0" bIns="0" anchor="ctr">
-            <a:normAutofit fontScale="100000" lnSpcReduction="0"/>
+            <a:normAutofit/>
           </a:bodyPr>
           <a:lstStyle>
             <a:lvl1pPr>
@@ -1481,7 +1539,9 @@
       <p:sp>
         <p:nvSpPr>
           <p:cNvPr id="110" name="Shape 110"/>
-          <p:cNvSpPr/>
+          <p:cNvSpPr>
+            <a:spLocks noGrp="1"/>
+          </p:cNvSpPr>
           <p:nvPr>
             <p:ph type="body" idx="4294967295"/>
           </p:nvPr>
@@ -1505,7 +1565,7 @@
         </p:spPr>
         <p:txBody>
           <a:bodyPr lIns="0" tIns="0" rIns="0" bIns="0">
-            <a:normAutofit fontScale="100000" lnSpcReduction="0"/>
+            <a:normAutofit/>
           </a:bodyPr>
           <a:lstStyle/>
           <a:p>
@@ -1538,7 +1598,7 @@
               <a:defRPr sz="1800"/>
             </a:pPr>
             <a:r>
-              <a:rPr b="1" sz="3200">
+              <a:rPr sz="3200" b="1">
                 <a:latin typeface="Courier New"/>
                 <a:ea typeface="Courier New"/>
                 <a:cs typeface="Courier New"/>
@@ -1546,12 +1606,6 @@
               </a:rPr>
               <a:t>dig +trace www.tiscali.co.uk.</a:t>
             </a:r>
-            <a:endParaRPr b="1" sz="3200">
-              <a:latin typeface="Courier New"/>
-              <a:ea typeface="Courier New"/>
-              <a:cs typeface="Courier New"/>
-              <a:sym typeface="Courier New"/>
-            </a:endParaRPr>
           </a:p>
           <a:p>
             <a:pPr lvl="0">
@@ -1586,10 +1640,9 @@
               <a:rPr sz="3200"/>
               <a:t>Instead of sending the query to the cache, "dig +trace" traverses the tree from the root and displays the responses it gets</a:t>
             </a:r>
-            <a:endParaRPr sz="3200"/>
           </a:p>
           <a:p>
-            <a:pPr lvl="1" marL="862012" indent="-285750">
+            <a:pPr marL="862012" lvl="1" indent="-285750">
               <a:lnSpc>
                 <a:spcPct val="95000"/>
               </a:lnSpc>
@@ -1633,10 +1686,9 @@
               <a:rPr sz="2800"/>
               <a:t> is a bind 9 feature</a:t>
             </a:r>
-            <a:endParaRPr sz="2800"/>
           </a:p>
           <a:p>
-            <a:pPr lvl="1" marL="862012" indent="-285750">
+            <a:pPr marL="862012" lvl="1" indent="-285750">
               <a:lnSpc>
                 <a:spcPct val="93000"/>
               </a:lnSpc>
@@ -1679,12 +1731,12 @@
   <p:clrMapOvr>
     <a:masterClrMapping/>
   </p:clrMapOvr>
-  <p:transition spd="med" advClick="1"/>
+  <p:transition spd="med"/>
 </p:sld>
 </file>
 
 <file path=ppt/slides/slide12.xml><?xml version="1.0" encoding="utf-8"?>
-<p:sld xmlns:a="http://schemas.openxmlformats.org/drawingml/2006/main" xmlns:r="http://schemas.openxmlformats.org/officeDocument/2006/relationships" xmlns:p="http://schemas.openxmlformats.org/presentationml/2006/main" showMasterSp="1" showMasterPhAnim="1">
+<p:sld xmlns:a="http://schemas.openxmlformats.org/drawingml/2006/main" xmlns:r="http://schemas.openxmlformats.org/officeDocument/2006/relationships" xmlns:p="http://schemas.openxmlformats.org/presentationml/2006/main">
   <p:cSld>
     <p:spTree>
       <p:nvGrpSpPr>
@@ -1703,7 +1755,9 @@
       <p:sp>
         <p:nvSpPr>
           <p:cNvPr id="112" name="Shape 112"/>
-          <p:cNvSpPr/>
+          <p:cNvSpPr>
+            <a:spLocks noGrp="1"/>
+          </p:cNvSpPr>
           <p:nvPr>
             <p:ph type="title" idx="4294967295"/>
           </p:nvPr>
@@ -1727,7 +1781,7 @@
         </p:spPr>
         <p:txBody>
           <a:bodyPr lIns="0" tIns="0" rIns="0" bIns="0" anchor="ctr">
-            <a:normAutofit fontScale="100000" lnSpcReduction="0"/>
+            <a:normAutofit/>
           </a:bodyPr>
           <a:lstStyle>
             <a:lvl1pPr>
@@ -1772,7 +1826,9 @@
       <p:sp>
         <p:nvSpPr>
           <p:cNvPr id="113" name="Shape 113"/>
-          <p:cNvSpPr/>
+          <p:cNvSpPr>
+            <a:spLocks noGrp="1"/>
+          </p:cNvSpPr>
           <p:nvPr>
             <p:ph type="body" idx="4294967295"/>
           </p:nvPr>
@@ -1796,7 +1852,7 @@
         </p:spPr>
         <p:txBody>
           <a:bodyPr lIns="0" tIns="0" rIns="0" bIns="0">
-            <a:normAutofit fontScale="100000" lnSpcReduction="0"/>
+            <a:normAutofit/>
           </a:bodyPr>
           <a:lstStyle/>
           <a:p>
@@ -1832,7 +1888,6 @@
               <a:rPr sz="3200"/>
               <a:t>So each zone has two or more authoritative nameservers for resilience</a:t>
             </a:r>
-            <a:endParaRPr sz="3200"/>
           </a:p>
           <a:p>
             <a:pPr lvl="0">
@@ -1867,7 +1922,6 @@
               <a:rPr sz="3200"/>
               <a:t>They are all equivalent and can be tried in any order</a:t>
             </a:r>
-            <a:endParaRPr sz="3200"/>
           </a:p>
           <a:p>
             <a:pPr lvl="0">
@@ -1902,7 +1956,6 @@
               <a:rPr sz="3200"/>
               <a:t>Trying stops as soon as one gives an answer</a:t>
             </a:r>
-            <a:endParaRPr sz="3200"/>
           </a:p>
           <a:p>
             <a:pPr lvl="0">
@@ -1937,7 +1990,6 @@
               <a:rPr sz="3200"/>
               <a:t>Also helps share the load</a:t>
             </a:r>
-            <a:endParaRPr sz="3200"/>
           </a:p>
           <a:p>
             <a:pPr lvl="0">
@@ -1972,10 +2024,9 @@
               <a:rPr sz="3200"/>
               <a:t>The root servers are very busy</a:t>
             </a:r>
-            <a:endParaRPr sz="3200"/>
           </a:p>
           <a:p>
-            <a:pPr lvl="1" marL="862012" indent="-285750">
+            <a:pPr marL="862012" lvl="1" indent="-285750">
               <a:lnSpc>
                 <a:spcPct val="93000"/>
               </a:lnSpc>
@@ -2010,10 +2061,9 @@
               <a:rPr sz="2800"/>
               <a:t>There are currently 13 of them</a:t>
             </a:r>
-            <a:endParaRPr sz="2800"/>
           </a:p>
           <a:p>
-            <a:pPr lvl="1" marL="862012" indent="-285750">
+            <a:pPr marL="862012" lvl="1" indent="-285750">
               <a:lnSpc>
                 <a:spcPct val="93000"/>
               </a:lnSpc>
@@ -2056,12 +2106,12 @@
   <p:clrMapOvr>
     <a:masterClrMapping/>
   </p:clrMapOvr>
-  <p:transition spd="med" advClick="1"/>
+  <p:transition spd="med"/>
 </p:sld>
 </file>
 
 <file path=ppt/slides/slide13.xml><?xml version="1.0" encoding="utf-8"?>
-<p:sld xmlns:a="http://schemas.openxmlformats.org/drawingml/2006/main" xmlns:r="http://schemas.openxmlformats.org/officeDocument/2006/relationships" xmlns:p="http://schemas.openxmlformats.org/presentationml/2006/main" showMasterSp="1" showMasterPhAnim="1">
+<p:sld xmlns:a="http://schemas.openxmlformats.org/drawingml/2006/main" xmlns:r="http://schemas.openxmlformats.org/officeDocument/2006/relationships" xmlns:p="http://schemas.openxmlformats.org/presentationml/2006/main">
   <p:cSld>
     <p:spTree>
       <p:nvGrpSpPr>
@@ -2080,7 +2130,9 @@
       <p:sp>
         <p:nvSpPr>
           <p:cNvPr id="115" name="Shape 115"/>
-          <p:cNvSpPr/>
+          <p:cNvSpPr>
+            <a:spLocks noGrp="1"/>
+          </p:cNvSpPr>
           <p:nvPr>
             <p:ph type="title" idx="4294967295"/>
           </p:nvPr>
@@ -2104,7 +2156,7 @@
         </p:spPr>
         <p:txBody>
           <a:bodyPr lIns="0" tIns="0" rIns="0" bIns="0" anchor="ctr">
-            <a:normAutofit fontScale="100000" lnSpcReduction="0"/>
+            <a:normAutofit/>
           </a:bodyPr>
           <a:lstStyle>
             <a:lvl1pPr>
@@ -2149,7 +2201,9 @@
       <p:sp>
         <p:nvSpPr>
           <p:cNvPr id="116" name="Shape 116"/>
-          <p:cNvSpPr/>
+          <p:cNvSpPr>
+            <a:spLocks noGrp="1"/>
+          </p:cNvSpPr>
           <p:nvPr>
             <p:ph type="body" idx="4294967295"/>
           </p:nvPr>
@@ -2173,7 +2227,7 @@
         </p:spPr>
         <p:txBody>
           <a:bodyPr lIns="0" tIns="0" rIns="0" bIns="0">
-            <a:normAutofit fontScale="100000" lnSpcReduction="0"/>
+            <a:normAutofit/>
           </a:bodyPr>
           <a:lstStyle/>
           <a:p>
@@ -2209,7 +2263,6 @@
               <a:rPr sz="3200"/>
               <a:t>Especially important at the higher levels: root servers, GTLD servers (.com, .net ...) and ccTLDs</a:t>
             </a:r>
-            <a:endParaRPr sz="3200"/>
           </a:p>
           <a:p>
             <a:pPr lvl="0">
@@ -2252,12 +2305,12 @@
   <p:clrMapOvr>
     <a:masterClrMapping/>
   </p:clrMapOvr>
-  <p:transition spd="med" advClick="1"/>
+  <p:transition spd="med"/>
 </p:sld>
 </file>
 
 <file path=ppt/slides/slide14.xml><?xml version="1.0" encoding="utf-8"?>
-<p:sld xmlns:a="http://schemas.openxmlformats.org/drawingml/2006/main" xmlns:r="http://schemas.openxmlformats.org/officeDocument/2006/relationships" xmlns:p="http://schemas.openxmlformats.org/presentationml/2006/main" showMasterSp="1" showMasterPhAnim="1">
+<p:sld xmlns:a="http://schemas.openxmlformats.org/drawingml/2006/main" xmlns:r="http://schemas.openxmlformats.org/officeDocument/2006/relationships" xmlns:p="http://schemas.openxmlformats.org/presentationml/2006/main">
   <p:cSld>
     <p:spTree>
       <p:nvGrpSpPr>
@@ -2276,7 +2329,9 @@
       <p:sp>
         <p:nvSpPr>
           <p:cNvPr id="118" name="Shape 118"/>
-          <p:cNvSpPr/>
+          <p:cNvSpPr>
+            <a:spLocks noGrp="1"/>
+          </p:cNvSpPr>
           <p:nvPr>
             <p:ph type="title" idx="4294967295"/>
           </p:nvPr>
@@ -2300,7 +2355,7 @@
         </p:spPr>
         <p:txBody>
           <a:bodyPr lIns="0" tIns="0" rIns="0" bIns="0" anchor="ctr">
-            <a:normAutofit fontScale="100000" lnSpcReduction="0"/>
+            <a:normAutofit/>
           </a:bodyPr>
           <a:lstStyle>
             <a:lvl1pPr>
@@ -2376,6 +2431,7 @@
               </a:lnSpc>
               <a:defRPr sz="1800"/>
             </a:pPr>
+            <a:endParaRPr/>
           </a:p>
         </p:txBody>
       </p:sp>
@@ -2435,6 +2491,7 @@
                   <a:sym typeface="Helvetica"/>
                 </a:defRPr>
               </a:pPr>
+              <a:endParaRPr/>
             </a:p>
           </p:txBody>
         </p:sp>
@@ -2514,6 +2571,7 @@
                   </a:tabLst>
                   <a:defRPr sz="1800"/>
                 </a:pPr>
+                <a:endParaRPr/>
               </a:p>
             </p:txBody>
           </p:sp>
@@ -2732,6 +2790,7 @@
                   <a:sym typeface="Helvetica"/>
                 </a:defRPr>
               </a:pPr>
+              <a:endParaRPr/>
             </a:p>
           </p:txBody>
         </p:sp>
@@ -2913,6 +2972,7 @@
                   </a:tabLst>
                   <a:defRPr sz="1800"/>
                 </a:pPr>
+                <a:endParaRPr/>
               </a:p>
             </p:txBody>
           </p:sp>
@@ -3029,6 +3089,7 @@
                   <a:sym typeface="Helvetica"/>
                 </a:defRPr>
               </a:pPr>
+              <a:endParaRPr/>
             </a:p>
           </p:txBody>
         </p:sp>
@@ -3176,6 +3237,7 @@
                   <a:sym typeface="Helvetica"/>
                 </a:defRPr>
               </a:pPr>
+              <a:endParaRPr/>
             </a:p>
           </p:txBody>
         </p:sp>
@@ -3361,6 +3423,7 @@
                     </a:solidFill>
                   </a:defRPr>
                 </a:pPr>
+                <a:endParaRPr/>
               </a:p>
             </p:txBody>
           </p:sp>
@@ -3493,6 +3556,7 @@
                   <a:sym typeface="Helvetica"/>
                 </a:defRPr>
               </a:pPr>
+              <a:endParaRPr/>
             </a:p>
           </p:txBody>
         </p:sp>
@@ -3640,6 +3704,7 @@
                   <a:sym typeface="Helvetica"/>
                 </a:defRPr>
               </a:pPr>
+              <a:endParaRPr/>
             </a:p>
           </p:txBody>
         </p:sp>
@@ -3736,14 +3801,14 @@
   <p:clrMapOvr>
     <a:masterClrMapping/>
   </p:clrMapOvr>
-  <p:transition spd="med" advClick="1"/>
+  <p:transition spd="med"/>
   <p:timing>
     <p:tnLst>
       <p:par>
-        <p:cTn id="1" nodeType="tmRoot" restart="never" dur="indefinite" fill="hold">
+        <p:cTn id="1" dur="indefinite" restart="never" fill="hold" nodeType="tmRoot">
           <p:childTnLst>
             <p:seq concurrent="1" prevAc="none" nextAc="seek">
-              <p:cTn id="2" nodeType="mainSeq" dur="indefinite" fill="hold">
+              <p:cTn id="2" dur="indefinite" fill="hold" nodeType="mainSeq">
                 <p:childTnLst>
                   <p:par>
                     <p:cTn id="3" fill="hold">
@@ -3758,11 +3823,11 @@
                             </p:stCondLst>
                             <p:childTnLst>
                               <p:par>
-                                <p:cTn id="5" nodeType="clickEffect" presetClass="entr" presetSubtype="4" presetID="22" grpId="1" fill="hold">
+                                <p:cTn id="5" presetID="22" presetClass="entr" presetSubtype="4" fill="hold" grpId="1" nodeType="clickEffect">
                                   <p:stCondLst>
                                     <p:cond delay="0"/>
                                   </p:stCondLst>
-                                  <p:iterate type="el" backwards="0">
+                                  <p:iterate>
                                     <p:tmAbs val="0"/>
                                   </p:iterate>
                                   <p:childTnLst>
@@ -3780,7 +3845,7 @@
                                         <p:strVal val="visible"/>
                                       </p:to>
                                     </p:set>
-                                    <p:animEffect filter="wipe(down)" transition="in">
+                                    <p:animEffect transition="in" filter="wipe(down)">
                                       <p:cBhvr>
                                         <p:cTn id="7" dur="1000"/>
                                         <p:tgtEl>
@@ -3810,11 +3875,11 @@
                             </p:stCondLst>
                             <p:childTnLst>
                               <p:par>
-                                <p:cTn id="10" nodeType="clickEffect" presetClass="entr" presetSubtype="4" presetID="22" grpId="2" fill="hold">
+                                <p:cTn id="10" presetID="22" presetClass="entr" presetSubtype="4" fill="hold" grpId="2" nodeType="clickEffect">
                                   <p:stCondLst>
                                     <p:cond delay="0"/>
                                   </p:stCondLst>
-                                  <p:iterate type="el" backwards="0">
+                                  <p:iterate>
                                     <p:tmAbs val="0"/>
                                   </p:iterate>
                                   <p:childTnLst>
@@ -3832,7 +3897,7 @@
                                         <p:strVal val="visible"/>
                                       </p:to>
                                     </p:set>
-                                    <p:animEffect filter="wipe(down)" transition="in">
+                                    <p:animEffect transition="in" filter="wipe(down)">
                                       <p:cBhvr>
                                         <p:cTn id="12" dur="1000"/>
                                         <p:tgtEl>
@@ -3862,11 +3927,11 @@
                             </p:stCondLst>
                             <p:childTnLst>
                               <p:par>
-                                <p:cTn id="15" nodeType="clickEffect" presetClass="entr" presetSubtype="4" presetID="22" grpId="3" fill="hold">
+                                <p:cTn id="15" presetID="22" presetClass="entr" presetSubtype="4" fill="hold" grpId="3" nodeType="clickEffect">
                                   <p:stCondLst>
                                     <p:cond delay="0"/>
                                   </p:stCondLst>
-                                  <p:iterate type="el" backwards="0">
+                                  <p:iterate>
                                     <p:tmAbs val="0"/>
                                   </p:iterate>
                                   <p:childTnLst>
@@ -3884,7 +3949,7 @@
                                         <p:strVal val="visible"/>
                                       </p:to>
                                     </p:set>
-                                    <p:animEffect filter="wipe(down)" transition="in">
+                                    <p:animEffect transition="in" filter="wipe(down)">
                                       <p:cBhvr>
                                         <p:cTn id="17" dur="1000"/>
                                         <p:tgtEl>
@@ -3914,11 +3979,11 @@
                             </p:stCondLst>
                             <p:childTnLst>
                               <p:par>
-                                <p:cTn id="20" nodeType="clickEffect" presetClass="entr" presetSubtype="4" presetID="22" grpId="4" fill="hold">
+                                <p:cTn id="20" presetID="22" presetClass="entr" presetSubtype="4" fill="hold" grpId="4" nodeType="clickEffect">
                                   <p:stCondLst>
                                     <p:cond delay="0"/>
                                   </p:stCondLst>
-                                  <p:iterate type="el" backwards="0">
+                                  <p:iterate>
                                     <p:tmAbs val="0"/>
                                   </p:iterate>
                                   <p:childTnLst>
@@ -3936,7 +4001,7 @@
                                         <p:strVal val="visible"/>
                                       </p:to>
                                     </p:set>
-                                    <p:animEffect filter="wipe(down)" transition="in">
+                                    <p:animEffect transition="in" filter="wipe(down)">
                                       <p:cBhvr>
                                         <p:cTn id="22" dur="1000"/>
                                         <p:tgtEl>
@@ -3966,11 +4031,11 @@
                             </p:stCondLst>
                             <p:childTnLst>
                               <p:par>
-                                <p:cTn id="25" nodeType="clickEffect" presetClass="entr" presetSubtype="4" presetID="22" grpId="5" fill="hold">
+                                <p:cTn id="25" presetID="22" presetClass="entr" presetSubtype="4" fill="hold" grpId="5" nodeType="clickEffect">
                                   <p:stCondLst>
                                     <p:cond delay="0"/>
                                   </p:stCondLst>
-                                  <p:iterate type="el" backwards="0">
+                                  <p:iterate>
                                     <p:tmAbs val="0"/>
                                   </p:iterate>
                                   <p:childTnLst>
@@ -3988,7 +4053,7 @@
                                         <p:strVal val="visible"/>
                                       </p:to>
                                     </p:set>
-                                    <p:animEffect filter="wipe(down)" transition="in">
+                                    <p:animEffect transition="in" filter="wipe(down)">
                                       <p:cBhvr>
                                         <p:cTn id="27" dur="1000"/>
                                         <p:tgtEl>
@@ -4018,11 +4083,11 @@
                             </p:stCondLst>
                             <p:childTnLst>
                               <p:par>
-                                <p:cTn id="30" nodeType="clickEffect" presetClass="entr" presetSubtype="4" presetID="22" grpId="6" fill="hold">
+                                <p:cTn id="30" presetID="22" presetClass="entr" presetSubtype="4" fill="hold" grpId="6" nodeType="clickEffect">
                                   <p:stCondLst>
                                     <p:cond delay="0"/>
                                   </p:stCondLst>
-                                  <p:iterate type="el" backwards="0">
+                                  <p:iterate>
                                     <p:tmAbs val="0"/>
                                   </p:iterate>
                                   <p:childTnLst>
@@ -4040,7 +4105,7 @@
                                         <p:strVal val="visible"/>
                                       </p:to>
                                     </p:set>
-                                    <p:animEffect filter="wipe(down)" transition="in">
+                                    <p:animEffect transition="in" filter="wipe(down)">
                                       <p:cBhvr>
                                         <p:cTn id="32" dur="1000"/>
                                         <p:tgtEl>
@@ -4060,14 +4125,14 @@
                 </p:childTnLst>
               </p:cTn>
               <p:prevCondLst>
-                <p:cond evt="onPrev">
+                <p:cond evt="onPrev" delay="0">
                   <p:tgtEl>
                     <p:sldTgt/>
                   </p:tgtEl>
                 </p:cond>
               </p:prevCondLst>
               <p:nextCondLst>
-                <p:cond evt="onNext">
+                <p:cond evt="onNext" delay="0">
                   <p:tgtEl>
                     <p:sldTgt/>
                   </p:tgtEl>
@@ -4079,19 +4144,19 @@
       </p:par>
     </p:tnLst>
     <p:bldLst>
-      <p:bldP build="whole" bldLvl="1" animBg="1" rev="0" advAuto="0" spid="128" grpId="2"/>
-      <p:bldP build="whole" bldLvl="1" animBg="1" rev="0" advAuto="0" spid="125" grpId="1"/>
-      <p:bldP build="whole" bldLvl="1" animBg="1" rev="0" advAuto="0" spid="137" grpId="4"/>
-      <p:bldP build="whole" bldLvl="1" animBg="1" rev="0" advAuto="0" spid="143" grpId="5"/>
-      <p:bldP build="whole" bldLvl="1" animBg="1" rev="0" advAuto="0" spid="146" grpId="6"/>
-      <p:bldP build="whole" bldLvl="1" animBg="1" rev="0" advAuto="0" spid="134" grpId="3"/>
+      <p:bldP spid="125" grpId="1" animBg="1" advAuto="0"/>
+      <p:bldP spid="128" grpId="2" animBg="1" advAuto="0"/>
+      <p:bldP spid="134" grpId="3" animBg="1" advAuto="0"/>
+      <p:bldP spid="137" grpId="4" animBg="1" advAuto="0"/>
+      <p:bldP spid="143" grpId="5" animBg="1" advAuto="0"/>
+      <p:bldP spid="146" grpId="6" animBg="1" advAuto="0"/>
     </p:bldLst>
   </p:timing>
 </p:sld>
 </file>
 
 <file path=ppt/slides/slide15.xml><?xml version="1.0" encoding="utf-8"?>
-<p:sld xmlns:a="http://schemas.openxmlformats.org/drawingml/2006/main" xmlns:r="http://schemas.openxmlformats.org/officeDocument/2006/relationships" xmlns:p="http://schemas.openxmlformats.org/presentationml/2006/main" showMasterSp="1" showMasterPhAnim="1">
+<p:sld xmlns:a="http://schemas.openxmlformats.org/drawingml/2006/main" xmlns:r="http://schemas.openxmlformats.org/officeDocument/2006/relationships" xmlns:p="http://schemas.openxmlformats.org/presentationml/2006/main">
   <p:cSld>
     <p:spTree>
       <p:nvGrpSpPr>
@@ -4110,7 +4175,9 @@
       <p:sp>
         <p:nvSpPr>
           <p:cNvPr id="148" name="Shape 148"/>
-          <p:cNvSpPr/>
+          <p:cNvSpPr>
+            <a:spLocks noGrp="1"/>
+          </p:cNvSpPr>
           <p:nvPr>
             <p:ph type="title" idx="4294967295"/>
           </p:nvPr>
@@ -4134,7 +4201,7 @@
         </p:spPr>
         <p:txBody>
           <a:bodyPr lIns="0" tIns="0" rIns="0" bIns="0" anchor="ctr">
-            <a:normAutofit fontScale="100000" lnSpcReduction="0"/>
+            <a:normAutofit/>
           </a:bodyPr>
           <a:lstStyle>
             <a:lvl1pPr>
@@ -4210,6 +4277,7 @@
               </a:lnSpc>
               <a:defRPr sz="1800"/>
             </a:pPr>
+            <a:endParaRPr/>
           </a:p>
         </p:txBody>
       </p:sp>
@@ -4303,6 +4371,7 @@
                   </a:tabLst>
                   <a:defRPr sz="1800"/>
                 </a:pPr>
+                <a:endParaRPr/>
               </a:p>
             </p:txBody>
           </p:sp>
@@ -4419,6 +4488,7 @@
                   <a:sym typeface="Helvetica"/>
                 </a:defRPr>
               </a:pPr>
+              <a:endParaRPr/>
             </a:p>
           </p:txBody>
         </p:sp>
@@ -4566,6 +4636,7 @@
                   <a:sym typeface="Helvetica"/>
                 </a:defRPr>
               </a:pPr>
+              <a:endParaRPr/>
             </a:p>
           </p:txBody>
         </p:sp>
@@ -4726,15 +4797,6 @@
               </a:rPr>
               <a:t>Previous referrals</a:t>
             </a:r>
-            <a:endParaRPr i="1">
-              <a:solidFill>
-                <a:srgbClr val="3333CC"/>
-              </a:solidFill>
-              <a:latin typeface="+mn-lt"/>
-              <a:ea typeface="+mn-ea"/>
-              <a:cs typeface="+mn-cs"/>
-              <a:sym typeface="Helvetica"/>
-            </a:endParaRPr>
           </a:p>
           <a:p>
             <a:pPr lvl="0" defTabSz="914400">
@@ -4785,14 +4847,14 @@
   <p:clrMapOvr>
     <a:masterClrMapping/>
   </p:clrMapOvr>
-  <p:transition spd="med" advClick="1"/>
+  <p:transition spd="med"/>
   <p:timing>
     <p:tnLst>
       <p:par>
-        <p:cTn id="1" nodeType="tmRoot" restart="never" dur="indefinite" fill="hold">
+        <p:cTn id="1" dur="indefinite" restart="never" fill="hold" nodeType="tmRoot">
           <p:childTnLst>
             <p:seq concurrent="1" prevAc="none" nextAc="seek">
-              <p:cTn id="2" nodeType="mainSeq" dur="indefinite" fill="hold">
+              <p:cTn id="2" dur="indefinite" fill="hold" nodeType="mainSeq">
                 <p:childTnLst>
                   <p:par>
                     <p:cTn id="3" fill="hold">
@@ -4807,11 +4869,11 @@
                             </p:stCondLst>
                             <p:childTnLst>
                               <p:par>
-                                <p:cTn id="5" nodeType="clickEffect" presetClass="entr" presetSubtype="4" presetID="22" grpId="1" fill="hold">
+                                <p:cTn id="5" presetID="22" presetClass="entr" presetSubtype="4" fill="hold" grpId="1" nodeType="clickEffect">
                                   <p:stCondLst>
                                     <p:cond delay="0"/>
                                   </p:stCondLst>
-                                  <p:iterate type="el" backwards="0">
+                                  <p:iterate>
                                     <p:tmAbs val="0"/>
                                   </p:iterate>
                                   <p:childTnLst>
@@ -4829,7 +4891,7 @@
                                         <p:strVal val="visible"/>
                                       </p:to>
                                     </p:set>
-                                    <p:animEffect filter="wipe(down)" transition="in">
+                                    <p:animEffect transition="in" filter="wipe(down)">
                                       <p:cBhvr>
                                         <p:cTn id="7" dur="1000"/>
                                         <p:tgtEl>
@@ -4859,11 +4921,11 @@
                             </p:stCondLst>
                             <p:childTnLst>
                               <p:par>
-                                <p:cTn id="10" nodeType="clickEffect" presetClass="entr" presetSubtype="4" presetID="22" grpId="2" fill="hold">
+                                <p:cTn id="10" presetID="22" presetClass="entr" presetSubtype="4" fill="hold" grpId="2" nodeType="clickEffect">
                                   <p:stCondLst>
                                     <p:cond delay="0"/>
                                   </p:stCondLst>
-                                  <p:iterate type="el" backwards="0">
+                                  <p:iterate>
                                     <p:tmAbs val="0"/>
                                   </p:iterate>
                                   <p:childTnLst>
@@ -4881,7 +4943,7 @@
                                         <p:strVal val="visible"/>
                                       </p:to>
                                     </p:set>
-                                    <p:animEffect filter="wipe(down)" transition="in">
+                                    <p:animEffect transition="in" filter="wipe(down)">
                                       <p:cBhvr>
                                         <p:cTn id="12" dur="1000"/>
                                         <p:tgtEl>
@@ -4901,14 +4963,14 @@
                 </p:childTnLst>
               </p:cTn>
               <p:prevCondLst>
-                <p:cond evt="onPrev">
+                <p:cond evt="onPrev" delay="0">
                   <p:tgtEl>
                     <p:sldTgt/>
                   </p:tgtEl>
                 </p:cond>
               </p:prevCondLst>
               <p:nextCondLst>
-                <p:cond evt="onNext">
+                <p:cond evt="onNext" delay="0">
                   <p:tgtEl>
                     <p:sldTgt/>
                   </p:tgtEl>
@@ -4920,15 +4982,15 @@
       </p:par>
     </p:tnLst>
     <p:bldLst>
-      <p:bldP build="whole" bldLvl="1" animBg="1" rev="0" advAuto="0" spid="155" grpId="1"/>
-      <p:bldP build="whole" bldLvl="1" animBg="1" rev="0" advAuto="0" spid="158" grpId="2"/>
+      <p:bldP spid="155" grpId="1" animBg="1" advAuto="0"/>
+      <p:bldP spid="158" grpId="2" animBg="1" advAuto="0"/>
     </p:bldLst>
   </p:timing>
 </p:sld>
 </file>
 
 <file path=ppt/slides/slide16.xml><?xml version="1.0" encoding="utf-8"?>
-<p:sld xmlns:a="http://schemas.openxmlformats.org/drawingml/2006/main" xmlns:r="http://schemas.openxmlformats.org/officeDocument/2006/relationships" xmlns:p="http://schemas.openxmlformats.org/presentationml/2006/main" showMasterSp="1" showMasterPhAnim="1">
+<p:sld xmlns:a="http://schemas.openxmlformats.org/drawingml/2006/main" xmlns:r="http://schemas.openxmlformats.org/officeDocument/2006/relationships" xmlns:p="http://schemas.openxmlformats.org/presentationml/2006/main">
   <p:cSld>
     <p:spTree>
       <p:nvGrpSpPr>
@@ -4947,7 +5009,9 @@
       <p:sp>
         <p:nvSpPr>
           <p:cNvPr id="161" name="Shape 161"/>
-          <p:cNvSpPr/>
+          <p:cNvSpPr>
+            <a:spLocks noGrp="1"/>
+          </p:cNvSpPr>
           <p:nvPr>
             <p:ph type="title" idx="4294967295"/>
           </p:nvPr>
@@ -4971,7 +5035,7 @@
         </p:spPr>
         <p:txBody>
           <a:bodyPr lIns="0" tIns="0" rIns="0" bIns="0" anchor="ctr">
-            <a:normAutofit fontScale="100000" lnSpcReduction="0"/>
+            <a:normAutofit/>
           </a:bodyPr>
           <a:lstStyle>
             <a:lvl1pPr>
@@ -5016,7 +5080,9 @@
       <p:sp>
         <p:nvSpPr>
           <p:cNvPr id="162" name="Shape 162"/>
-          <p:cNvSpPr/>
+          <p:cNvSpPr>
+            <a:spLocks noGrp="1"/>
+          </p:cNvSpPr>
           <p:nvPr>
             <p:ph type="body" idx="4294967295"/>
           </p:nvPr>
@@ -5040,7 +5106,7 @@
         </p:spPr>
         <p:txBody>
           <a:bodyPr lIns="0" tIns="0" rIns="0" bIns="0">
-            <a:normAutofit fontScale="100000" lnSpcReduction="0"/>
+            <a:normAutofit/>
           </a:bodyPr>
           <a:lstStyle/>
           <a:p>
@@ -5076,7 +5142,6 @@
               <a:rPr sz="3200"/>
               <a:t>If caches hold data for too long, they may give out the wrong answers if the authoritative data changes</a:t>
             </a:r>
-            <a:endParaRPr sz="3200"/>
           </a:p>
           <a:p>
             <a:pPr lvl="0">
@@ -5119,12 +5184,12 @@
   <p:clrMapOvr>
     <a:masterClrMapping/>
   </p:clrMapOvr>
-  <p:transition spd="med" advClick="1"/>
+  <p:transition spd="med"/>
 </p:sld>
 </file>
 
 <file path=ppt/slides/slide17.xml><?xml version="1.0" encoding="utf-8"?>
-<p:sld xmlns:a="http://schemas.openxmlformats.org/drawingml/2006/main" xmlns:r="http://schemas.openxmlformats.org/officeDocument/2006/relationships" xmlns:p="http://schemas.openxmlformats.org/presentationml/2006/main" showMasterSp="1" showMasterPhAnim="1">
+<p:sld xmlns:a="http://schemas.openxmlformats.org/drawingml/2006/main" xmlns:r="http://schemas.openxmlformats.org/officeDocument/2006/relationships" xmlns:p="http://schemas.openxmlformats.org/presentationml/2006/main">
   <p:cSld>
     <p:spTree>
       <p:nvGrpSpPr>
@@ -5143,7 +5208,9 @@
       <p:sp>
         <p:nvSpPr>
           <p:cNvPr id="164" name="Shape 164"/>
-          <p:cNvSpPr/>
+          <p:cNvSpPr>
+            <a:spLocks noGrp="1"/>
+          </p:cNvSpPr>
           <p:nvPr>
             <p:ph type="title" idx="4294967295"/>
           </p:nvPr>
@@ -5167,7 +5234,7 @@
         </p:spPr>
         <p:txBody>
           <a:bodyPr lIns="0" tIns="0" rIns="0" bIns="0" anchor="ctr">
-            <a:normAutofit fontScale="100000" lnSpcReduction="0"/>
+            <a:normAutofit/>
           </a:bodyPr>
           <a:lstStyle>
             <a:lvl1pPr>
@@ -5212,7 +5279,9 @@
       <p:sp>
         <p:nvSpPr>
           <p:cNvPr id="165" name="Shape 165"/>
-          <p:cNvSpPr/>
+          <p:cNvSpPr>
+            <a:spLocks noGrp="1"/>
+          </p:cNvSpPr>
           <p:nvPr>
             <p:ph type="body" idx="4294967295"/>
           </p:nvPr>
@@ -5236,7 +5305,7 @@
         </p:spPr>
         <p:txBody>
           <a:bodyPr lIns="0" tIns="0" rIns="0" bIns="0">
-            <a:normAutofit fontScale="100000" lnSpcReduction="0"/>
+            <a:normAutofit/>
           </a:bodyPr>
           <a:lstStyle/>
           <a:p>
@@ -5272,7 +5341,6 @@
               <a:rPr sz="3200"/>
               <a:t>Each resource record has a "Time To Live" (TTL) which says how long it can be kept in cache</a:t>
             </a:r>
-            <a:endParaRPr sz="3200"/>
           </a:p>
           <a:p>
             <a:pPr lvl="0">
@@ -5307,7 +5375,6 @@
               <a:rPr sz="3200"/>
               <a:t>The SOA record says how long a negative answer can be cached (i.e. the non-existence of a resource record)</a:t>
             </a:r>
-            <a:endParaRPr sz="3200"/>
           </a:p>
           <a:p>
             <a:pPr lvl="0">
@@ -5350,12 +5417,12 @@
   <p:clrMapOvr>
     <a:masterClrMapping/>
   </p:clrMapOvr>
-  <p:transition spd="med" advClick="1"/>
+  <p:transition spd="med"/>
 </p:sld>
 </file>
 
 <file path=ppt/slides/slide18.xml><?xml version="1.0" encoding="utf-8"?>
-<p:sld xmlns:a="http://schemas.openxmlformats.org/drawingml/2006/main" xmlns:r="http://schemas.openxmlformats.org/officeDocument/2006/relationships" xmlns:p="http://schemas.openxmlformats.org/presentationml/2006/main" showMasterSp="1" showMasterPhAnim="1">
+<p:sld xmlns:a="http://schemas.openxmlformats.org/drawingml/2006/main" xmlns:r="http://schemas.openxmlformats.org/officeDocument/2006/relationships" xmlns:p="http://schemas.openxmlformats.org/presentationml/2006/main">
   <p:cSld>
     <p:spTree>
       <p:nvGrpSpPr>
@@ -5374,7 +5441,9 @@
       <p:sp>
         <p:nvSpPr>
           <p:cNvPr id="167" name="Shape 167"/>
-          <p:cNvSpPr/>
+          <p:cNvSpPr>
+            <a:spLocks noGrp="1"/>
+          </p:cNvSpPr>
           <p:nvPr>
             <p:ph type="title" idx="4294967295"/>
           </p:nvPr>
@@ -5398,7 +5467,7 @@
         </p:spPr>
         <p:txBody>
           <a:bodyPr lIns="0" tIns="0" rIns="0" bIns="0" anchor="ctr">
-            <a:normAutofit fontScale="100000" lnSpcReduction="0"/>
+            <a:normAutofit/>
           </a:bodyPr>
           <a:lstStyle>
             <a:lvl1pPr>
@@ -5443,7 +5512,9 @@
       <p:sp>
         <p:nvSpPr>
           <p:cNvPr id="168" name="Shape 168"/>
-          <p:cNvSpPr/>
+          <p:cNvSpPr>
+            <a:spLocks noGrp="1"/>
+          </p:cNvSpPr>
           <p:nvPr>
             <p:ph type="body" idx="4294967295"/>
           </p:nvPr>
@@ -5467,7 +5538,7 @@
         </p:spPr>
         <p:txBody>
           <a:bodyPr lIns="0" tIns="0" rIns="0" bIns="0">
-            <a:normAutofit fontScale="100000" lnSpcReduction="0"/>
+            <a:normAutofit/>
           </a:bodyPr>
           <a:lstStyle/>
           <a:p>
@@ -5503,7 +5574,6 @@
               <a:rPr sz="3200"/>
               <a:t>Set a fairly long TTL - 1 or 2 days</a:t>
             </a:r>
-            <a:endParaRPr sz="3200"/>
           </a:p>
           <a:p>
             <a:pPr lvl="0">
@@ -5538,7 +5608,6 @@
               <a:rPr sz="3200"/>
               <a:t>When you know you are about to make a change, reduce the TTL down to 10 minutes</a:t>
             </a:r>
-            <a:endParaRPr sz="3200"/>
           </a:p>
           <a:p>
             <a:pPr lvl="0">
@@ -5573,7 +5642,6 @@
               <a:rPr sz="3200"/>
               <a:t>Wait 1 or 2 days BEFORE making the change</a:t>
             </a:r>
-            <a:endParaRPr sz="3200"/>
           </a:p>
           <a:p>
             <a:pPr lvl="0">
@@ -5616,12 +5684,12 @@
   <p:clrMapOvr>
     <a:masterClrMapping/>
   </p:clrMapOvr>
-  <p:transition spd="med" advClick="1"/>
+  <p:transition spd="med"/>
 </p:sld>
 </file>
 
 <file path=ppt/slides/slide19.xml><?xml version="1.0" encoding="utf-8"?>
-<p:sld xmlns:a="http://schemas.openxmlformats.org/drawingml/2006/main" xmlns:r="http://schemas.openxmlformats.org/officeDocument/2006/relationships" xmlns:p="http://schemas.openxmlformats.org/presentationml/2006/main" showMasterSp="1" showMasterPhAnim="1">
+<p:sld xmlns:a="http://schemas.openxmlformats.org/drawingml/2006/main" xmlns:r="http://schemas.openxmlformats.org/officeDocument/2006/relationships" xmlns:p="http://schemas.openxmlformats.org/presentationml/2006/main">
   <p:cSld>
     <p:spTree>
       <p:nvGrpSpPr>
@@ -5640,7 +5708,9 @@
       <p:sp>
         <p:nvSpPr>
           <p:cNvPr id="170" name="Shape 170"/>
-          <p:cNvSpPr/>
+          <p:cNvSpPr>
+            <a:spLocks noGrp="1"/>
+          </p:cNvSpPr>
           <p:nvPr>
             <p:ph type="title" idx="4294967295"/>
           </p:nvPr>
@@ -5664,7 +5734,7 @@
         </p:spPr>
         <p:txBody>
           <a:bodyPr lIns="0" tIns="0" rIns="0" bIns="0" anchor="ctr">
-            <a:normAutofit fontScale="100000" lnSpcReduction="0"/>
+            <a:normAutofit/>
           </a:bodyPr>
           <a:lstStyle>
             <a:lvl1pPr>
@@ -5709,7 +5779,9 @@
       <p:sp>
         <p:nvSpPr>
           <p:cNvPr id="171" name="Shape 171"/>
-          <p:cNvSpPr/>
+          <p:cNvSpPr>
+            <a:spLocks noGrp="1"/>
+          </p:cNvSpPr>
           <p:nvPr>
             <p:ph type="body" idx="4294967295"/>
           </p:nvPr>
@@ -5733,11 +5805,11 @@
         </p:spPr>
         <p:txBody>
           <a:bodyPr lIns="0" tIns="0" rIns="0" bIns="0" anchor="ctr">
-            <a:normAutofit fontScale="100000" lnSpcReduction="0"/>
+            <a:normAutofit/>
           </a:bodyPr>
           <a:lstStyle/>
           <a:p>
-            <a:pPr lvl="1" marL="0" indent="214312" algn="ctr">
+            <a:pPr marL="0" lvl="1" indent="214312" algn="ctr">
               <a:lnSpc>
                 <a:spcPct val="93000"/>
               </a:lnSpc>
@@ -5772,7 +5844,7 @@
               <a:defRPr sz="1800"/>
             </a:pPr>
             <a:r>
-              <a:rPr b="1" i="1" sz="9600"/>
+              <a:rPr sz="9600" b="1" i="1"/>
               <a:t>?</a:t>
             </a:r>
           </a:p>
@@ -5783,12 +5855,12 @@
   <p:clrMapOvr>
     <a:masterClrMapping/>
   </p:clrMapOvr>
-  <p:transition spd="med" advClick="1"/>
+  <p:transition spd="med"/>
 </p:sld>
 </file>
 
 <file path=ppt/slides/slide2.xml><?xml version="1.0" encoding="utf-8"?>
-<p:sld xmlns:a="http://schemas.openxmlformats.org/drawingml/2006/main" xmlns:r="http://schemas.openxmlformats.org/officeDocument/2006/relationships" xmlns:p="http://schemas.openxmlformats.org/presentationml/2006/main" showMasterSp="1" showMasterPhAnim="1">
+<p:sld xmlns:a="http://schemas.openxmlformats.org/drawingml/2006/main" xmlns:r="http://schemas.openxmlformats.org/officeDocument/2006/relationships" xmlns:p="http://schemas.openxmlformats.org/presentationml/2006/main">
   <p:cSld>
     <p:spTree>
       <p:nvGrpSpPr>
@@ -5807,7 +5879,9 @@
       <p:sp>
         <p:nvSpPr>
           <p:cNvPr id="13" name="Shape 13"/>
-          <p:cNvSpPr/>
+          <p:cNvSpPr>
+            <a:spLocks noGrp="1"/>
+          </p:cNvSpPr>
           <p:nvPr>
             <p:ph type="title" idx="4294967295"/>
           </p:nvPr>
@@ -5831,7 +5905,7 @@
         </p:spPr>
         <p:txBody>
           <a:bodyPr lIns="0" tIns="0" rIns="0" bIns="0" anchor="ctr">
-            <a:normAutofit fontScale="100000" lnSpcReduction="0"/>
+            <a:normAutofit/>
           </a:bodyPr>
           <a:lstStyle/>
           <a:p>
@@ -5848,7 +5922,9 @@
       <p:sp>
         <p:nvSpPr>
           <p:cNvPr id="14" name="Shape 14"/>
-          <p:cNvSpPr/>
+          <p:cNvSpPr>
+            <a:spLocks noGrp="1"/>
+          </p:cNvSpPr>
           <p:nvPr>
             <p:ph type="body" idx="4294967295"/>
           </p:nvPr>
@@ -5867,14 +5943,15 @@
         </p:spPr>
         <p:txBody>
           <a:bodyPr lIns="0" tIns="0" rIns="0" bIns="0">
-            <a:normAutofit fontScale="100000" lnSpcReduction="0"/>
+            <a:normAutofit/>
           </a:bodyPr>
           <a:lstStyle/>
           <a:p>
-            <a:pPr lvl="0" marL="0" indent="0" algn="ctr">
+            <a:pPr marL="0" lvl="0" indent="0" algn="ctr">
               <a:buSzTx/>
               <a:buNone/>
             </a:pPr>
+            <a:endParaRPr/>
           </a:p>
         </p:txBody>
       </p:sp>
@@ -5883,12 +5960,12 @@
   <p:clrMapOvr>
     <a:masterClrMapping/>
   </p:clrMapOvr>
-  <p:transition spd="med" advClick="1"/>
+  <p:transition spd="med"/>
 </p:sld>
 </file>
 
 <file path=ppt/slides/slide20.xml><?xml version="1.0" encoding="utf-8"?>
-<p:sld xmlns:a="http://schemas.openxmlformats.org/drawingml/2006/main" xmlns:r="http://schemas.openxmlformats.org/officeDocument/2006/relationships" xmlns:p="http://schemas.openxmlformats.org/presentationml/2006/main" showMasterSp="1" showMasterPhAnim="1">
+<p:sld xmlns:a="http://schemas.openxmlformats.org/drawingml/2006/main" xmlns:r="http://schemas.openxmlformats.org/officeDocument/2006/relationships" xmlns:p="http://schemas.openxmlformats.org/presentationml/2006/main">
   <p:cSld>
     <p:spTree>
       <p:nvGrpSpPr>
@@ -5907,7 +5984,9 @@
       <p:sp>
         <p:nvSpPr>
           <p:cNvPr id="173" name="Shape 173"/>
-          <p:cNvSpPr/>
+          <p:cNvSpPr>
+            <a:spLocks noGrp="1"/>
+          </p:cNvSpPr>
           <p:nvPr>
             <p:ph type="title" idx="4294967295"/>
           </p:nvPr>
@@ -5931,7 +6010,7 @@
         </p:spPr>
         <p:txBody>
           <a:bodyPr lIns="0" tIns="0" rIns="0" bIns="0" anchor="ctr">
-            <a:normAutofit fontScale="100000" lnSpcReduction="0"/>
+            <a:normAutofit/>
           </a:bodyPr>
           <a:lstStyle/>
           <a:p>
@@ -5948,7 +6027,9 @@
       <p:sp>
         <p:nvSpPr>
           <p:cNvPr id="174" name="Shape 174"/>
-          <p:cNvSpPr/>
+          <p:cNvSpPr>
+            <a:spLocks noGrp="1"/>
+          </p:cNvSpPr>
           <p:nvPr>
             <p:ph type="body" idx="4294967295"/>
           </p:nvPr>
@@ -5967,14 +6048,15 @@
         </p:spPr>
         <p:txBody>
           <a:bodyPr lIns="0" tIns="0" rIns="0" bIns="0">
-            <a:normAutofit fontScale="100000" lnSpcReduction="0"/>
+            <a:normAutofit/>
           </a:bodyPr>
           <a:lstStyle/>
           <a:p>
-            <a:pPr lvl="0" marL="0" indent="0" algn="ctr">
+            <a:pPr marL="0" lvl="0" indent="0" algn="ctr">
               <a:buSzTx/>
               <a:buNone/>
             </a:pPr>
+            <a:endParaRPr/>
           </a:p>
         </p:txBody>
       </p:sp>
@@ -5983,12 +6065,12 @@
   <p:clrMapOvr>
     <a:masterClrMapping/>
   </p:clrMapOvr>
-  <p:transition spd="med" advClick="1"/>
+  <p:transition spd="med"/>
 </p:sld>
 </file>
 
 <file path=ppt/slides/slide21.xml><?xml version="1.0" encoding="utf-8"?>
-<p:sld xmlns:a="http://schemas.openxmlformats.org/drawingml/2006/main" xmlns:r="http://schemas.openxmlformats.org/officeDocument/2006/relationships" xmlns:p="http://schemas.openxmlformats.org/presentationml/2006/main" showMasterSp="1" showMasterPhAnim="1">
+<p:sld xmlns:a="http://schemas.openxmlformats.org/drawingml/2006/main" xmlns:r="http://schemas.openxmlformats.org/officeDocument/2006/relationships" xmlns:p="http://schemas.openxmlformats.org/presentationml/2006/main">
   <p:cSld>
     <p:spTree>
       <p:nvGrpSpPr>
@@ -6007,7 +6089,9 @@
       <p:sp>
         <p:nvSpPr>
           <p:cNvPr id="176" name="Shape 176"/>
-          <p:cNvSpPr/>
+          <p:cNvSpPr>
+            <a:spLocks noGrp="1"/>
+          </p:cNvSpPr>
           <p:nvPr>
             <p:ph type="title" idx="4294967295"/>
           </p:nvPr>
@@ -6031,7 +6115,7 @@
         </p:spPr>
         <p:txBody>
           <a:bodyPr lIns="0" tIns="0" rIns="0" bIns="0" anchor="ctr">
-            <a:normAutofit fontScale="100000" lnSpcReduction="0"/>
+            <a:normAutofit/>
           </a:bodyPr>
           <a:lstStyle>
             <a:lvl1pPr>
@@ -6076,7 +6160,9 @@
       <p:sp>
         <p:nvSpPr>
           <p:cNvPr id="177" name="Shape 177"/>
-          <p:cNvSpPr/>
+          <p:cNvSpPr>
+            <a:spLocks noGrp="1"/>
+          </p:cNvSpPr>
           <p:nvPr>
             <p:ph type="body" idx="4294967295"/>
           </p:nvPr>
@@ -6100,7 +6186,7 @@
         </p:spPr>
         <p:txBody>
           <a:bodyPr lIns="0" tIns="0" rIns="0" bIns="0">
-            <a:normAutofit fontScale="100000" lnSpcReduction="0"/>
+            <a:normAutofit/>
           </a:bodyPr>
           <a:lstStyle/>
           <a:p>
@@ -6136,7 +6222,6 @@
               <a:rPr sz="3200"/>
               <a:t>Remember that following referrals is in general a multi-step process</a:t>
             </a:r>
-            <a:endParaRPr sz="3200"/>
           </a:p>
           <a:p>
             <a:pPr lvl="0">
@@ -6179,12 +6264,12 @@
   <p:clrMapOvr>
     <a:masterClrMapping/>
   </p:clrMapOvr>
-  <p:transition spd="med" advClick="1"/>
+  <p:transition spd="med"/>
 </p:sld>
 </file>
 
 <file path=ppt/slides/slide22.xml><?xml version="1.0" encoding="utf-8"?>
-<p:sld xmlns:a="http://schemas.openxmlformats.org/drawingml/2006/main" xmlns:r="http://schemas.openxmlformats.org/officeDocument/2006/relationships" xmlns:p="http://schemas.openxmlformats.org/presentationml/2006/main" showMasterSp="1" showMasterPhAnim="1">
+<p:sld xmlns:a="http://schemas.openxmlformats.org/drawingml/2006/main" xmlns:r="http://schemas.openxmlformats.org/officeDocument/2006/relationships" xmlns:p="http://schemas.openxmlformats.org/presentationml/2006/main">
   <p:cSld>
     <p:spTree>
       <p:nvGrpSpPr>
@@ -6203,7 +6288,9 @@
       <p:sp>
         <p:nvSpPr>
           <p:cNvPr id="179" name="Shape 179"/>
-          <p:cNvSpPr/>
+          <p:cNvSpPr>
+            <a:spLocks noGrp="1"/>
+          </p:cNvSpPr>
           <p:nvPr>
             <p:ph type="title" idx="4294967295"/>
           </p:nvPr>
@@ -6227,7 +6314,7 @@
         </p:spPr>
         <p:txBody>
           <a:bodyPr lIns="0" tIns="0" rIns="0" bIns="0" anchor="ctr">
-            <a:normAutofit fontScale="100000" lnSpcReduction="0"/>
+            <a:normAutofit/>
           </a:bodyPr>
           <a:lstStyle>
             <a:lvl1pPr>
@@ -6272,7 +6359,9 @@
       <p:sp>
         <p:nvSpPr>
           <p:cNvPr id="180" name="Shape 180"/>
-          <p:cNvSpPr/>
+          <p:cNvSpPr>
+            <a:spLocks noGrp="1"/>
+          </p:cNvSpPr>
           <p:nvPr>
             <p:ph type="body" idx="4294967295"/>
           </p:nvPr>
@@ -6296,7 +6385,7 @@
         </p:spPr>
         <p:txBody>
           <a:bodyPr lIns="0" tIns="0" rIns="0" bIns="0">
-            <a:normAutofit fontScale="100000" lnSpcReduction="0"/>
+            <a:normAutofit/>
           </a:bodyPr>
           <a:lstStyle>
             <a:lvl1pPr>
@@ -6366,7 +6455,6 @@
               <a:rPr sz="3200"/>
               <a:t>Not a problem: timeout and try the next authoritative server</a:t>
             </a:r>
-            <a:endParaRPr sz="3200"/>
           </a:p>
           <a:p>
             <a:pPr lvl="1">
@@ -6384,12 +6472,12 @@
   <p:clrMapOvr>
     <a:masterClrMapping/>
   </p:clrMapOvr>
-  <p:transition spd="med" advClick="1"/>
+  <p:transition spd="med"/>
 </p:sld>
 </file>
 
 <file path=ppt/slides/slide23.xml><?xml version="1.0" encoding="utf-8"?>
-<p:sld xmlns:a="http://schemas.openxmlformats.org/drawingml/2006/main" xmlns:r="http://schemas.openxmlformats.org/officeDocument/2006/relationships" xmlns:p="http://schemas.openxmlformats.org/presentationml/2006/main" showMasterSp="1" showMasterPhAnim="1">
+<p:sld xmlns:a="http://schemas.openxmlformats.org/drawingml/2006/main" xmlns:r="http://schemas.openxmlformats.org/officeDocument/2006/relationships" xmlns:p="http://schemas.openxmlformats.org/presentationml/2006/main">
   <p:cSld>
     <p:spTree>
       <p:nvGrpSpPr>
@@ -6408,7 +6496,9 @@
       <p:sp>
         <p:nvSpPr>
           <p:cNvPr id="182" name="Shape 182"/>
-          <p:cNvSpPr/>
+          <p:cNvSpPr>
+            <a:spLocks noGrp="1"/>
+          </p:cNvSpPr>
           <p:nvPr>
             <p:ph type="title" idx="4294967295"/>
           </p:nvPr>
@@ -6432,7 +6522,7 @@
         </p:spPr>
         <p:txBody>
           <a:bodyPr lIns="0" tIns="0" rIns="0" bIns="0" anchor="ctr">
-            <a:normAutofit fontScale="100000" lnSpcReduction="0"/>
+            <a:normAutofit/>
           </a:bodyPr>
           <a:lstStyle>
             <a:lvl1pPr>
@@ -6477,7 +6567,9 @@
       <p:sp>
         <p:nvSpPr>
           <p:cNvPr id="183" name="Shape 183"/>
-          <p:cNvSpPr/>
+          <p:cNvSpPr>
+            <a:spLocks noGrp="1"/>
+          </p:cNvSpPr>
           <p:nvPr>
             <p:ph type="body" idx="4294967295"/>
           </p:nvPr>
@@ -6501,7 +6593,7 @@
         </p:spPr>
         <p:txBody>
           <a:bodyPr lIns="0" tIns="0" rIns="0" bIns="0">
-            <a:normAutofit fontScale="100000" lnSpcReduction="0"/>
+            <a:normAutofit/>
           </a:bodyPr>
           <a:lstStyle/>
           <a:p>
@@ -6537,7 +6629,6 @@
               <a:rPr sz="3200"/>
               <a:t>This is bad; query cannot complete</a:t>
             </a:r>
-            <a:endParaRPr sz="3200"/>
           </a:p>
           <a:p>
             <a:pPr lvl="0">
@@ -6572,7 +6663,6 @@
               <a:rPr sz="3200"/>
               <a:t>Make sure all nameservers not on the same subnet (switch/router failure)</a:t>
             </a:r>
-            <a:endParaRPr sz="3200"/>
           </a:p>
           <a:p>
             <a:pPr lvl="0">
@@ -6607,7 +6697,6 @@
               <a:rPr sz="3200"/>
               <a:t>Make sure all nameservers not in the same building (power failure)</a:t>
             </a:r>
-            <a:endParaRPr sz="3200"/>
           </a:p>
           <a:p>
             <a:pPr lvl="0">
@@ -6642,7 +6731,6 @@
               <a:rPr sz="3200"/>
               <a:t>Make sure all nameservers not even on the same Internet backbone (failure of upstream link)</a:t>
             </a:r>
-            <a:endParaRPr sz="3200"/>
           </a:p>
           <a:p>
             <a:pPr lvl="0">
@@ -6685,12 +6773,12 @@
   <p:clrMapOvr>
     <a:masterClrMapping/>
   </p:clrMapOvr>
-  <p:transition spd="med" advClick="1"/>
+  <p:transition spd="med"/>
 </p:sld>
 </file>
 
 <file path=ppt/slides/slide24.xml><?xml version="1.0" encoding="utf-8"?>
-<p:sld xmlns:a="http://schemas.openxmlformats.org/drawingml/2006/main" xmlns:r="http://schemas.openxmlformats.org/officeDocument/2006/relationships" xmlns:p="http://schemas.openxmlformats.org/presentationml/2006/main" showMasterSp="1" showMasterPhAnim="1">
+<p:sld xmlns:a="http://schemas.openxmlformats.org/drawingml/2006/main" xmlns:r="http://schemas.openxmlformats.org/officeDocument/2006/relationships" xmlns:p="http://schemas.openxmlformats.org/presentationml/2006/main">
   <p:cSld>
     <p:spTree>
       <p:nvGrpSpPr>
@@ -6709,7 +6797,9 @@
       <p:sp>
         <p:nvSpPr>
           <p:cNvPr id="185" name="Shape 185"/>
-          <p:cNvSpPr/>
+          <p:cNvSpPr>
+            <a:spLocks noGrp="1"/>
+          </p:cNvSpPr>
           <p:nvPr>
             <p:ph type="title" idx="4294967295"/>
           </p:nvPr>
@@ -6733,7 +6823,7 @@
         </p:spPr>
         <p:txBody>
           <a:bodyPr lIns="0" tIns="0" rIns="0" bIns="0" anchor="ctr">
-            <a:normAutofit fontScale="100000" lnSpcReduction="0"/>
+            <a:normAutofit/>
           </a:bodyPr>
           <a:lstStyle>
             <a:lvl1pPr>
@@ -6778,7 +6868,9 @@
       <p:sp>
         <p:nvSpPr>
           <p:cNvPr id="186" name="Shape 186"/>
-          <p:cNvSpPr/>
+          <p:cNvSpPr>
+            <a:spLocks noGrp="1"/>
+          </p:cNvSpPr>
           <p:nvPr>
             <p:ph type="body" idx="4294967295"/>
           </p:nvPr>
@@ -6802,7 +6894,7 @@
         </p:spPr>
         <p:txBody>
           <a:bodyPr lIns="0" tIns="0" rIns="0" bIns="0">
-            <a:normAutofit fontScale="100000" lnSpcReduction="0"/>
+            <a:normAutofit/>
           </a:bodyPr>
           <a:lstStyle/>
           <a:p>
@@ -6838,7 +6930,6 @@
               <a:rPr sz="3200"/>
               <a:t>Bad error. Called "Lame Delegation"</a:t>
             </a:r>
-            <a:endParaRPr sz="3200"/>
           </a:p>
           <a:p>
             <a:pPr lvl="0">
@@ -6873,7 +6964,6 @@
               <a:rPr sz="3200"/>
               <a:t>Query cannot proceed - server can give neither the right answer nor the right delegation</a:t>
             </a:r>
-            <a:endParaRPr sz="3200"/>
           </a:p>
           <a:p>
             <a:pPr lvl="0">
@@ -6908,7 +6998,6 @@
               <a:rPr sz="3200"/>
               <a:t>Typical error: NS record for a zone points to a caching nameserver which has not been set up as authoritative for that zone</a:t>
             </a:r>
-            <a:endParaRPr sz="3200"/>
           </a:p>
           <a:p>
             <a:pPr lvl="0">
@@ -6951,12 +7040,12 @@
   <p:clrMapOvr>
     <a:masterClrMapping/>
   </p:clrMapOvr>
-  <p:transition spd="med" advClick="1"/>
+  <p:transition spd="med"/>
 </p:sld>
 </file>
 
 <file path=ppt/slides/slide25.xml><?xml version="1.0" encoding="utf-8"?>
-<p:sld xmlns:a="http://schemas.openxmlformats.org/drawingml/2006/main" xmlns:r="http://schemas.openxmlformats.org/officeDocument/2006/relationships" xmlns:p="http://schemas.openxmlformats.org/presentationml/2006/main" showMasterSp="1" showMasterPhAnim="1">
+<p:sld xmlns:a="http://schemas.openxmlformats.org/drawingml/2006/main" xmlns:r="http://schemas.openxmlformats.org/officeDocument/2006/relationships" xmlns:p="http://schemas.openxmlformats.org/presentationml/2006/main">
   <p:cSld>
     <p:spTree>
       <p:nvGrpSpPr>
@@ -6975,7 +7064,9 @@
       <p:sp>
         <p:nvSpPr>
           <p:cNvPr id="188" name="Shape 188"/>
-          <p:cNvSpPr/>
+          <p:cNvSpPr>
+            <a:spLocks noGrp="1"/>
+          </p:cNvSpPr>
           <p:nvPr>
             <p:ph type="title" idx="4294967295"/>
           </p:nvPr>
@@ -6999,7 +7090,7 @@
         </p:spPr>
         <p:txBody>
           <a:bodyPr lIns="0" tIns="0" rIns="0" bIns="0" anchor="ctr">
-            <a:normAutofit fontScale="100000" lnSpcReduction="0"/>
+            <a:normAutofit/>
           </a:bodyPr>
           <a:lstStyle>
             <a:lvl1pPr>
@@ -7044,7 +7135,9 @@
       <p:sp>
         <p:nvSpPr>
           <p:cNvPr id="189" name="Shape 189"/>
-          <p:cNvSpPr/>
+          <p:cNvSpPr>
+            <a:spLocks noGrp="1"/>
+          </p:cNvSpPr>
           <p:nvPr>
             <p:ph type="body" idx="4294967295"/>
           </p:nvPr>
@@ -7068,7 +7161,7 @@
         </p:spPr>
         <p:txBody>
           <a:bodyPr lIns="0" tIns="0" rIns="0" bIns="0">
-            <a:normAutofit fontScale="100000" lnSpcReduction="0"/>
+            <a:normAutofit/>
           </a:bodyPr>
           <a:lstStyle/>
           <a:p>
@@ -7104,7 +7197,6 @@
               <a:rPr sz="3200"/>
               <a:t>If auth servers don't have the same information then you will get different information depending on which one you picked (random)</a:t>
             </a:r>
-            <a:endParaRPr sz="3200"/>
           </a:p>
           <a:p>
             <a:pPr lvl="0">
@@ -7147,12 +7239,12 @@
   <p:clrMapOvr>
     <a:masterClrMapping/>
   </p:clrMapOvr>
-  <p:transition spd="med" advClick="1"/>
+  <p:transition spd="med"/>
 </p:sld>
 </file>
 
 <file path=ppt/slides/slide26.xml><?xml version="1.0" encoding="utf-8"?>
-<p:sld xmlns:a="http://schemas.openxmlformats.org/drawingml/2006/main" xmlns:r="http://schemas.openxmlformats.org/officeDocument/2006/relationships" xmlns:p="http://schemas.openxmlformats.org/presentationml/2006/main" showMasterSp="1" showMasterPhAnim="1">
+<p:sld xmlns:a="http://schemas.openxmlformats.org/drawingml/2006/main" xmlns:r="http://schemas.openxmlformats.org/officeDocument/2006/relationships" xmlns:p="http://schemas.openxmlformats.org/presentationml/2006/main">
   <p:cSld>
     <p:spTree>
       <p:nvGrpSpPr>
@@ -7171,7 +7263,9 @@
       <p:sp>
         <p:nvSpPr>
           <p:cNvPr id="191" name="Shape 191"/>
-          <p:cNvSpPr/>
+          <p:cNvSpPr>
+            <a:spLocks noGrp="1"/>
+          </p:cNvSpPr>
           <p:nvPr>
             <p:ph type="title" idx="4294967295"/>
           </p:nvPr>
@@ -7195,7 +7289,7 @@
         </p:spPr>
         <p:txBody>
           <a:bodyPr lIns="0" tIns="0" rIns="0" bIns="0" anchor="ctr">
-            <a:normAutofit fontScale="100000" lnSpcReduction="0"/>
+            <a:normAutofit/>
           </a:bodyPr>
           <a:lstStyle>
             <a:lvl1pPr>
@@ -7240,7 +7334,9 @@
       <p:sp>
         <p:nvSpPr>
           <p:cNvPr id="192" name="Shape 192"/>
-          <p:cNvSpPr/>
+          <p:cNvSpPr>
+            <a:spLocks noGrp="1"/>
+          </p:cNvSpPr>
           <p:nvPr>
             <p:ph type="body" idx="4294967295"/>
           </p:nvPr>
@@ -7264,7 +7360,7 @@
         </p:spPr>
         <p:txBody>
           <a:bodyPr lIns="0" tIns="0" rIns="0" bIns="0">
-            <a:normAutofit fontScale="100000" lnSpcReduction="0"/>
+            <a:normAutofit/>
           </a:bodyPr>
           <a:lstStyle/>
           <a:p>
@@ -7300,7 +7396,6 @@
               <a:rPr sz="3200"/>
               <a:t>NS records in the delegation do not match NS records in the zone file (we will write zone files later)</a:t>
             </a:r>
-            <a:endParaRPr sz="3200"/>
           </a:p>
           <a:p>
             <a:pPr lvl="0">
@@ -7335,10 +7430,9 @@
               <a:rPr sz="3200"/>
               <a:t>Problem: if the two sets aren't the same, then which is right?</a:t>
             </a:r>
-            <a:endParaRPr sz="3200"/>
           </a:p>
           <a:p>
-            <a:pPr lvl="1" marL="862012" indent="-285750">
+            <a:pPr marL="862012" lvl="1" indent="-285750">
               <a:lnSpc>
                 <a:spcPct val="93000"/>
               </a:lnSpc>
@@ -7373,10 +7467,9 @@
               <a:rPr sz="2800"/>
               <a:t>Leads to unpredictable behaviour</a:t>
             </a:r>
-            <a:endParaRPr sz="2800"/>
           </a:p>
           <a:p>
-            <a:pPr lvl="1" marL="862012" indent="-285750">
+            <a:pPr marL="862012" lvl="1" indent="-285750">
               <a:lnSpc>
                 <a:spcPct val="93000"/>
               </a:lnSpc>
@@ -7419,12 +7512,12 @@
   <p:clrMapOvr>
     <a:masterClrMapping/>
   </p:clrMapOvr>
-  <p:transition spd="med" advClick="1"/>
+  <p:transition spd="med"/>
 </p:sld>
 </file>
 
 <file path=ppt/slides/slide27.xml><?xml version="1.0" encoding="utf-8"?>
-<p:sld xmlns:a="http://schemas.openxmlformats.org/drawingml/2006/main" xmlns:r="http://schemas.openxmlformats.org/officeDocument/2006/relationships" xmlns:p="http://schemas.openxmlformats.org/presentationml/2006/main" showMasterSp="1" showMasterPhAnim="1">
+<p:sld xmlns:a="http://schemas.openxmlformats.org/drawingml/2006/main" xmlns:r="http://schemas.openxmlformats.org/officeDocument/2006/relationships" xmlns:p="http://schemas.openxmlformats.org/presentationml/2006/main">
   <p:cSld>
     <p:spTree>
       <p:nvGrpSpPr>
@@ -7443,7 +7536,9 @@
       <p:sp>
         <p:nvSpPr>
           <p:cNvPr id="194" name="Shape 194"/>
-          <p:cNvSpPr/>
+          <p:cNvSpPr>
+            <a:spLocks noGrp="1"/>
+          </p:cNvSpPr>
           <p:nvPr>
             <p:ph type="title" idx="4294967295"/>
           </p:nvPr>
@@ -7467,7 +7562,7 @@
         </p:spPr>
         <p:txBody>
           <a:bodyPr lIns="0" tIns="0" rIns="0" bIns="0" anchor="ctr">
-            <a:normAutofit fontScale="100000" lnSpcReduction="0"/>
+            <a:normAutofit/>
           </a:bodyPr>
           <a:lstStyle>
             <a:lvl1pPr>
@@ -7512,7 +7607,9 @@
       <p:sp>
         <p:nvSpPr>
           <p:cNvPr id="195" name="Shape 195"/>
-          <p:cNvSpPr/>
+          <p:cNvSpPr>
+            <a:spLocks noGrp="1"/>
+          </p:cNvSpPr>
           <p:nvPr>
             <p:ph type="body" idx="4294967295"/>
           </p:nvPr>
@@ -7536,7 +7633,7 @@
         </p:spPr>
         <p:txBody>
           <a:bodyPr lIns="0" tIns="0" rIns="0" bIns="0">
-            <a:normAutofit fontScale="100000" lnSpcReduction="0"/>
+            <a:normAutofit/>
           </a:bodyPr>
           <a:lstStyle/>
           <a:p>
@@ -7572,7 +7669,6 @@
               <a:rPr sz="3200"/>
               <a:t>Consider when caching nameserver contains an old zone file, but customer has transferred their DNS somewhere else</a:t>
             </a:r>
-            <a:endParaRPr sz="3200"/>
           </a:p>
           <a:p>
             <a:pPr lvl="0">
@@ -7607,7 +7703,6 @@
               <a:rPr sz="3200"/>
               <a:t>Caching nameserver responds immediately with the old information, even though NS records point at a different ISP's authoritative nameservers which hold the right information!</a:t>
             </a:r>
-            <a:endParaRPr sz="3200"/>
           </a:p>
           <a:p>
             <a:pPr lvl="0">
@@ -7642,10 +7737,9 @@
               <a:rPr sz="3200"/>
               <a:t>This is a very strong reason for having separate machines for authoritative and caching NS</a:t>
             </a:r>
-            <a:endParaRPr sz="3200"/>
           </a:p>
           <a:p>
-            <a:pPr lvl="2" marL="1293812" indent="-215900">
+            <a:pPr marL="1293812" lvl="2" indent="-215900">
               <a:lnSpc>
                 <a:spcPct val="93000"/>
               </a:lnSpc>
@@ -7688,12 +7782,12 @@
   <p:clrMapOvr>
     <a:masterClrMapping/>
   </p:clrMapOvr>
-  <p:transition spd="med" advClick="1"/>
+  <p:transition spd="med"/>
 </p:sld>
 </file>
 
 <file path=ppt/slides/slide28.xml><?xml version="1.0" encoding="utf-8"?>
-<p:sld xmlns:a="http://schemas.openxmlformats.org/drawingml/2006/main" xmlns:r="http://schemas.openxmlformats.org/officeDocument/2006/relationships" xmlns:p="http://schemas.openxmlformats.org/presentationml/2006/main" showMasterSp="1" showMasterPhAnim="1">
+<p:sld xmlns:a="http://schemas.openxmlformats.org/drawingml/2006/main" xmlns:r="http://schemas.openxmlformats.org/officeDocument/2006/relationships" xmlns:p="http://schemas.openxmlformats.org/presentationml/2006/main">
   <p:cSld>
     <p:spTree>
       <p:nvGrpSpPr>
@@ -7712,7 +7806,9 @@
       <p:sp>
         <p:nvSpPr>
           <p:cNvPr id="197" name="Shape 197"/>
-          <p:cNvSpPr/>
+          <p:cNvSpPr>
+            <a:spLocks noGrp="1"/>
+          </p:cNvSpPr>
           <p:nvPr>
             <p:ph type="title" idx="4294967295"/>
           </p:nvPr>
@@ -7736,7 +7832,7 @@
         </p:spPr>
         <p:txBody>
           <a:bodyPr lIns="0" tIns="0" rIns="0" bIns="0" anchor="ctr">
-            <a:normAutofit fontScale="100000" lnSpcReduction="0"/>
+            <a:normAutofit/>
           </a:bodyPr>
           <a:lstStyle>
             <a:lvl1pPr>
@@ -7781,7 +7877,9 @@
       <p:sp>
         <p:nvSpPr>
           <p:cNvPr id="198" name="Shape 198"/>
-          <p:cNvSpPr/>
+          <p:cNvSpPr>
+            <a:spLocks noGrp="1"/>
+          </p:cNvSpPr>
           <p:nvPr>
             <p:ph type="body" idx="4294967295"/>
           </p:nvPr>
@@ -7805,7 +7903,7 @@
         </p:spPr>
         <p:txBody>
           <a:bodyPr lIns="0" tIns="0" rIns="0" bIns="0">
-            <a:normAutofit fontScale="100000" lnSpcReduction="0"/>
+            <a:normAutofit/>
           </a:bodyPr>
           <a:lstStyle>
             <a:lvl1pPr>
@@ -7852,12 +7950,12 @@
   <p:clrMapOvr>
     <a:masterClrMapping/>
   </p:clrMapOvr>
-  <p:transition spd="med" advClick="1"/>
+  <p:transition spd="med"/>
 </p:sld>
 </file>
 
 <file path=ppt/slides/slide29.xml><?xml version="1.0" encoding="utf-8"?>
-<p:sld xmlns:a="http://schemas.openxmlformats.org/drawingml/2006/main" xmlns:r="http://schemas.openxmlformats.org/officeDocument/2006/relationships" xmlns:p="http://schemas.openxmlformats.org/presentationml/2006/main" showMasterSp="1" showMasterPhAnim="1">
+<p:sld xmlns:a="http://schemas.openxmlformats.org/drawingml/2006/main" xmlns:r="http://schemas.openxmlformats.org/officeDocument/2006/relationships" xmlns:p="http://schemas.openxmlformats.org/presentationml/2006/main">
   <p:cSld>
     <p:spTree>
       <p:nvGrpSpPr>
@@ -7876,7 +7974,9 @@
       <p:sp>
         <p:nvSpPr>
           <p:cNvPr id="200" name="Shape 200"/>
-          <p:cNvSpPr/>
+          <p:cNvSpPr>
+            <a:spLocks noGrp="1"/>
+          </p:cNvSpPr>
           <p:nvPr>
             <p:ph type="title" idx="4294967295"/>
           </p:nvPr>
@@ -7900,7 +8000,7 @@
         </p:spPr>
         <p:txBody>
           <a:bodyPr lIns="0" tIns="0" rIns="0" bIns="0" anchor="ctr">
-            <a:normAutofit fontScale="100000" lnSpcReduction="0"/>
+            <a:normAutofit/>
           </a:bodyPr>
           <a:lstStyle>
             <a:lvl1pPr>
@@ -7945,7 +8045,9 @@
       <p:sp>
         <p:nvSpPr>
           <p:cNvPr id="201" name="Shape 201"/>
-          <p:cNvSpPr/>
+          <p:cNvSpPr>
+            <a:spLocks noGrp="1"/>
+          </p:cNvSpPr>
           <p:nvPr>
             <p:ph type="body" idx="4294967295"/>
           </p:nvPr>
@@ -7969,7 +8071,7 @@
         </p:spPr>
         <p:txBody>
           <a:bodyPr lIns="0" tIns="0" rIns="0" bIns="0">
-            <a:normAutofit fontScale="100000" lnSpcReduction="0"/>
+            <a:normAutofit/>
           </a:bodyPr>
           <a:lstStyle/>
           <a:p>
@@ -8005,7 +8107,6 @@
               <a:rPr sz="3200"/>
               <a:t>They all originate from bad configuration of the AUTHORITATIVE name servers</a:t>
             </a:r>
-            <a:endParaRPr sz="3200"/>
           </a:p>
           <a:p>
             <a:pPr lvl="0">
@@ -8040,7 +8141,6 @@
               <a:rPr sz="3200"/>
               <a:t>Many of these mistakes are easy to make but difficult to debug, especially because of caching</a:t>
             </a:r>
-            <a:endParaRPr sz="3200"/>
           </a:p>
           <a:p>
             <a:pPr lvl="0">
@@ -8075,7 +8175,6 @@
               <a:rPr sz="3200"/>
               <a:t>Running a resolver is easy; running authoritative nameservice properly requires great attention to detail</a:t>
             </a:r>
-            <a:endParaRPr sz="3200"/>
           </a:p>
           <a:p>
             <a:pPr lvl="0">
@@ -8118,12 +8217,12 @@
   <p:clrMapOvr>
     <a:masterClrMapping/>
   </p:clrMapOvr>
-  <p:transition spd="med" advClick="1"/>
+  <p:transition spd="med"/>
 </p:sld>
 </file>
 
 <file path=ppt/slides/slide3.xml><?xml version="1.0" encoding="utf-8"?>
-<p:sld xmlns:a="http://schemas.openxmlformats.org/drawingml/2006/main" xmlns:r="http://schemas.openxmlformats.org/officeDocument/2006/relationships" xmlns:p="http://schemas.openxmlformats.org/presentationml/2006/main" showMasterSp="1" showMasterPhAnim="1">
+<p:sld xmlns:a="http://schemas.openxmlformats.org/drawingml/2006/main" xmlns:r="http://schemas.openxmlformats.org/officeDocument/2006/relationships" xmlns:p="http://schemas.openxmlformats.org/presentationml/2006/main">
   <p:cSld>
     <p:spTree>
       <p:nvGrpSpPr>
@@ -8142,7 +8241,9 @@
       <p:sp>
         <p:nvSpPr>
           <p:cNvPr id="16" name="Shape 16"/>
-          <p:cNvSpPr/>
+          <p:cNvSpPr>
+            <a:spLocks noGrp="1"/>
+          </p:cNvSpPr>
           <p:nvPr>
             <p:ph type="title" idx="4294967295"/>
           </p:nvPr>
@@ -8166,7 +8267,7 @@
         </p:spPr>
         <p:txBody>
           <a:bodyPr lIns="0" tIns="0" rIns="0" bIns="0" anchor="ctr">
-            <a:normAutofit fontScale="100000" lnSpcReduction="0"/>
+            <a:normAutofit/>
           </a:bodyPr>
           <a:lstStyle>
             <a:lvl1pPr>
@@ -8211,7 +8312,9 @@
       <p:sp>
         <p:nvSpPr>
           <p:cNvPr id="17" name="Shape 17"/>
-          <p:cNvSpPr/>
+          <p:cNvSpPr>
+            <a:spLocks noGrp="1"/>
+          </p:cNvSpPr>
           <p:nvPr>
             <p:ph type="body" idx="4294967295"/>
           </p:nvPr>
@@ -8235,7 +8338,7 @@
         </p:spPr>
         <p:txBody>
           <a:bodyPr lIns="0" tIns="0" rIns="0" bIns="0">
-            <a:normAutofit fontScale="100000" lnSpcReduction="0"/>
+            <a:normAutofit/>
           </a:bodyPr>
           <a:lstStyle>
             <a:lvl1pPr>
@@ -8353,6 +8456,7 @@
                 </a:tabLst>
                 <a:defRPr sz="1800"/>
               </a:pPr>
+              <a:endParaRPr/>
             </a:p>
           </p:txBody>
         </p:sp>
@@ -8515,6 +8619,7 @@
                   </a:tabLst>
                   <a:defRPr sz="1800"/>
                 </a:pPr>
+                <a:endParaRPr/>
               </a:p>
             </p:txBody>
           </p:sp>
@@ -8629,6 +8734,7 @@
                   <a:sym typeface="Helvetica"/>
                 </a:defRPr>
               </a:pPr>
+              <a:endParaRPr/>
             </a:p>
           </p:txBody>
         </p:sp>
@@ -8776,6 +8882,7 @@
                   <a:sym typeface="Helvetica"/>
                 </a:defRPr>
               </a:pPr>
+              <a:endParaRPr/>
             </a:p>
           </p:txBody>
         </p:sp>
@@ -8872,14 +8979,14 @@
   <p:clrMapOvr>
     <a:masterClrMapping/>
   </p:clrMapOvr>
-  <p:transition spd="med" advClick="1"/>
+  <p:transition spd="med"/>
   <p:timing>
     <p:tnLst>
       <p:par>
-        <p:cTn id="1" nodeType="tmRoot" restart="never" dur="indefinite" fill="hold">
+        <p:cTn id="1" dur="indefinite" restart="never" fill="hold" nodeType="tmRoot">
           <p:childTnLst>
             <p:seq concurrent="1" prevAc="none" nextAc="seek">
-              <p:cTn id="2" nodeType="mainSeq" dur="indefinite" fill="hold">
+              <p:cTn id="2" dur="indefinite" fill="hold" nodeType="mainSeq">
                 <p:childTnLst>
                   <p:par>
                     <p:cTn id="3" fill="hold">
@@ -8894,11 +9001,11 @@
                             </p:stCondLst>
                             <p:childTnLst>
                               <p:par>
-                                <p:cTn id="5" nodeType="clickEffect" presetClass="entr" presetSubtype="4" presetID="22" grpId="1" fill="hold">
+                                <p:cTn id="5" presetID="22" presetClass="entr" presetSubtype="4" fill="hold" grpId="1" nodeType="clickEffect">
                                   <p:stCondLst>
                                     <p:cond delay="0"/>
                                   </p:stCondLst>
-                                  <p:iterate type="el" backwards="0">
+                                  <p:iterate>
                                     <p:tmAbs val="0"/>
                                   </p:iterate>
                                   <p:childTnLst>
@@ -8916,7 +9023,7 @@
                                         <p:strVal val="visible"/>
                                       </p:to>
                                     </p:set>
-                                    <p:animEffect filter="wipe(down)" transition="in">
+                                    <p:animEffect transition="in" filter="wipe(down)">
                                       <p:cBhvr>
                                         <p:cTn id="7" dur="1000"/>
                                         <p:tgtEl>
@@ -8946,11 +9053,11 @@
                             </p:stCondLst>
                             <p:childTnLst>
                               <p:par>
-                                <p:cTn id="10" nodeType="clickEffect" presetClass="entr" presetSubtype="4" presetID="22" grpId="2" fill="hold">
+                                <p:cTn id="10" presetID="22" presetClass="entr" presetSubtype="4" fill="hold" grpId="2" nodeType="clickEffect">
                                   <p:stCondLst>
                                     <p:cond delay="0"/>
                                   </p:stCondLst>
-                                  <p:iterate type="el" backwards="0">
+                                  <p:iterate>
                                     <p:tmAbs val="0"/>
                                   </p:iterate>
                                   <p:childTnLst>
@@ -8968,7 +9075,7 @@
                                         <p:strVal val="visible"/>
                                       </p:to>
                                     </p:set>
-                                    <p:animEffect filter="wipe(down)" transition="in">
+                                    <p:animEffect transition="in" filter="wipe(down)">
                                       <p:cBhvr>
                                         <p:cTn id="12" dur="1000"/>
                                         <p:tgtEl>
@@ -8988,14 +9095,14 @@
                 </p:childTnLst>
               </p:cTn>
               <p:prevCondLst>
-                <p:cond evt="onPrev">
+                <p:cond evt="onPrev" delay="0">
                   <p:tgtEl>
                     <p:sldTgt/>
                   </p:tgtEl>
                 </p:cond>
               </p:prevCondLst>
               <p:nextCondLst>
-                <p:cond evt="onNext">
+                <p:cond evt="onNext" delay="0">
                   <p:tgtEl>
                     <p:sldTgt/>
                   </p:tgtEl>
@@ -9007,15 +9114,15 @@
       </p:par>
     </p:tnLst>
     <p:bldLst>
-      <p:bldP build="whole" bldLvl="1" animBg="1" rev="0" advAuto="0" spid="26" grpId="1"/>
-      <p:bldP build="whole" bldLvl="1" animBg="1" rev="0" advAuto="0" spid="29" grpId="2"/>
+      <p:bldP spid="26" grpId="1" animBg="1" advAuto="0"/>
+      <p:bldP spid="29" grpId="2" animBg="1" advAuto="0"/>
     </p:bldLst>
   </p:timing>
 </p:sld>
 </file>
 
 <file path=ppt/slides/slide30.xml><?xml version="1.0" encoding="utf-8"?>
-<p:sld xmlns:a="http://schemas.openxmlformats.org/drawingml/2006/main" xmlns:r="http://schemas.openxmlformats.org/officeDocument/2006/relationships" xmlns:p="http://schemas.openxmlformats.org/presentationml/2006/main" showMasterSp="1" showMasterPhAnim="1">
+<p:sld xmlns:a="http://schemas.openxmlformats.org/drawingml/2006/main" xmlns:r="http://schemas.openxmlformats.org/officeDocument/2006/relationships" xmlns:p="http://schemas.openxmlformats.org/presentationml/2006/main">
   <p:cSld>
     <p:spTree>
       <p:nvGrpSpPr>
@@ -9034,7 +9141,9 @@
       <p:sp>
         <p:nvSpPr>
           <p:cNvPr id="203" name="Shape 203"/>
-          <p:cNvSpPr/>
+          <p:cNvSpPr>
+            <a:spLocks noGrp="1"/>
+          </p:cNvSpPr>
           <p:nvPr>
             <p:ph type="title" idx="4294967295"/>
           </p:nvPr>
@@ -9058,7 +9167,7 @@
         </p:spPr>
         <p:txBody>
           <a:bodyPr lIns="0" tIns="0" rIns="0" bIns="0" anchor="ctr">
-            <a:normAutofit fontScale="100000" lnSpcReduction="0"/>
+            <a:normAutofit/>
           </a:bodyPr>
           <a:lstStyle>
             <a:lvl1pPr>
@@ -9103,7 +9212,9 @@
       <p:sp>
         <p:nvSpPr>
           <p:cNvPr id="204" name="Shape 204"/>
-          <p:cNvSpPr/>
+          <p:cNvSpPr>
+            <a:spLocks noGrp="1"/>
+          </p:cNvSpPr>
           <p:nvPr>
             <p:ph type="body" idx="4294967295"/>
           </p:nvPr>
@@ -9127,7 +9238,7 @@
         </p:spPr>
         <p:txBody>
           <a:bodyPr lIns="0" tIns="0" rIns="0" bIns="0">
-            <a:normAutofit fontScale="100000" lnSpcReduction="0"/>
+            <a:normAutofit/>
           </a:bodyPr>
           <a:lstStyle/>
           <a:p>
@@ -9163,7 +9274,6 @@
               <a:rPr sz="3200"/>
               <a:t>We must bypass caching</a:t>
             </a:r>
-            <a:endParaRPr sz="3200"/>
           </a:p>
           <a:p>
             <a:pPr lvl="0">
@@ -9199,14 +9309,13 @@
               <a:t>We must try </a:t>
             </a:r>
             <a:r>
-              <a:rPr i="1" sz="3200"/>
+              <a:rPr sz="3200" i="1"/>
               <a:t>*all*</a:t>
             </a:r>
             <a:r>
               <a:rPr sz="3200"/>
               <a:t> N servers for a zone (a caching nameserver stops after one)</a:t>
             </a:r>
-            <a:endParaRPr sz="3200"/>
           </a:p>
           <a:p>
             <a:pPr lvl="0">
@@ -9241,7 +9350,6 @@
               <a:rPr sz="3200"/>
               <a:t>We must bypass recursion to test all the intermediate referrals</a:t>
             </a:r>
-            <a:endParaRPr sz="3200"/>
           </a:p>
           <a:p>
             <a:pPr lvl="0">
@@ -9337,7 +9445,7 @@
                 <a:tab pos="8686800" algn="l"/>
                 <a:tab pos="9144000" algn="l"/>
               </a:tabLst>
-              <a:defRPr b="1" sz="1800">
+              <a:defRPr sz="1800" b="1">
                 <a:latin typeface="Courier New"/>
                 <a:ea typeface="Courier New"/>
                 <a:cs typeface="Courier New"/>
@@ -9393,6 +9501,7 @@
                 <a:sym typeface="Helvetica"/>
               </a:defRPr>
             </a:pPr>
+            <a:endParaRPr/>
           </a:p>
         </p:txBody>
       </p:sp>
@@ -9433,6 +9542,7 @@
                 <a:sym typeface="Helvetica"/>
               </a:defRPr>
             </a:pPr>
+            <a:endParaRPr/>
           </a:p>
         </p:txBody>
       </p:sp>
@@ -9473,6 +9583,7 @@
                 <a:sym typeface="Helvetica"/>
               </a:defRPr>
             </a:pPr>
+            <a:endParaRPr/>
           </a:p>
         </p:txBody>
       </p:sp>
@@ -9733,12 +9844,12 @@
   <p:clrMapOvr>
     <a:masterClrMapping/>
   </p:clrMapOvr>
-  <p:transition spd="med" advClick="1"/>
+  <p:transition spd="med"/>
 </p:sld>
 </file>
 
 <file path=ppt/slides/slide31.xml><?xml version="1.0" encoding="utf-8"?>
-<p:sld xmlns:a="http://schemas.openxmlformats.org/drawingml/2006/main" xmlns:r="http://schemas.openxmlformats.org/officeDocument/2006/relationships" xmlns:p="http://schemas.openxmlformats.org/presentationml/2006/main" showMasterSp="1" showMasterPhAnim="1">
+<p:sld xmlns:a="http://schemas.openxmlformats.org/drawingml/2006/main" xmlns:r="http://schemas.openxmlformats.org/officeDocument/2006/relationships" xmlns:p="http://schemas.openxmlformats.org/presentationml/2006/main">
   <p:cSld>
     <p:spTree>
       <p:nvGrpSpPr>
@@ -9757,7 +9868,9 @@
       <p:sp>
         <p:nvSpPr>
           <p:cNvPr id="213" name="Shape 213"/>
-          <p:cNvSpPr/>
+          <p:cNvSpPr>
+            <a:spLocks noGrp="1"/>
+          </p:cNvSpPr>
           <p:nvPr>
             <p:ph type="title" idx="4294967295"/>
           </p:nvPr>
@@ -9781,7 +9894,7 @@
         </p:spPr>
         <p:txBody>
           <a:bodyPr lIns="0" tIns="0" rIns="0" bIns="0" anchor="ctr">
-            <a:normAutofit fontScale="100000" lnSpcReduction="0"/>
+            <a:normAutofit/>
           </a:bodyPr>
           <a:lstStyle>
             <a:lvl1pPr>
@@ -9826,7 +9939,9 @@
       <p:sp>
         <p:nvSpPr>
           <p:cNvPr id="214" name="Shape 214"/>
-          <p:cNvSpPr/>
+          <p:cNvSpPr>
+            <a:spLocks noGrp="1"/>
+          </p:cNvSpPr>
           <p:nvPr>
             <p:ph type="body" idx="4294967295"/>
           </p:nvPr>
@@ -9850,7 +9965,7 @@
         </p:spPr>
         <p:txBody>
           <a:bodyPr lIns="0" tIns="0" rIns="0" bIns="0">
-            <a:normAutofit fontScale="100000" lnSpcReduction="0"/>
+            <a:normAutofit/>
           </a:bodyPr>
           <a:lstStyle/>
           <a:p>
@@ -9886,7 +10001,6 @@
               <a:rPr sz="3200"/>
               <a:t>Look for "status: NOERROR"</a:t>
             </a:r>
-            <a:endParaRPr sz="3200"/>
           </a:p>
           <a:p>
             <a:pPr lvl="0">
@@ -9922,14 +10036,13 @@
               <a:t>"flags ... </a:t>
             </a:r>
             <a:r>
-              <a:rPr b="1" sz="3200" u="sng"/>
+              <a:rPr sz="3200" b="1" u="sng"/>
               <a:t>aa</a:t>
             </a:r>
             <a:r>
               <a:rPr sz="3200"/>
               <a:t>" means this is an authoritative answer (i.e. not cached)</a:t>
             </a:r>
-            <a:endParaRPr sz="3200"/>
           </a:p>
           <a:p>
             <a:pPr lvl="0">
@@ -9964,7 +10077,6 @@
               <a:rPr sz="3200"/>
               <a:t>"ANSWER SECTION" gives the answer</a:t>
             </a:r>
-            <a:endParaRPr sz="3200"/>
           </a:p>
           <a:p>
             <a:pPr lvl="0">
@@ -10072,12 +10184,6 @@
               </a:rPr>
               <a:t>;; ANSWER SECTION</a:t>
             </a:r>
-            <a:endParaRPr>
-              <a:latin typeface="Courier New"/>
-              <a:ea typeface="Courier New"/>
-              <a:cs typeface="Courier New"/>
-              <a:sym typeface="Courier New"/>
-            </a:endParaRPr>
           </a:p>
           <a:p>
             <a:pPr lvl="0" defTabSz="914400">
@@ -10157,6 +10263,7 @@
                 <a:sym typeface="Helvetica"/>
               </a:defRPr>
             </a:pPr>
+            <a:endParaRPr/>
           </a:p>
         </p:txBody>
       </p:sp>
@@ -10197,6 +10304,7 @@
                 <a:sym typeface="Helvetica"/>
               </a:defRPr>
             </a:pPr>
+            <a:endParaRPr/>
           </a:p>
         </p:txBody>
       </p:sp>
@@ -10237,6 +10345,7 @@
                 <a:sym typeface="Helvetica"/>
               </a:defRPr>
             </a:pPr>
+            <a:endParaRPr/>
           </a:p>
         </p:txBody>
       </p:sp>
@@ -10497,12 +10606,12 @@
   <p:clrMapOvr>
     <a:masterClrMapping/>
   </p:clrMapOvr>
-  <p:transition spd="med" advClick="1"/>
+  <p:transition spd="med"/>
 </p:sld>
 </file>
 
 <file path=ppt/slides/slide32.xml><?xml version="1.0" encoding="utf-8"?>
-<p:sld xmlns:a="http://schemas.openxmlformats.org/drawingml/2006/main" xmlns:r="http://schemas.openxmlformats.org/officeDocument/2006/relationships" xmlns:p="http://schemas.openxmlformats.org/presentationml/2006/main" showMasterSp="1" showMasterPhAnim="1">
+<p:sld xmlns:a="http://schemas.openxmlformats.org/drawingml/2006/main" xmlns:r="http://schemas.openxmlformats.org/officeDocument/2006/relationships" xmlns:p="http://schemas.openxmlformats.org/presentationml/2006/main">
   <p:cSld>
     <p:spTree>
       <p:nvGrpSpPr>
@@ -10521,7 +10630,9 @@
       <p:sp>
         <p:nvSpPr>
           <p:cNvPr id="223" name="Shape 223"/>
-          <p:cNvSpPr/>
+          <p:cNvSpPr>
+            <a:spLocks noGrp="1"/>
+          </p:cNvSpPr>
           <p:nvPr>
             <p:ph type="title" idx="4294967295"/>
           </p:nvPr>
@@ -10545,7 +10656,7 @@
         </p:spPr>
         <p:txBody>
           <a:bodyPr lIns="0" tIns="0" rIns="0" bIns="0" anchor="ctr">
-            <a:normAutofit fontScale="100000" lnSpcReduction="0"/>
+            <a:normAutofit/>
           </a:bodyPr>
           <a:lstStyle>
             <a:lvl1pPr>
@@ -10590,7 +10701,9 @@
       <p:sp>
         <p:nvSpPr>
           <p:cNvPr id="224" name="Shape 224"/>
-          <p:cNvSpPr/>
+          <p:cNvSpPr>
+            <a:spLocks noGrp="1"/>
+          </p:cNvSpPr>
           <p:nvPr>
             <p:ph type="body" idx="4294967295"/>
           </p:nvPr>
@@ -10614,7 +10727,7 @@
         </p:spPr>
         <p:txBody>
           <a:bodyPr lIns="0" tIns="0" rIns="0" bIns="0">
-            <a:normAutofit fontScale="100000" lnSpcReduction="0"/>
+            <a:normAutofit/>
           </a:bodyPr>
           <a:lstStyle/>
           <a:p>
@@ -10647,13 +10760,12 @@
               <a:defRPr sz="1800"/>
             </a:pPr>
             <a:r>
-              <a:rPr i="1" sz="3200"/>
+              <a:rPr sz="3200" i="1"/>
               <a:t>"status: NXDOMAIN"</a:t>
             </a:r>
-            <a:endParaRPr i="1" sz="3200"/>
           </a:p>
           <a:p>
-            <a:pPr lvl="1" marL="862012" indent="-285750">
+            <a:pPr marL="862012" lvl="1" indent="-285750">
               <a:lnSpc>
                 <a:spcPct val="93000"/>
               </a:lnSpc>
@@ -10688,7 +10800,6 @@
               <a:rPr sz="2800"/>
               <a:t>OK, negative (the name does not exist). You should get back an SOA</a:t>
             </a:r>
-            <a:endParaRPr sz="2800"/>
           </a:p>
           <a:p>
             <a:pPr lvl="0">
@@ -10720,17 +10831,16 @@
               <a:defRPr sz="1800"/>
             </a:pPr>
             <a:r>
-              <a:rPr i="1" sz="3200"/>
+              <a:rPr sz="3200" i="1"/>
               <a:t>"status: NOERROR" w</a:t>
             </a:r>
             <a:r>
               <a:rPr sz="3200"/>
               <a:t>ith an empty answer section</a:t>
             </a:r>
-            <a:endParaRPr sz="3200"/>
           </a:p>
           <a:p>
-            <a:pPr lvl="1" marL="862012" indent="-285750">
+            <a:pPr marL="862012" lvl="1" indent="-285750">
               <a:lnSpc>
                 <a:spcPct val="93000"/>
               </a:lnSpc>
@@ -10765,7 +10875,6 @@
               <a:rPr sz="2800"/>
               <a:t>OK, negative (name exists but no RRs of the type requested). Should get back an SOA</a:t>
             </a:r>
-            <a:endParaRPr sz="2800"/>
           </a:p>
           <a:p>
             <a:pPr lvl="0">
@@ -10800,7 +10909,6 @@
               <a:rPr sz="3200"/>
               <a:t>Other status may indicate an error</a:t>
             </a:r>
-            <a:endParaRPr sz="3200"/>
           </a:p>
           <a:p>
             <a:pPr lvl="0">
@@ -10836,7 +10944,7 @@
               <a:t>Look also for </a:t>
             </a:r>
             <a:r>
-              <a:rPr i="1" sz="3200"/>
+              <a:rPr sz="3200" i="1"/>
               <a:t>Connection Refused</a:t>
             </a:r>
             <a:r>
@@ -10844,7 +10952,7 @@
               <a:t> (DNS server is not running or doesn't accept queries from your IP address) or </a:t>
             </a:r>
             <a:r>
-              <a:rPr i="1" sz="3200"/>
+              <a:rPr sz="3200" i="1"/>
               <a:t>Timeout</a:t>
             </a:r>
             <a:r>
@@ -10859,12 +10967,12 @@
   <p:clrMapOvr>
     <a:masterClrMapping/>
   </p:clrMapOvr>
-  <p:transition spd="med" advClick="1"/>
+  <p:transition spd="med"/>
 </p:sld>
 </file>
 
 <file path=ppt/slides/slide33.xml><?xml version="1.0" encoding="utf-8"?>
-<p:sld xmlns:a="http://schemas.openxmlformats.org/drawingml/2006/main" xmlns:r="http://schemas.openxmlformats.org/officeDocument/2006/relationships" xmlns:p="http://schemas.openxmlformats.org/presentationml/2006/main" showMasterSp="1" showMasterPhAnim="1">
+<p:sld xmlns:a="http://schemas.openxmlformats.org/drawingml/2006/main" xmlns:r="http://schemas.openxmlformats.org/officeDocument/2006/relationships" xmlns:p="http://schemas.openxmlformats.org/presentationml/2006/main">
   <p:cSld>
     <p:spTree>
       <p:nvGrpSpPr>
@@ -10883,7 +10991,9 @@
       <p:sp>
         <p:nvSpPr>
           <p:cNvPr id="226" name="Shape 226"/>
-          <p:cNvSpPr/>
+          <p:cNvSpPr>
+            <a:spLocks noGrp="1"/>
+          </p:cNvSpPr>
           <p:nvPr>
             <p:ph type="title" idx="4294967295"/>
           </p:nvPr>
@@ -10907,7 +11017,7 @@
         </p:spPr>
         <p:txBody>
           <a:bodyPr lIns="0" tIns="0" rIns="0" bIns="0" anchor="ctr">
-            <a:normAutofit fontScale="100000" lnSpcReduction="0"/>
+            <a:normAutofit/>
           </a:bodyPr>
           <a:lstStyle/>
           <a:p>
@@ -10956,7 +11066,9 @@
       <p:sp>
         <p:nvSpPr>
           <p:cNvPr id="227" name="Shape 227"/>
-          <p:cNvSpPr/>
+          <p:cNvSpPr>
+            <a:spLocks noGrp="1"/>
+          </p:cNvSpPr>
           <p:nvPr>
             <p:ph type="body" idx="4294967295"/>
           </p:nvPr>
@@ -10980,7 +11092,7 @@
         </p:spPr>
         <p:txBody>
           <a:bodyPr lIns="0" tIns="0" rIns="0" bIns="0">
-            <a:normAutofit fontScale="100000" lnSpcReduction="0"/>
+            <a:normAutofit/>
           </a:bodyPr>
           <a:lstStyle>
             <a:lvl1pPr marL="715962" indent="-609600">
@@ -10989,7 +11101,7 @@
               </a:lnSpc>
               <a:buSzPct val="100000"/>
               <a:buFontTx/>
-              <a:buAutoNum type="arabicPeriod" startAt="1"/>
+              <a:buAutoNum type="arabicPeriod"/>
               <a:tabLst>
                 <a:tab pos="444500" algn="l"/>
                 <a:tab pos="901700" algn="l"/>
@@ -11054,7 +11166,7 @@
           </a:bodyPr>
           <a:lstStyle/>
           <a:p>
-            <a:pPr lvl="0" marL="919162" indent="-812800" defTabSz="914400">
+            <a:pPr marL="919162" lvl="0" indent="-812800" defTabSz="914400">
               <a:lnSpc>
                 <a:spcPct val="93000"/>
               </a:lnSpc>
@@ -11065,7 +11177,7 @@
                 <a:srgbClr val="000000"/>
               </a:buClr>
               <a:buSzPct val="100000"/>
-              <a:buAutoNum type="arabicPeriod" startAt="1"/>
+              <a:buAutoNum type="arabicPeriod"/>
               <a:tabLst>
                 <a:tab pos="419100" algn="l"/>
                 <a:tab pos="876300" algn="l"/>
@@ -11095,10 +11207,9 @@
               <a:rPr sz="3200"/>
               <a:t>For a referral, note the NS records returned</a:t>
             </a:r>
-            <a:endParaRPr sz="3200"/>
           </a:p>
           <a:p>
-            <a:pPr lvl="0" marL="919162" indent="-812800" defTabSz="914400">
+            <a:pPr marL="919162" lvl="0" indent="-812800" defTabSz="914400">
               <a:lnSpc>
                 <a:spcPct val="93000"/>
               </a:lnSpc>
@@ -11109,7 +11220,7 @@
                 <a:srgbClr val="000000"/>
               </a:buClr>
               <a:buSzPct val="100000"/>
-              <a:buAutoNum type="arabicPeriod" startAt="1"/>
+              <a:buAutoNum type="arabicPeriod"/>
               <a:tabLst>
                 <a:tab pos="419100" algn="l"/>
                 <a:tab pos="876300" algn="l"/>
@@ -11140,17 +11251,16 @@
               <a:t>Repeat the query for </a:t>
             </a:r>
             <a:r>
-              <a:rPr i="1" sz="3200"/>
+              <a:rPr sz="3200" i="1"/>
               <a:t>*all*</a:t>
             </a:r>
             <a:r>
               <a:rPr sz="3200"/>
               <a:t> NS records</a:t>
             </a:r>
-            <a:endParaRPr sz="3200"/>
           </a:p>
           <a:p>
-            <a:pPr lvl="0" marL="919162" indent="-812800" defTabSz="914400">
+            <a:pPr marL="919162" lvl="0" indent="-812800" defTabSz="914400">
               <a:lnSpc>
                 <a:spcPct val="93000"/>
               </a:lnSpc>
@@ -11161,7 +11271,7 @@
                 <a:srgbClr val="000000"/>
               </a:buClr>
               <a:buSzPct val="100000"/>
-              <a:buAutoNum type="arabicPeriod" startAt="1"/>
+              <a:buAutoNum type="arabicPeriod"/>
               <a:tabLst>
                 <a:tab pos="419100" algn="l"/>
                 <a:tab pos="876300" algn="l"/>
@@ -11252,7 +11362,7 @@
                 <a:tab pos="8686800" algn="l"/>
                 <a:tab pos="9144000" algn="l"/>
               </a:tabLst>
-              <a:defRPr b="1" sz="2000">
+              <a:defRPr sz="2000" b="1">
                 <a:latin typeface="Courier New"/>
                 <a:ea typeface="Courier New"/>
                 <a:cs typeface="Courier New"/>
@@ -11262,10 +11372,10 @@
           </a:lstStyle>
           <a:p>
             <a:pPr lvl="0">
-              <a:defRPr b="0" sz="1800"/>
+              <a:defRPr sz="1800" b="0"/>
             </a:pPr>
             <a:r>
-              <a:rPr b="1" sz="2000"/>
+              <a:rPr sz="2000" b="1"/>
               <a:t>dig +norec @a.root-servers.net. www.tiscali.co.uk. a</a:t>
             </a:r>
           </a:p>
@@ -11325,7 +11435,7 @@
                 <a:tab pos="8686800" algn="l"/>
                 <a:tab pos="9144000" algn="l"/>
               </a:tabLst>
-              <a:defRPr i="1" sz="1800">
+              <a:defRPr sz="1800" i="1">
                 <a:latin typeface="+mn-lt"/>
                 <a:ea typeface="+mn-ea"/>
                 <a:cs typeface="+mn-cs"/>
@@ -11349,12 +11459,12 @@
   <p:clrMapOvr>
     <a:masterClrMapping/>
   </p:clrMapOvr>
-  <p:transition spd="med" advClick="1"/>
+  <p:transition spd="med"/>
 </p:sld>
 </file>
 
 <file path=ppt/slides/slide34.xml><?xml version="1.0" encoding="utf-8"?>
-<p:sld xmlns:a="http://schemas.openxmlformats.org/drawingml/2006/main" xmlns:r="http://schemas.openxmlformats.org/officeDocument/2006/relationships" xmlns:p="http://schemas.openxmlformats.org/presentationml/2006/main" showMasterSp="1" showMasterPhAnim="1">
+<p:sld xmlns:a="http://schemas.openxmlformats.org/drawingml/2006/main" xmlns:r="http://schemas.openxmlformats.org/officeDocument/2006/relationships" xmlns:p="http://schemas.openxmlformats.org/presentationml/2006/main">
   <p:cSld>
     <p:spTree>
       <p:nvGrpSpPr>
@@ -11373,7 +11483,9 @@
       <p:sp>
         <p:nvSpPr>
           <p:cNvPr id="232" name="Shape 232"/>
-          <p:cNvSpPr/>
+          <p:cNvSpPr>
+            <a:spLocks noGrp="1"/>
+          </p:cNvSpPr>
           <p:nvPr>
             <p:ph type="title" idx="4294967295"/>
           </p:nvPr>
@@ -11397,7 +11509,7 @@
         </p:spPr>
         <p:txBody>
           <a:bodyPr lIns="0" tIns="0" rIns="0" bIns="0" anchor="ctr">
-            <a:normAutofit fontScale="100000" lnSpcReduction="0"/>
+            <a:normAutofit/>
           </a:bodyPr>
           <a:lstStyle/>
           <a:p>
@@ -11446,7 +11558,9 @@
       <p:sp>
         <p:nvSpPr>
           <p:cNvPr id="233" name="Shape 233"/>
-          <p:cNvSpPr/>
+          <p:cNvSpPr>
+            <a:spLocks noGrp="1"/>
+          </p:cNvSpPr>
           <p:nvPr>
             <p:ph type="body" idx="4294967295"/>
           </p:nvPr>
@@ -11470,17 +11584,17 @@
         </p:spPr>
         <p:txBody>
           <a:bodyPr lIns="0" tIns="0" rIns="0" bIns="0">
-            <a:normAutofit fontScale="100000" lnSpcReduction="0"/>
+            <a:normAutofit/>
           </a:bodyPr>
           <a:lstStyle/>
           <a:p>
-            <a:pPr lvl="0" marL="715962" indent="-609600">
+            <a:pPr marL="715962" lvl="0" indent="-609600">
               <a:lnSpc>
                 <a:spcPct val="93000"/>
               </a:lnSpc>
               <a:buSzPct val="100000"/>
               <a:buFontTx/>
-              <a:buAutoNum type="arabicPeriod" startAt="1"/>
+              <a:buAutoNum type="arabicPeriod"/>
               <a:tabLst>
                 <a:tab pos="444500" algn="l"/>
                 <a:tab pos="901700" algn="l"/>
@@ -11509,16 +11623,15 @@
               <a:rPr sz="3200"/>
               <a:t>Check all the results from a group of authoritative nameservers are consistent with each other</a:t>
             </a:r>
-            <a:endParaRPr sz="3200"/>
           </a:p>
           <a:p>
-            <a:pPr lvl="0" marL="715962" indent="-609600">
+            <a:pPr marL="715962" lvl="0" indent="-609600">
               <a:lnSpc>
                 <a:spcPct val="93000"/>
               </a:lnSpc>
               <a:buSzPct val="100000"/>
               <a:buFontTx/>
-              <a:buAutoNum type="arabicPeriod" startAt="1"/>
+              <a:buAutoNum type="arabicPeriod"/>
               <a:tabLst>
                 <a:tab pos="444500" algn="l"/>
                 <a:tab pos="901700" algn="l"/>
@@ -11547,16 +11660,15 @@
               <a:rPr sz="3200"/>
               <a:t>Check all the final answers have "flags: aa"</a:t>
             </a:r>
-            <a:endParaRPr sz="3200"/>
           </a:p>
           <a:p>
-            <a:pPr lvl="0" marL="715962" indent="-609600">
+            <a:pPr marL="715962" lvl="0" indent="-609600">
               <a:lnSpc>
                 <a:spcPct val="93000"/>
               </a:lnSpc>
               <a:buSzPct val="100000"/>
               <a:buFontTx/>
-              <a:buAutoNum type="arabicPeriod" startAt="1"/>
+              <a:buAutoNum type="arabicPeriod"/>
               <a:tabLst>
                 <a:tab pos="444500" algn="l"/>
                 <a:tab pos="901700" algn="l"/>
@@ -11593,12 +11705,12 @@
   <p:clrMapOvr>
     <a:masterClrMapping/>
   </p:clrMapOvr>
-  <p:transition spd="med" advClick="1"/>
+  <p:transition spd="med"/>
 </p:sld>
 </file>
 
 <file path=ppt/slides/slide35.xml><?xml version="1.0" encoding="utf-8"?>
-<p:sld xmlns:a="http://schemas.openxmlformats.org/drawingml/2006/main" xmlns:r="http://schemas.openxmlformats.org/officeDocument/2006/relationships" xmlns:p="http://schemas.openxmlformats.org/presentationml/2006/main" showMasterSp="1" showMasterPhAnim="1">
+<p:sld xmlns:a="http://schemas.openxmlformats.org/drawingml/2006/main" xmlns:r="http://schemas.openxmlformats.org/officeDocument/2006/relationships" xmlns:p="http://schemas.openxmlformats.org/presentationml/2006/main">
   <p:cSld>
     <p:spTree>
       <p:nvGrpSpPr>
@@ -11617,7 +11729,9 @@
       <p:sp>
         <p:nvSpPr>
           <p:cNvPr id="235" name="Shape 235"/>
-          <p:cNvSpPr/>
+          <p:cNvSpPr>
+            <a:spLocks noGrp="1"/>
+          </p:cNvSpPr>
           <p:nvPr>
             <p:ph type="title" idx="4294967295"/>
           </p:nvPr>
@@ -11641,7 +11755,7 @@
         </p:spPr>
         <p:txBody>
           <a:bodyPr lIns="0" tIns="0" rIns="0" bIns="0" anchor="ctr">
-            <a:normAutofit fontScale="100000" lnSpcReduction="0"/>
+            <a:normAutofit/>
           </a:bodyPr>
           <a:lstStyle/>
           <a:p>
@@ -11690,7 +11804,9 @@
       <p:sp>
         <p:nvSpPr>
           <p:cNvPr id="236" name="Shape 236"/>
-          <p:cNvSpPr/>
+          <p:cNvSpPr>
+            <a:spLocks noGrp="1"/>
+          </p:cNvSpPr>
           <p:nvPr>
             <p:ph type="body" idx="4294967295"/>
           </p:nvPr>
@@ -11714,7 +11830,7 @@
         </p:spPr>
         <p:txBody>
           <a:bodyPr lIns="0" tIns="0" rIns="0" bIns="0">
-            <a:normAutofit fontScale="100000" lnSpcReduction="0"/>
+            <a:normAutofit/>
           </a:bodyPr>
           <a:lstStyle/>
           <a:p>
@@ -11750,7 +11866,6 @@
               <a:rPr sz="3200"/>
               <a:t>Tedious, requires patience and accuracy, but it pays off</a:t>
             </a:r>
-            <a:endParaRPr sz="3200"/>
           </a:p>
           <a:p>
             <a:pPr lvl="0">
@@ -11785,10 +11900,9 @@
               <a:rPr sz="3200"/>
               <a:t>Learn this first before playing with more automated tools</a:t>
             </a:r>
-            <a:endParaRPr sz="3200"/>
           </a:p>
           <a:p>
-            <a:pPr lvl="1" marL="862012" indent="-285750">
+            <a:pPr marL="862012" lvl="1" indent="-285750">
               <a:lnSpc>
                 <a:spcPct val="93000"/>
               </a:lnSpc>
@@ -11823,10 +11937,9 @@
               <a:rPr sz="2800"/>
               <a:t>Such as:</a:t>
             </a:r>
-            <a:endParaRPr sz="2800"/>
           </a:p>
           <a:p>
-            <a:pPr lvl="2" marL="1293812" indent="-215900">
+            <a:pPr marL="1293812" lvl="2" indent="-215900">
               <a:lnSpc>
                 <a:spcPct val="93000"/>
               </a:lnSpc>
@@ -11861,10 +11974,9 @@
               <a:rPr sz="2400"/>
               <a:t>http://www.squish.net/dnscheck/</a:t>
             </a:r>
-            <a:endParaRPr sz="2400"/>
           </a:p>
           <a:p>
-            <a:pPr lvl="2" marL="1293812" indent="-215900">
+            <a:pPr marL="1293812" lvl="2" indent="-215900">
               <a:lnSpc>
                 <a:spcPct val="93000"/>
               </a:lnSpc>
@@ -11899,10 +12011,9 @@
               <a:rPr sz="2400"/>
               <a:t>http://www.zonecheck.fr/</a:t>
             </a:r>
-            <a:endParaRPr sz="2400"/>
           </a:p>
           <a:p>
-            <a:pPr lvl="1" marL="862012" indent="-285750">
+            <a:pPr marL="862012" lvl="1" indent="-285750">
               <a:lnSpc>
                 <a:spcPct val="93000"/>
               </a:lnSpc>
@@ -11945,12 +12056,12 @@
   <p:clrMapOvr>
     <a:masterClrMapping/>
   </p:clrMapOvr>
-  <p:transition spd="med" advClick="1"/>
+  <p:transition spd="med"/>
 </p:sld>
 </file>
 
 <file path=ppt/slides/slide36.xml><?xml version="1.0" encoding="utf-8"?>
-<p:sld xmlns:a="http://schemas.openxmlformats.org/drawingml/2006/main" xmlns:r="http://schemas.openxmlformats.org/officeDocument/2006/relationships" xmlns:p="http://schemas.openxmlformats.org/presentationml/2006/main" showMasterSp="1" showMasterPhAnim="1">
+<p:sld xmlns:a="http://schemas.openxmlformats.org/drawingml/2006/main" xmlns:r="http://schemas.openxmlformats.org/officeDocument/2006/relationships" xmlns:p="http://schemas.openxmlformats.org/presentationml/2006/main">
   <p:cSld>
     <p:spTree>
       <p:nvGrpSpPr>
@@ -11969,7 +12080,9 @@
       <p:sp>
         <p:nvSpPr>
           <p:cNvPr id="238" name="Shape 238"/>
-          <p:cNvSpPr/>
+          <p:cNvSpPr>
+            <a:spLocks noGrp="1"/>
+          </p:cNvSpPr>
           <p:nvPr>
             <p:ph type="title" idx="4294967295"/>
           </p:nvPr>
@@ -11993,7 +12106,7 @@
         </p:spPr>
         <p:txBody>
           <a:bodyPr lIns="0" tIns="0" rIns="0" bIns="0" anchor="ctr">
-            <a:normAutofit fontScale="100000" lnSpcReduction="0"/>
+            <a:normAutofit/>
           </a:bodyPr>
           <a:lstStyle>
             <a:lvl1pPr>
@@ -12038,7 +12151,9 @@
       <p:sp>
         <p:nvSpPr>
           <p:cNvPr id="239" name="Shape 239"/>
-          <p:cNvSpPr/>
+          <p:cNvSpPr>
+            <a:spLocks noGrp="1"/>
+          </p:cNvSpPr>
           <p:nvPr>
             <p:ph type="body" idx="4294967295"/>
           </p:nvPr>
@@ -12062,11 +12177,11 @@
         </p:spPr>
         <p:txBody>
           <a:bodyPr lIns="0" tIns="0" rIns="0" bIns="0" anchor="ctr">
-            <a:normAutofit fontScale="100000" lnSpcReduction="0"/>
+            <a:normAutofit/>
           </a:bodyPr>
           <a:lstStyle/>
           <a:p>
-            <a:pPr lvl="1" marL="0" indent="214312" algn="ctr">
+            <a:pPr marL="0" lvl="1" indent="214312" algn="ctr">
               <a:lnSpc>
                 <a:spcPct val="93000"/>
               </a:lnSpc>
@@ -12101,7 +12216,7 @@
               <a:defRPr sz="1800"/>
             </a:pPr>
             <a:r>
-              <a:rPr b="1" i="1" sz="3200"/>
+              <a:rPr sz="3200" b="1" i="1"/>
               <a:t>Worked examples</a:t>
             </a:r>
           </a:p>
@@ -12112,12 +12227,12 @@
   <p:clrMapOvr>
     <a:masterClrMapping/>
   </p:clrMapOvr>
-  <p:transition spd="med" advClick="1"/>
+  <p:transition spd="med"/>
 </p:sld>
 </file>
 
 <file path=ppt/slides/slide37.xml><?xml version="1.0" encoding="utf-8"?>
-<p:sld xmlns:a="http://schemas.openxmlformats.org/drawingml/2006/main" xmlns:r="http://schemas.openxmlformats.org/officeDocument/2006/relationships" xmlns:p="http://schemas.openxmlformats.org/presentationml/2006/main" showMasterSp="1" showMasterPhAnim="1">
+<p:sld xmlns:a="http://schemas.openxmlformats.org/drawingml/2006/main" xmlns:r="http://schemas.openxmlformats.org/officeDocument/2006/relationships" xmlns:p="http://schemas.openxmlformats.org/presentationml/2006/main">
   <p:cSld>
     <p:spTree>
       <p:nvGrpSpPr>
@@ -12136,7 +12251,9 @@
       <p:sp>
         <p:nvSpPr>
           <p:cNvPr id="241" name="Shape 241"/>
-          <p:cNvSpPr/>
+          <p:cNvSpPr>
+            <a:spLocks noGrp="1"/>
+          </p:cNvSpPr>
           <p:nvPr>
             <p:ph type="title" idx="4294967295"/>
           </p:nvPr>
@@ -12160,7 +12277,7 @@
         </p:spPr>
         <p:txBody>
           <a:bodyPr lIns="0" tIns="0" rIns="0" bIns="0" anchor="ctr">
-            <a:normAutofit fontScale="100000" lnSpcReduction="0"/>
+            <a:normAutofit/>
           </a:bodyPr>
           <a:lstStyle>
             <a:lvl1pPr>
@@ -12205,7 +12322,9 @@
       <p:sp>
         <p:nvSpPr>
           <p:cNvPr id="242" name="Shape 242"/>
-          <p:cNvSpPr/>
+          <p:cNvSpPr>
+            <a:spLocks noGrp="1"/>
+          </p:cNvSpPr>
           <p:nvPr>
             <p:ph type="body" idx="4294967295"/>
           </p:nvPr>
@@ -12229,7 +12348,7 @@
         </p:spPr>
         <p:txBody>
           <a:bodyPr lIns="0" tIns="0" rIns="0" bIns="0">
-            <a:normAutofit fontScale="100000" lnSpcReduction="0"/>
+            <a:normAutofit/>
           </a:bodyPr>
           <a:lstStyle/>
           <a:p>
@@ -12265,10 +12384,9 @@
               <a:rPr sz="3200"/>
               <a:t>We will be using unbound, software written by NLNet Labs, www.nlnetlabs.nl</a:t>
             </a:r>
-            <a:endParaRPr sz="3200"/>
           </a:p>
           <a:p>
-            <a:pPr lvl="1" marL="862012" indent="-285750">
+            <a:pPr marL="862012" lvl="1" indent="-285750">
               <a:lnSpc>
                 <a:spcPct val="93000"/>
               </a:lnSpc>
@@ -12303,10 +12421,9 @@
               <a:rPr sz="2800"/>
               <a:t>There are other options, e.g. BIND9</a:t>
             </a:r>
-            <a:endParaRPr sz="2800"/>
           </a:p>
           <a:p>
-            <a:pPr lvl="0" marL="389731" indent="-283368">
+            <a:pPr marL="389731" lvl="0" indent="-283368">
               <a:lnSpc>
                 <a:spcPct val="93000"/>
               </a:lnSpc>
@@ -12341,7 +12458,7 @@
             <a:endParaRPr sz="3200"/>
           </a:p>
           <a:p>
-            <a:pPr lvl="1" marL="862012" indent="-285750">
+            <a:pPr marL="862012" lvl="1" indent="-285750">
               <a:lnSpc>
                 <a:spcPct val="93000"/>
               </a:lnSpc>
@@ -12376,7 +12493,6 @@
               <a:rPr sz="2800"/>
               <a:t>Debian: apt-get install unbound</a:t>
             </a:r>
-            <a:endParaRPr sz="2800"/>
           </a:p>
           <a:p>
             <a:pPr lvl="0">
@@ -12419,12 +12535,12 @@
   <p:clrMapOvr>
     <a:masterClrMapping/>
   </p:clrMapOvr>
-  <p:transition spd="med" advClick="1"/>
+  <p:transition spd="med"/>
 </p:sld>
 </file>
 
 <file path=ppt/slides/slide38.xml><?xml version="1.0" encoding="utf-8"?>
-<p:sld xmlns:a="http://schemas.openxmlformats.org/drawingml/2006/main" xmlns:r="http://schemas.openxmlformats.org/officeDocument/2006/relationships" xmlns:p="http://schemas.openxmlformats.org/presentationml/2006/main" showMasterSp="1" showMasterPhAnim="1">
+<p:sld xmlns:a="http://schemas.openxmlformats.org/drawingml/2006/main" xmlns:r="http://schemas.openxmlformats.org/officeDocument/2006/relationships" xmlns:p="http://schemas.openxmlformats.org/presentationml/2006/main">
   <p:cSld>
     <p:spTree>
       <p:nvGrpSpPr>
@@ -12443,7 +12559,9 @@
       <p:sp>
         <p:nvSpPr>
           <p:cNvPr id="244" name="Shape 244"/>
-          <p:cNvSpPr/>
+          <p:cNvSpPr>
+            <a:spLocks noGrp="1"/>
+          </p:cNvSpPr>
           <p:nvPr>
             <p:ph type="title" idx="4294967295"/>
           </p:nvPr>
@@ -12467,7 +12585,7 @@
         </p:spPr>
         <p:txBody>
           <a:bodyPr lIns="0" tIns="0" rIns="0" bIns="0" anchor="ctr">
-            <a:normAutofit fontScale="100000" lnSpcReduction="0"/>
+            <a:normAutofit/>
           </a:bodyPr>
           <a:lstStyle>
             <a:lvl1pPr>
@@ -12512,7 +12630,9 @@
       <p:sp>
         <p:nvSpPr>
           <p:cNvPr id="245" name="Shape 245"/>
-          <p:cNvSpPr/>
+          <p:cNvSpPr>
+            <a:spLocks noGrp="1"/>
+          </p:cNvSpPr>
           <p:nvPr>
             <p:ph type="body" idx="4294967295"/>
           </p:nvPr>
@@ -12536,7 +12656,7 @@
         </p:spPr>
         <p:txBody>
           <a:bodyPr lIns="0" tIns="0" rIns="0" bIns="0">
-            <a:normAutofit fontScale="100000" lnSpcReduction="0"/>
+            <a:normAutofit/>
           </a:bodyPr>
           <a:lstStyle/>
           <a:p>
@@ -12572,10 +12692,9 @@
               <a:rPr sz="3200"/>
               <a:t>Limit client access to your own IP addresses only</a:t>
             </a:r>
-            <a:endParaRPr sz="3200"/>
           </a:p>
           <a:p>
-            <a:pPr lvl="1" marL="862012" indent="-285750">
+            <a:pPr marL="862012" lvl="1" indent="-285750">
               <a:lnSpc>
                 <a:spcPct val="93000"/>
               </a:lnSpc>
@@ -12610,7 +12729,6 @@
               <a:rPr sz="2800"/>
               <a:t>No reason for other people on the Internet to be using your cache resources</a:t>
             </a:r>
-            <a:endParaRPr sz="2800"/>
           </a:p>
           <a:p>
             <a:pPr lvl="0">
@@ -12645,10 +12763,9 @@
               <a:rPr sz="3200"/>
               <a:t>Make cache authoritative for queries which should not go to the Internet</a:t>
             </a:r>
-            <a:endParaRPr sz="3200"/>
           </a:p>
           <a:p>
-            <a:pPr lvl="1" marL="862012" indent="-285750">
+            <a:pPr marL="862012" lvl="1" indent="-285750">
               <a:lnSpc>
                 <a:spcPct val="93000"/>
               </a:lnSpc>
@@ -12696,10 +12813,9 @@
               <a:rPr sz="2800"/>
               <a:t> A 127.0.0.1</a:t>
             </a:r>
-            <a:endParaRPr sz="2800"/>
           </a:p>
           <a:p>
-            <a:pPr lvl="1" marL="862012" indent="-285750">
+            <a:pPr marL="862012" lvl="1" indent="-285750">
               <a:lnSpc>
                 <a:spcPct val="93000"/>
               </a:lnSpc>
@@ -12747,10 +12863,9 @@
               <a:rPr sz="2800"/>
               <a:t> PTR localhost</a:t>
             </a:r>
-            <a:endParaRPr sz="2800"/>
           </a:p>
           <a:p>
-            <a:pPr lvl="1" marL="862012" indent="-285750">
+            <a:pPr marL="862012" lvl="1" indent="-285750">
               <a:lnSpc>
                 <a:spcPct val="93000"/>
               </a:lnSpc>
@@ -12785,10 +12900,9 @@
               <a:rPr sz="2800"/>
               <a:t>RFC 1918 addresses (10/8, 172.16/12, 192.168/16)</a:t>
             </a:r>
-            <a:endParaRPr sz="2800"/>
           </a:p>
           <a:p>
-            <a:pPr lvl="1" marL="862012" indent="-285750">
+            <a:pPr marL="862012" lvl="1" indent="-285750">
               <a:lnSpc>
                 <a:spcPct val="93000"/>
               </a:lnSpc>
@@ -12831,12 +12945,12 @@
   <p:clrMapOvr>
     <a:masterClrMapping/>
   </p:clrMapOvr>
-  <p:transition spd="med" advClick="1"/>
+  <p:transition spd="med"/>
 </p:sld>
 </file>
 
 <file path=ppt/slides/slide39.xml><?xml version="1.0" encoding="utf-8"?>
-<p:sld xmlns:a="http://schemas.openxmlformats.org/drawingml/2006/main" xmlns:r="http://schemas.openxmlformats.org/officeDocument/2006/relationships" xmlns:p="http://schemas.openxmlformats.org/presentationml/2006/main" showMasterSp="1" showMasterPhAnim="1">
+<p:sld xmlns:a="http://schemas.openxmlformats.org/drawingml/2006/main" xmlns:r="http://schemas.openxmlformats.org/officeDocument/2006/relationships" xmlns:p="http://schemas.openxmlformats.org/presentationml/2006/main">
   <p:cSld>
     <p:spTree>
       <p:nvGrpSpPr>
@@ -12855,7 +12969,9 @@
       <p:sp>
         <p:nvSpPr>
           <p:cNvPr id="247" name="Shape 247"/>
-          <p:cNvSpPr/>
+          <p:cNvSpPr>
+            <a:spLocks noGrp="1"/>
+          </p:cNvSpPr>
           <p:nvPr>
             <p:ph type="title" idx="4294967295"/>
           </p:nvPr>
@@ -12879,7 +12995,7 @@
         </p:spPr>
         <p:txBody>
           <a:bodyPr lIns="0" tIns="0" rIns="0" bIns="0" anchor="ctr">
-            <a:normAutofit fontScale="100000" lnSpcReduction="0"/>
+            <a:normAutofit/>
           </a:bodyPr>
           <a:lstStyle>
             <a:lvl1pPr>
@@ -12991,12 +13107,6 @@
               </a:rPr>
               <a:t>server:</a:t>
             </a:r>
-            <a:endParaRPr sz="1600">
-              <a:latin typeface="Courier New"/>
-              <a:ea typeface="Courier New"/>
-              <a:cs typeface="Courier New"/>
-              <a:sym typeface="Courier New"/>
-            </a:endParaRPr>
           </a:p>
           <a:p>
             <a:pPr lvl="0" defTabSz="914400">
@@ -13036,12 +13146,6 @@
               </a:rPr>
               <a:t>    access-control: 197.4.137.0/24 allow</a:t>
             </a:r>
-            <a:endParaRPr sz="1600">
-              <a:latin typeface="Courier New"/>
-              <a:ea typeface="Courier New"/>
-              <a:cs typeface="Courier New"/>
-              <a:sym typeface="Courier New"/>
-            </a:endParaRPr>
           </a:p>
           <a:p>
             <a:pPr lvl="0" defTabSz="914400">
@@ -13106,7 +13210,7 @@
             <a:round/>
           </a:ln>
           <a:effectLst>
-            <a:outerShdw sx="100000" sy="100000" kx="0" ky="0" algn="b" rotWithShape="0" blurRad="12700" dist="51929" dir="2700000">
+            <a:outerShdw blurRad="12700" dist="51929" dir="2700000" rotWithShape="0">
               <a:srgbClr val="808080"/>
             </a:outerShdw>
           </a:effectLst>
@@ -13168,12 +13272,12 @@
   <p:clrMapOvr>
     <a:masterClrMapping/>
   </p:clrMapOvr>
-  <p:transition spd="med" advClick="1"/>
+  <p:transition spd="med"/>
 </p:sld>
 </file>
 
 <file path=ppt/slides/slide4.xml><?xml version="1.0" encoding="utf-8"?>
-<p:sld xmlns:a="http://schemas.openxmlformats.org/drawingml/2006/main" xmlns:r="http://schemas.openxmlformats.org/officeDocument/2006/relationships" xmlns:p="http://schemas.openxmlformats.org/presentationml/2006/main" showMasterSp="1" showMasterPhAnim="1">
+<p:sld xmlns:a="http://schemas.openxmlformats.org/drawingml/2006/main" xmlns:r="http://schemas.openxmlformats.org/officeDocument/2006/relationships" xmlns:p="http://schemas.openxmlformats.org/presentationml/2006/main">
   <p:cSld>
     <p:spTree>
       <p:nvGrpSpPr>
@@ -13192,7 +13296,9 @@
       <p:sp>
         <p:nvSpPr>
           <p:cNvPr id="31" name="Shape 31"/>
-          <p:cNvSpPr/>
+          <p:cNvSpPr>
+            <a:spLocks noGrp="1"/>
+          </p:cNvSpPr>
           <p:nvPr>
             <p:ph type="title" idx="4294967295"/>
           </p:nvPr>
@@ -13216,7 +13322,7 @@
         </p:spPr>
         <p:txBody>
           <a:bodyPr lIns="0" tIns="0" rIns="0" bIns="0" anchor="ctr">
-            <a:normAutofit fontScale="100000" lnSpcReduction="0"/>
+            <a:normAutofit/>
           </a:bodyPr>
           <a:lstStyle>
             <a:lvl1pPr>
@@ -13261,7 +13367,9 @@
       <p:sp>
         <p:nvSpPr>
           <p:cNvPr id="32" name="Shape 32"/>
-          <p:cNvSpPr/>
+          <p:cNvSpPr>
+            <a:spLocks noGrp="1"/>
+          </p:cNvSpPr>
           <p:nvPr>
             <p:ph type="body" idx="4294967295"/>
           </p:nvPr>
@@ -13285,7 +13393,7 @@
         </p:spPr>
         <p:txBody>
           <a:bodyPr lIns="0" tIns="0" rIns="0" bIns="0">
-            <a:normAutofit fontScale="100000" lnSpcReduction="0"/>
+            <a:normAutofit/>
           </a:bodyPr>
           <a:lstStyle/>
           <a:p>
@@ -13321,7 +13429,6 @@
               <a:rPr sz="3200"/>
               <a:t>DNS is a distributed database: parts of the tree (called "zones") are held in different servers</a:t>
             </a:r>
-            <a:endParaRPr sz="3200"/>
           </a:p>
           <a:p>
             <a:pPr lvl="0">
@@ -13356,7 +13463,6 @@
               <a:rPr sz="3200"/>
               <a:t>They are called "authoritative" for their particular part of the tree</a:t>
             </a:r>
-            <a:endParaRPr sz="3200"/>
           </a:p>
           <a:p>
             <a:pPr lvl="0">
@@ -13391,7 +13497,6 @@
               <a:rPr sz="3200"/>
               <a:t>It is the job of a caching nameserver to locate the right authoritative nameserver and get back the result</a:t>
             </a:r>
-            <a:endParaRPr sz="3200"/>
           </a:p>
           <a:p>
             <a:pPr lvl="0">
@@ -13434,12 +13539,12 @@
   <p:clrMapOvr>
     <a:masterClrMapping/>
   </p:clrMapOvr>
-  <p:transition spd="med" advClick="1"/>
+  <p:transition spd="med"/>
 </p:sld>
 </file>
 
 <file path=ppt/slides/slide40.xml><?xml version="1.0" encoding="utf-8"?>
-<p:sld xmlns:a="http://schemas.openxmlformats.org/drawingml/2006/main" xmlns:r="http://schemas.openxmlformats.org/officeDocument/2006/relationships" xmlns:p="http://schemas.openxmlformats.org/presentationml/2006/main" showMasterSp="1" showMasterPhAnim="1">
+<p:sld xmlns:a="http://schemas.openxmlformats.org/drawingml/2006/main" xmlns:r="http://schemas.openxmlformats.org/officeDocument/2006/relationships" xmlns:p="http://schemas.openxmlformats.org/presentationml/2006/main">
   <p:cSld>
     <p:spTree>
       <p:nvGrpSpPr>
@@ -13458,7 +13563,9 @@
       <p:sp>
         <p:nvSpPr>
           <p:cNvPr id="251" name="Shape 251"/>
-          <p:cNvSpPr/>
+          <p:cNvSpPr>
+            <a:spLocks noGrp="1"/>
+          </p:cNvSpPr>
           <p:nvPr>
             <p:ph type="title" idx="4294967295"/>
           </p:nvPr>
@@ -13482,7 +13589,7 @@
         </p:spPr>
         <p:txBody>
           <a:bodyPr lIns="0" tIns="0" rIns="0" bIns="0" anchor="ctr">
-            <a:normAutofit fontScale="100000" lnSpcReduction="0"/>
+            <a:normAutofit/>
           </a:bodyPr>
           <a:lstStyle>
             <a:lvl1pPr>
@@ -13527,7 +13634,9 @@
       <p:sp>
         <p:nvSpPr>
           <p:cNvPr id="252" name="Shape 252"/>
-          <p:cNvSpPr/>
+          <p:cNvSpPr>
+            <a:spLocks noGrp="1"/>
+          </p:cNvSpPr>
           <p:nvPr>
             <p:ph type="body" idx="4294967295"/>
           </p:nvPr>
@@ -13551,7 +13660,7 @@
         </p:spPr>
         <p:txBody>
           <a:bodyPr lIns="0" tIns="0" rIns="0" bIns="0">
-            <a:normAutofit fontScale="100000" lnSpcReduction="0"/>
+            <a:normAutofit/>
           </a:bodyPr>
           <a:lstStyle/>
           <a:p>
@@ -13592,12 +13701,6 @@
               </a:rPr>
               <a:t># service unbound start</a:t>
             </a:r>
-            <a:endParaRPr sz="3200">
-              <a:latin typeface="Courier New"/>
-              <a:ea typeface="Courier New"/>
-              <a:cs typeface="Courier New"/>
-              <a:sym typeface="Courier New"/>
-            </a:endParaRPr>
           </a:p>
           <a:p>
             <a:pPr lvl="0">
@@ -13637,12 +13740,6 @@
               </a:rPr>
               <a:t># unbound-control status</a:t>
             </a:r>
-            <a:endParaRPr sz="3200">
-              <a:latin typeface="Courier New"/>
-              <a:ea typeface="Courier New"/>
-              <a:cs typeface="Courier New"/>
-              <a:sym typeface="Courier New"/>
-            </a:endParaRPr>
           </a:p>
           <a:p>
             <a:pPr lvl="0">
@@ -13682,15 +13779,9 @@
               </a:rPr>
               <a:t># unbound-control reload</a:t>
             </a:r>
-            <a:endParaRPr sz="3200">
-              <a:latin typeface="Courier New"/>
-              <a:ea typeface="Courier New"/>
-              <a:cs typeface="Courier New"/>
-              <a:sym typeface="Courier New"/>
-            </a:endParaRPr>
           </a:p>
           <a:p>
-            <a:pPr lvl="1" marL="862012" indent="-285750">
+            <a:pPr marL="862012" lvl="1" indent="-285750">
               <a:lnSpc>
                 <a:spcPct val="93000"/>
               </a:lnSpc>
@@ -13725,7 +13816,6 @@
               <a:rPr sz="2800"/>
               <a:t>After config changes; causes less disruption than restarting the daemon</a:t>
             </a:r>
-            <a:endParaRPr sz="2800"/>
           </a:p>
           <a:p>
             <a:pPr lvl="0">
@@ -13765,15 +13855,9 @@
               </a:rPr>
               <a:t># unbound-control dump_cache</a:t>
             </a:r>
-            <a:endParaRPr sz="3200">
-              <a:latin typeface="Courier New"/>
-              <a:ea typeface="Courier New"/>
-              <a:cs typeface="Courier New"/>
-              <a:sym typeface="Courier New"/>
-            </a:endParaRPr>
           </a:p>
           <a:p>
-            <a:pPr lvl="1" marL="862012" indent="-285750">
+            <a:pPr marL="862012" lvl="1" indent="-285750">
               <a:lnSpc>
                 <a:spcPct val="93000"/>
               </a:lnSpc>
@@ -13853,15 +13937,9 @@
               </a:rPr>
               <a:t># unbound-control flush .</a:t>
             </a:r>
-            <a:endParaRPr sz="3200">
-              <a:latin typeface="Courier New"/>
-              <a:ea typeface="Courier New"/>
-              <a:cs typeface="Courier New"/>
-              <a:sym typeface="Courier New"/>
-            </a:endParaRPr>
           </a:p>
           <a:p>
-            <a:pPr lvl="1" marL="862012" indent="-285750">
+            <a:pPr marL="862012" lvl="1" indent="-285750">
               <a:lnSpc>
                 <a:spcPct val="93000"/>
               </a:lnSpc>
@@ -13904,12 +13982,12 @@
   <p:clrMapOvr>
     <a:masterClrMapping/>
   </p:clrMapOvr>
-  <p:transition spd="med" advClick="1"/>
+  <p:transition spd="med"/>
 </p:sld>
 </file>
 
 <file path=ppt/slides/slide41.xml><?xml version="1.0" encoding="utf-8"?>
-<p:sld xmlns:a="http://schemas.openxmlformats.org/drawingml/2006/main" xmlns:r="http://schemas.openxmlformats.org/officeDocument/2006/relationships" xmlns:p="http://schemas.openxmlformats.org/presentationml/2006/main" showMasterSp="1" showMasterPhAnim="1">
+<p:sld xmlns:a="http://schemas.openxmlformats.org/drawingml/2006/main" xmlns:r="http://schemas.openxmlformats.org/officeDocument/2006/relationships" xmlns:p="http://schemas.openxmlformats.org/presentationml/2006/main">
   <p:cSld>
     <p:spTree>
       <p:nvGrpSpPr>
@@ -13928,7 +14006,9 @@
       <p:sp>
         <p:nvSpPr>
           <p:cNvPr id="254" name="Shape 254"/>
-          <p:cNvSpPr/>
+          <p:cNvSpPr>
+            <a:spLocks noGrp="1"/>
+          </p:cNvSpPr>
           <p:nvPr>
             <p:ph type="title" idx="4294967295"/>
           </p:nvPr>
@@ -13952,7 +14032,7 @@
         </p:spPr>
         <p:txBody>
           <a:bodyPr lIns="0" tIns="0" rIns="0" bIns="0" anchor="ctr">
-            <a:normAutofit fontScale="100000" lnSpcReduction="0"/>
+            <a:normAutofit/>
           </a:bodyPr>
           <a:lstStyle>
             <a:lvl1pPr>
@@ -13997,7 +14077,9 @@
       <p:sp>
         <p:nvSpPr>
           <p:cNvPr id="255" name="Shape 255"/>
-          <p:cNvSpPr/>
+          <p:cNvSpPr>
+            <a:spLocks noGrp="1"/>
+          </p:cNvSpPr>
           <p:nvPr>
             <p:ph type="body" idx="4294967295"/>
           </p:nvPr>
@@ -14021,7 +14103,7 @@
         </p:spPr>
         <p:txBody>
           <a:bodyPr lIns="0" tIns="0" rIns="0" bIns="0">
-            <a:normAutofit fontScale="100000" lnSpcReduction="0"/>
+            <a:normAutofit/>
           </a:bodyPr>
           <a:lstStyle/>
           <a:p>
@@ -14062,15 +14144,9 @@
               </a:rPr>
               <a:t>tail /var/log/syslog</a:t>
             </a:r>
-            <a:endParaRPr sz="3200">
-              <a:latin typeface="Courier New"/>
-              <a:ea typeface="Courier New"/>
-              <a:cs typeface="Courier New"/>
-              <a:sym typeface="Courier New"/>
-            </a:endParaRPr>
           </a:p>
           <a:p>
-            <a:pPr lvl="1" marL="862012" indent="-285750">
+            <a:pPr marL="862012" lvl="1" indent="-285750">
               <a:lnSpc>
                 <a:spcPct val="93000"/>
               </a:lnSpc>
@@ -14105,7 +14181,6 @@
               <a:rPr sz="2800"/>
               <a:t>after any nameserver changes and reload/restart</a:t>
             </a:r>
-            <a:endParaRPr sz="2800"/>
           </a:p>
           <a:p>
             <a:pPr lvl="0">
@@ -14140,7 +14215,6 @@
               <a:rPr sz="3200"/>
               <a:t>A syntax error may result in a nameserver which is running, but not in the way you wanted</a:t>
             </a:r>
-            <a:endParaRPr sz="3200"/>
           </a:p>
           <a:p>
             <a:pPr lvl="0">
@@ -14183,12 +14257,12 @@
   <p:clrMapOvr>
     <a:masterClrMapping/>
   </p:clrMapOvr>
-  <p:transition spd="med" advClick="1"/>
+  <p:transition spd="med"/>
 </p:sld>
 </file>
 
 <file path=ppt/slides/slide42.xml><?xml version="1.0" encoding="utf-8"?>
-<p:sld xmlns:a="http://schemas.openxmlformats.org/drawingml/2006/main" xmlns:r="http://schemas.openxmlformats.org/officeDocument/2006/relationships" xmlns:p="http://schemas.openxmlformats.org/presentationml/2006/main" showMasterSp="1" showMasterPhAnim="1">
+<p:sld xmlns:a="http://schemas.openxmlformats.org/drawingml/2006/main" xmlns:r="http://schemas.openxmlformats.org/officeDocument/2006/relationships" xmlns:p="http://schemas.openxmlformats.org/presentationml/2006/main">
   <p:cSld>
     <p:spTree>
       <p:nvGrpSpPr>
@@ -14207,7 +14281,9 @@
       <p:sp>
         <p:nvSpPr>
           <p:cNvPr id="257" name="Shape 257"/>
-          <p:cNvSpPr/>
+          <p:cNvSpPr>
+            <a:spLocks noGrp="1"/>
+          </p:cNvSpPr>
           <p:nvPr>
             <p:ph type="title" idx="4294967295"/>
           </p:nvPr>
@@ -14231,7 +14307,7 @@
         </p:spPr>
         <p:txBody>
           <a:bodyPr lIns="0" tIns="0" rIns="0" bIns="0" anchor="ctr">
-            <a:normAutofit fontScale="100000" lnSpcReduction="0"/>
+            <a:normAutofit/>
           </a:bodyPr>
           <a:lstStyle>
             <a:lvl1pPr>
@@ -14276,7 +14352,9 @@
       <p:sp>
         <p:nvSpPr>
           <p:cNvPr id="258" name="Shape 258"/>
-          <p:cNvSpPr/>
+          <p:cNvSpPr>
+            <a:spLocks noGrp="1"/>
+          </p:cNvSpPr>
           <p:nvPr>
             <p:ph type="body" idx="4294967295"/>
           </p:nvPr>
@@ -14300,7 +14378,7 @@
         </p:spPr>
         <p:txBody>
           <a:bodyPr lIns="0" tIns="0" rIns="0" bIns="0">
-            <a:normAutofit fontScale="100000" lnSpcReduction="0"/>
+            <a:normAutofit/>
           </a:bodyPr>
           <a:lstStyle/>
           <a:p>
@@ -14336,7 +14414,6 @@
               <a:rPr sz="3200"/>
               <a:t>Build a resolver</a:t>
             </a:r>
-            <a:endParaRPr sz="3200"/>
           </a:p>
           <a:p>
             <a:pPr lvl="0">
@@ -14379,12 +14456,12 @@
   <p:clrMapOvr>
     <a:masterClrMapping/>
   </p:clrMapOvr>
-  <p:transition spd="med" advClick="1"/>
+  <p:transition spd="med"/>
 </p:sld>
 </file>
 
 <file path=ppt/slides/slide5.xml><?xml version="1.0" encoding="utf-8"?>
-<p:sld xmlns:a="http://schemas.openxmlformats.org/drawingml/2006/main" xmlns:r="http://schemas.openxmlformats.org/officeDocument/2006/relationships" xmlns:p="http://schemas.openxmlformats.org/presentationml/2006/main" showMasterSp="1" showMasterPhAnim="1">
+<p:sld xmlns:a="http://schemas.openxmlformats.org/drawingml/2006/main" xmlns:r="http://schemas.openxmlformats.org/officeDocument/2006/relationships" xmlns:p="http://schemas.openxmlformats.org/presentationml/2006/main">
   <p:cSld>
     <p:spTree>
       <p:nvGrpSpPr>
@@ -14403,7 +14480,9 @@
       <p:sp>
         <p:nvSpPr>
           <p:cNvPr id="34" name="Shape 34"/>
-          <p:cNvSpPr/>
+          <p:cNvSpPr>
+            <a:spLocks noGrp="1"/>
+          </p:cNvSpPr>
           <p:nvPr>
             <p:ph type="title" idx="4294967295"/>
           </p:nvPr>
@@ -14427,7 +14506,7 @@
         </p:spPr>
         <p:txBody>
           <a:bodyPr lIns="0" tIns="0" rIns="0" bIns="0" anchor="ctr">
-            <a:normAutofit fontScale="100000" lnSpcReduction="0"/>
+            <a:normAutofit/>
           </a:bodyPr>
           <a:lstStyle>
             <a:lvl1pPr>
@@ -14545,6 +14624,7 @@
                 </a:tabLst>
                 <a:defRPr sz="1800"/>
               </a:pPr>
+              <a:endParaRPr/>
             </a:p>
           </p:txBody>
         </p:sp>
@@ -14742,6 +14822,7 @@
                     </a:solidFill>
                   </a:defRPr>
                 </a:pPr>
+                <a:endParaRPr/>
               </a:p>
             </p:txBody>
           </p:sp>
@@ -14871,6 +14952,7 @@
                   <a:sym typeface="Helvetica"/>
                 </a:defRPr>
               </a:pPr>
+              <a:endParaRPr/>
             </a:p>
           </p:txBody>
         </p:sp>
@@ -15018,7 +15100,7 @@
                   <a:tab pos="8686800" algn="l"/>
                   <a:tab pos="9144000" algn="l"/>
                 </a:tabLst>
-                <a:defRPr b="1" sz="1800">
+                <a:defRPr sz="1800" b="1">
                   <a:solidFill>
                     <a:srgbClr val="3333CC"/>
                   </a:solidFill>
@@ -15143,6 +15225,7 @@
                     </a:solidFill>
                   </a:defRPr>
                 </a:pPr>
+                <a:endParaRPr/>
               </a:p>
             </p:txBody>
           </p:sp>
@@ -15214,11 +15297,6 @@
                   </a:rPr>
                   <a:t>Auth</a:t>
                 </a:r>
-                <a:endParaRPr>
-                  <a:solidFill>
-                    <a:srgbClr val="3333CC"/>
-                  </a:solidFill>
-                </a:endParaRPr>
               </a:p>
               <a:p>
                 <a:pPr lvl="0" algn="ctr" defTabSz="914400">
@@ -15303,6 +15381,7 @@
                   <a:sym typeface="Helvetica"/>
                 </a:defRPr>
               </a:pPr>
+              <a:endParaRPr/>
             </a:p>
           </p:txBody>
         </p:sp>
@@ -15348,6 +15427,7 @@
                   <a:sym typeface="Helvetica"/>
                 </a:defRPr>
               </a:pPr>
+              <a:endParaRPr/>
             </a:p>
           </p:txBody>
         </p:sp>
@@ -15408,7 +15488,7 @@
                   <a:tab pos="8686800" algn="l"/>
                   <a:tab pos="9144000" algn="l"/>
                 </a:tabLst>
-                <a:defRPr b="1" sz="1800">
+                <a:defRPr sz="1800" b="1">
                   <a:solidFill>
                     <a:srgbClr val="3333CC"/>
                   </a:solidFill>
@@ -15533,6 +15613,7 @@
                     </a:solidFill>
                   </a:defRPr>
                 </a:pPr>
+                <a:endParaRPr/>
               </a:p>
             </p:txBody>
           </p:sp>
@@ -15604,11 +15685,6 @@
                   </a:rPr>
                   <a:t>Auth</a:t>
                 </a:r>
-                <a:endParaRPr>
-                  <a:solidFill>
-                    <a:srgbClr val="3333CC"/>
-                  </a:solidFill>
-                </a:endParaRPr>
               </a:p>
               <a:p>
                 <a:pPr lvl="0" algn="ctr" defTabSz="914400">
@@ -15693,6 +15769,7 @@
                   <a:sym typeface="Helvetica"/>
                 </a:defRPr>
               </a:pPr>
+              <a:endParaRPr/>
             </a:p>
           </p:txBody>
         </p:sp>
@@ -15738,6 +15815,7 @@
                   <a:sym typeface="Helvetica"/>
                 </a:defRPr>
               </a:pPr>
+              <a:endParaRPr/>
             </a:p>
           </p:txBody>
         </p:sp>
@@ -15798,7 +15876,7 @@
                   <a:tab pos="8686800" algn="l"/>
                   <a:tab pos="9144000" algn="l"/>
                 </a:tabLst>
-                <a:defRPr b="1" sz="1800">
+                <a:defRPr sz="1800" b="1">
                   <a:solidFill>
                     <a:srgbClr val="3333CC"/>
                   </a:solidFill>
@@ -15923,6 +16001,7 @@
                     </a:solidFill>
                   </a:defRPr>
                 </a:pPr>
+                <a:endParaRPr/>
               </a:p>
             </p:txBody>
           </p:sp>
@@ -15994,11 +16073,6 @@
                   </a:rPr>
                   <a:t>Auth</a:t>
                 </a:r>
-                <a:endParaRPr>
-                  <a:solidFill>
-                    <a:srgbClr val="3333CC"/>
-                  </a:solidFill>
-                </a:endParaRPr>
               </a:p>
               <a:p>
                 <a:pPr lvl="0" algn="ctr" defTabSz="914400">
@@ -16083,6 +16157,7 @@
                   <a:sym typeface="Helvetica"/>
                 </a:defRPr>
               </a:pPr>
+              <a:endParaRPr/>
             </a:p>
           </p:txBody>
         </p:sp>
@@ -16128,6 +16203,7 @@
                   <a:sym typeface="Helvetica"/>
                 </a:defRPr>
               </a:pPr>
+              <a:endParaRPr/>
             </a:p>
           </p:txBody>
         </p:sp>
@@ -16188,7 +16264,7 @@
                   <a:tab pos="8686800" algn="l"/>
                   <a:tab pos="9144000" algn="l"/>
                 </a:tabLst>
-                <a:defRPr b="1" sz="1800">
+                <a:defRPr sz="1800" b="1">
                   <a:solidFill>
                     <a:srgbClr val="3333CC"/>
                   </a:solidFill>
@@ -16275,6 +16351,7 @@
                   <a:sym typeface="Helvetica"/>
                 </a:defRPr>
               </a:pPr>
+              <a:endParaRPr/>
             </a:p>
           </p:txBody>
         </p:sp>
@@ -16422,7 +16499,7 @@
                   <a:tab pos="8686800" algn="l"/>
                   <a:tab pos="9144000" algn="l"/>
                 </a:tabLst>
-                <a:defRPr b="1" sz="1800">
+                <a:defRPr sz="1800" b="1">
                   <a:solidFill>
                     <a:srgbClr val="3333CC"/>
                   </a:solidFill>
@@ -16458,14 +16535,14 @@
   <p:clrMapOvr>
     <a:masterClrMapping/>
   </p:clrMapOvr>
-  <p:transition spd="med" advClick="1"/>
+  <p:transition spd="med"/>
   <p:timing>
     <p:tnLst>
       <p:par>
-        <p:cTn id="1" nodeType="tmRoot" restart="never" dur="indefinite" fill="hold">
+        <p:cTn id="1" dur="indefinite" restart="never" fill="hold" nodeType="tmRoot">
           <p:childTnLst>
             <p:seq concurrent="1" prevAc="none" nextAc="seek">
-              <p:cTn id="2" nodeType="mainSeq" dur="indefinite" fill="hold">
+              <p:cTn id="2" dur="indefinite" fill="hold" nodeType="mainSeq">
                 <p:childTnLst>
                   <p:par>
                     <p:cTn id="3" fill="hold">
@@ -16480,11 +16557,11 @@
                             </p:stCondLst>
                             <p:childTnLst>
                               <p:par>
-                                <p:cTn id="5" nodeType="clickEffect" presetClass="entr" presetSubtype="4" presetID="22" grpId="1" fill="hold">
+                                <p:cTn id="5" presetID="22" presetClass="entr" presetSubtype="4" fill="hold" grpId="1" nodeType="clickEffect">
                                   <p:stCondLst>
                                     <p:cond delay="0"/>
                                   </p:stCondLst>
-                                  <p:iterate type="el" backwards="0">
+                                  <p:iterate>
                                     <p:tmAbs val="0"/>
                                   </p:iterate>
                                   <p:childTnLst>
@@ -16502,7 +16579,7 @@
                                         <p:strVal val="visible"/>
                                       </p:to>
                                     </p:set>
-                                    <p:animEffect filter="wipe(down)" transition="in">
+                                    <p:animEffect transition="in" filter="wipe(down)">
                                       <p:cBhvr>
                                         <p:cTn id="7" dur="1000"/>
                                         <p:tgtEl>
@@ -16532,11 +16609,11 @@
                             </p:stCondLst>
                             <p:childTnLst>
                               <p:par>
-                                <p:cTn id="10" nodeType="clickEffect" presetClass="entr" presetSubtype="4" presetID="22" grpId="2" fill="hold">
+                                <p:cTn id="10" presetID="22" presetClass="entr" presetSubtype="4" fill="hold" grpId="2" nodeType="clickEffect">
                                   <p:stCondLst>
                                     <p:cond delay="0"/>
                                   </p:stCondLst>
-                                  <p:iterate type="el" backwards="0">
+                                  <p:iterate>
                                     <p:tmAbs val="0"/>
                                   </p:iterate>
                                   <p:childTnLst>
@@ -16554,7 +16631,7 @@
                                         <p:strVal val="visible"/>
                                       </p:to>
                                     </p:set>
-                                    <p:animEffect filter="wipe(down)" transition="in">
+                                    <p:animEffect transition="in" filter="wipe(down)">
                                       <p:cBhvr>
                                         <p:cTn id="12" dur="1000"/>
                                         <p:tgtEl>
@@ -16584,11 +16661,11 @@
                             </p:stCondLst>
                             <p:childTnLst>
                               <p:par>
-                                <p:cTn id="15" nodeType="clickEffect" presetClass="entr" presetSubtype="4" presetID="22" grpId="3" fill="hold">
+                                <p:cTn id="15" presetID="22" presetClass="entr" presetSubtype="4" fill="hold" grpId="3" nodeType="clickEffect">
                                   <p:stCondLst>
                                     <p:cond delay="0"/>
                                   </p:stCondLst>
-                                  <p:iterate type="el" backwards="0">
+                                  <p:iterate>
                                     <p:tmAbs val="0"/>
                                   </p:iterate>
                                   <p:childTnLst>
@@ -16606,7 +16683,7 @@
                                         <p:strVal val="visible"/>
                                       </p:to>
                                     </p:set>
-                                    <p:animEffect filter="wipe(down)" transition="in">
+                                    <p:animEffect transition="in" filter="wipe(down)">
                                       <p:cBhvr>
                                         <p:cTn id="17" dur="1000"/>
                                         <p:tgtEl>
@@ -16636,11 +16713,11 @@
                             </p:stCondLst>
                             <p:childTnLst>
                               <p:par>
-                                <p:cTn id="20" nodeType="clickEffect" presetClass="entr" presetSubtype="4" presetID="22" grpId="4" fill="hold">
+                                <p:cTn id="20" presetID="22" presetClass="entr" presetSubtype="4" fill="hold" grpId="4" nodeType="clickEffect">
                                   <p:stCondLst>
                                     <p:cond delay="0"/>
                                   </p:stCondLst>
-                                  <p:iterate type="el" backwards="0">
+                                  <p:iterate>
                                     <p:tmAbs val="0"/>
                                   </p:iterate>
                                   <p:childTnLst>
@@ -16658,7 +16735,7 @@
                                         <p:strVal val="visible"/>
                                       </p:to>
                                     </p:set>
-                                    <p:animEffect filter="wipe(down)" transition="in">
+                                    <p:animEffect transition="in" filter="wipe(down)">
                                       <p:cBhvr>
                                         <p:cTn id="22" dur="1000"/>
                                         <p:tgtEl>
@@ -16688,11 +16765,11 @@
                             </p:stCondLst>
                             <p:childTnLst>
                               <p:par>
-                                <p:cTn id="25" nodeType="clickEffect" presetClass="entr" presetSubtype="4" presetID="22" grpId="5" fill="hold">
+                                <p:cTn id="25" presetID="22" presetClass="entr" presetSubtype="4" fill="hold" grpId="5" nodeType="clickEffect">
                                   <p:stCondLst>
                                     <p:cond delay="0"/>
                                   </p:stCondLst>
-                                  <p:iterate type="el" backwards="0">
+                                  <p:iterate>
                                     <p:tmAbs val="0"/>
                                   </p:iterate>
                                   <p:childTnLst>
@@ -16710,7 +16787,7 @@
                                         <p:strVal val="visible"/>
                                       </p:to>
                                     </p:set>
-                                    <p:animEffect filter="wipe(down)" transition="in">
+                                    <p:animEffect transition="in" filter="wipe(down)">
                                       <p:cBhvr>
                                         <p:cTn id="27" dur="1000"/>
                                         <p:tgtEl>
@@ -16730,14 +16807,14 @@
                 </p:childTnLst>
               </p:cTn>
               <p:prevCondLst>
-                <p:cond evt="onPrev">
+                <p:cond evt="onPrev" delay="0">
                   <p:tgtEl>
                     <p:sldTgt/>
                   </p:tgtEl>
                 </p:cond>
               </p:prevCondLst>
               <p:nextCondLst>
-                <p:cond evt="onNext">
+                <p:cond evt="onNext" delay="0">
                   <p:tgtEl>
                     <p:sldTgt/>
                   </p:tgtEl>
@@ -16749,18 +16826,18 @@
       </p:par>
     </p:tnLst>
     <p:bldLst>
-      <p:bldP build="whole" bldLvl="1" animBg="1" rev="0" advAuto="0" spid="44" grpId="1"/>
-      <p:bldP build="whole" bldLvl="1" animBg="1" rev="0" advAuto="0" spid="51" grpId="2"/>
-      <p:bldP build="whole" bldLvl="1" animBg="1" rev="0" advAuto="0" spid="58" grpId="3"/>
-      <p:bldP build="whole" bldLvl="1" animBg="1" rev="0" advAuto="0" spid="65" grpId="4"/>
-      <p:bldP build="whole" bldLvl="1" animBg="1" rev="0" advAuto="0" spid="69" grpId="5"/>
+      <p:bldP spid="44" grpId="1" animBg="1" advAuto="0"/>
+      <p:bldP spid="51" grpId="2" animBg="1" advAuto="0"/>
+      <p:bldP spid="58" grpId="3" animBg="1" advAuto="0"/>
+      <p:bldP spid="65" grpId="4" animBg="1" advAuto="0"/>
+      <p:bldP spid="69" grpId="5" animBg="1" advAuto="0"/>
     </p:bldLst>
   </p:timing>
 </p:sld>
 </file>
 
 <file path=ppt/slides/slide6.xml><?xml version="1.0" encoding="utf-8"?>
-<p:sld xmlns:a="http://schemas.openxmlformats.org/drawingml/2006/main" xmlns:r="http://schemas.openxmlformats.org/officeDocument/2006/relationships" xmlns:p="http://schemas.openxmlformats.org/presentationml/2006/main" showMasterSp="1" showMasterPhAnim="1">
+<p:sld xmlns:a="http://schemas.openxmlformats.org/drawingml/2006/main" xmlns:r="http://schemas.openxmlformats.org/officeDocument/2006/relationships" xmlns:p="http://schemas.openxmlformats.org/presentationml/2006/main">
   <p:cSld>
     <p:spTree>
       <p:nvGrpSpPr>
@@ -16779,7 +16856,9 @@
       <p:sp>
         <p:nvSpPr>
           <p:cNvPr id="71" name="Shape 71"/>
-          <p:cNvSpPr/>
+          <p:cNvSpPr>
+            <a:spLocks noGrp="1"/>
+          </p:cNvSpPr>
           <p:nvPr>
             <p:ph type="title" idx="4294967295"/>
           </p:nvPr>
@@ -16803,7 +16882,7 @@
         </p:spPr>
         <p:txBody>
           <a:bodyPr lIns="0" tIns="0" rIns="0" bIns="0" anchor="ctr">
-            <a:normAutofit fontScale="100000" lnSpcReduction="0"/>
+            <a:normAutofit/>
           </a:bodyPr>
           <a:lstStyle>
             <a:lvl1pPr>
@@ -16848,7 +16927,9 @@
       <p:sp>
         <p:nvSpPr>
           <p:cNvPr id="72" name="Shape 72"/>
-          <p:cNvSpPr/>
+          <p:cNvSpPr>
+            <a:spLocks noGrp="1"/>
+          </p:cNvSpPr>
           <p:nvPr>
             <p:ph type="body" idx="4294967295"/>
           </p:nvPr>
@@ -16872,7 +16953,7 @@
         </p:spPr>
         <p:txBody>
           <a:bodyPr lIns="0" tIns="0" rIns="0" bIns="0">
-            <a:normAutofit fontScale="100000" lnSpcReduction="0"/>
+            <a:normAutofit/>
           </a:bodyPr>
           <a:lstStyle/>
           <a:p>
@@ -16908,7 +16989,6 @@
               <a:rPr sz="3200"/>
               <a:t>It follows the hierarchical tree structure</a:t>
             </a:r>
-            <a:endParaRPr sz="3200"/>
           </a:p>
           <a:p>
             <a:pPr lvl="0">
@@ -17000,7 +17080,7 @@
                 <a:tab pos="8686800" algn="l"/>
                 <a:tab pos="9144000" algn="l"/>
               </a:tabLst>
-              <a:defRPr b="1" sz="1800">
+              <a:defRPr sz="1800" b="1">
                 <a:latin typeface="+mn-lt"/>
                 <a:ea typeface="+mn-ea"/>
                 <a:cs typeface="+mn-cs"/>
@@ -17073,7 +17153,7 @@
                 <a:tab pos="8686800" algn="l"/>
                 <a:tab pos="9144000" algn="l"/>
               </a:tabLst>
-              <a:defRPr b="1" sz="1800">
+              <a:defRPr sz="1800" b="1">
                 <a:latin typeface="+mn-lt"/>
                 <a:ea typeface="+mn-ea"/>
                 <a:cs typeface="+mn-cs"/>
@@ -17146,7 +17226,7 @@
                 <a:tab pos="8686800" algn="l"/>
                 <a:tab pos="9144000" algn="l"/>
               </a:tabLst>
-              <a:defRPr b="1" sz="1800">
+              <a:defRPr sz="1800" b="1">
                 <a:latin typeface="+mn-lt"/>
                 <a:ea typeface="+mn-ea"/>
                 <a:cs typeface="+mn-cs"/>
@@ -17219,7 +17299,7 @@
                 <a:tab pos="8686800" algn="l"/>
                 <a:tab pos="9144000" algn="l"/>
               </a:tabLst>
-              <a:defRPr b="1" sz="1800">
+              <a:defRPr sz="1800" b="1">
                 <a:latin typeface="+mn-lt"/>
                 <a:ea typeface="+mn-ea"/>
                 <a:cs typeface="+mn-cs"/>
@@ -17274,6 +17354,7 @@
                 <a:sym typeface="Helvetica"/>
               </a:defRPr>
             </a:pPr>
+            <a:endParaRPr/>
           </a:p>
         </p:txBody>
       </p:sp>
@@ -17313,6 +17394,7 @@
                 <a:sym typeface="Helvetica"/>
               </a:defRPr>
             </a:pPr>
+            <a:endParaRPr/>
           </a:p>
         </p:txBody>
       </p:sp>
@@ -17352,6 +17434,7 @@
                 <a:sym typeface="Helvetica"/>
               </a:defRPr>
             </a:pPr>
+            <a:endParaRPr/>
           </a:p>
         </p:txBody>
       </p:sp>
@@ -17411,6 +17494,7 @@
                   <a:sym typeface="Helvetica"/>
                 </a:defRPr>
               </a:pPr>
+              <a:endParaRPr/>
             </a:p>
           </p:txBody>
         </p:sp>
@@ -17439,7 +17523,7 @@
               <a:round/>
             </a:ln>
             <a:effectLst>
-              <a:outerShdw sx="100000" sy="100000" kx="0" ky="0" algn="b" rotWithShape="0" blurRad="12700" dist="51929" dir="2700000">
+              <a:outerShdw blurRad="12700" dist="51929" dir="2700000" rotWithShape="0">
                 <a:srgbClr val="808080"/>
               </a:outerShdw>
             </a:effectLst>
@@ -17553,6 +17637,7 @@
                   <a:sym typeface="Helvetica"/>
                 </a:defRPr>
               </a:pPr>
+              <a:endParaRPr/>
             </a:p>
           </p:txBody>
         </p:sp>
@@ -17581,7 +17666,7 @@
               <a:round/>
             </a:ln>
             <a:effectLst>
-              <a:outerShdw sx="100000" sy="100000" kx="0" ky="0" algn="b" rotWithShape="0" blurRad="12700" dist="51929" dir="2700000">
+              <a:outerShdw blurRad="12700" dist="51929" dir="2700000" rotWithShape="0">
                 <a:srgbClr val="808080"/>
               </a:outerShdw>
             </a:effectLst>
@@ -17695,6 +17780,7 @@
                   <a:sym typeface="Helvetica"/>
                 </a:defRPr>
               </a:pPr>
+              <a:endParaRPr/>
             </a:p>
           </p:txBody>
         </p:sp>
@@ -17723,7 +17809,7 @@
               <a:round/>
             </a:ln>
             <a:effectLst>
-              <a:outerShdw sx="100000" sy="100000" kx="0" ky="0" algn="b" rotWithShape="0" blurRad="12700" dist="51929" dir="2700000">
+              <a:outerShdw blurRad="12700" dist="51929" dir="2700000" rotWithShape="0">
                 <a:srgbClr val="808080"/>
               </a:outerShdw>
             </a:effectLst>
@@ -17837,6 +17923,7 @@
                   <a:sym typeface="Helvetica"/>
                 </a:defRPr>
               </a:pPr>
+              <a:endParaRPr/>
             </a:p>
           </p:txBody>
         </p:sp>
@@ -17865,7 +17952,7 @@
               <a:round/>
             </a:ln>
             <a:effectLst>
-              <a:outerShdw sx="100000" sy="100000" kx="0" ky="0" algn="b" rotWithShape="0" blurRad="12700" dist="51929" dir="2700000">
+              <a:outerShdw blurRad="12700" dist="51929" dir="2700000" rotWithShape="0">
                 <a:srgbClr val="808080"/>
               </a:outerShdw>
             </a:effectLst>
@@ -17928,14 +18015,14 @@
   <p:clrMapOvr>
     <a:masterClrMapping/>
   </p:clrMapOvr>
-  <p:transition spd="med" advClick="1"/>
+  <p:transition spd="med"/>
   <p:timing>
     <p:tnLst>
       <p:par>
-        <p:cTn id="1" nodeType="tmRoot" restart="never" dur="indefinite" fill="hold">
+        <p:cTn id="1" dur="indefinite" restart="never" fill="hold" nodeType="tmRoot">
           <p:childTnLst>
             <p:seq concurrent="1" prevAc="none" nextAc="seek">
-              <p:cTn id="2" nodeType="mainSeq" dur="indefinite" fill="hold">
+              <p:cTn id="2" dur="indefinite" fill="hold" nodeType="mainSeq">
                 <p:childTnLst>
                   <p:par>
                     <p:cTn id="3" fill="hold">
@@ -17950,11 +18037,11 @@
                             </p:stCondLst>
                             <p:childTnLst>
                               <p:par>
-                                <p:cTn id="5" nodeType="clickEffect" presetClass="entr" presetSubtype="2" presetID="2" grpId="1" fill="hold">
+                                <p:cTn id="5" presetID="2" presetClass="entr" presetSubtype="2" fill="hold" grpId="1" nodeType="clickEffect">
                                   <p:stCondLst>
                                     <p:cond delay="0"/>
                                   </p:stCondLst>
-                                  <p:iterate type="el" backwards="0">
+                                  <p:iterate>
                                     <p:tmAbs val="0"/>
                                   </p:iterate>
                                   <p:childTnLst>
@@ -18040,11 +18127,11 @@
                             </p:stCondLst>
                             <p:childTnLst>
                               <p:par>
-                                <p:cTn id="11" nodeType="clickEffect" presetClass="entr" presetSubtype="2" presetID="2" grpId="2" fill="hold">
+                                <p:cTn id="11" presetID="2" presetClass="entr" presetSubtype="2" fill="hold" grpId="2" nodeType="clickEffect">
                                   <p:stCondLst>
                                     <p:cond delay="0"/>
                                   </p:stCondLst>
-                                  <p:iterate type="el" backwards="0">
+                                  <p:iterate>
                                     <p:tmAbs val="0"/>
                                   </p:iterate>
                                   <p:childTnLst>
@@ -18130,11 +18217,11 @@
                             </p:stCondLst>
                             <p:childTnLst>
                               <p:par>
-                                <p:cTn id="17" nodeType="clickEffect" presetClass="entr" presetSubtype="2" presetID="2" grpId="3" fill="hold">
+                                <p:cTn id="17" presetID="2" presetClass="entr" presetSubtype="2" fill="hold" grpId="3" nodeType="clickEffect">
                                   <p:stCondLst>
                                     <p:cond delay="0"/>
                                   </p:stCondLst>
-                                  <p:iterate type="el" backwards="0">
+                                  <p:iterate>
                                     <p:tmAbs val="0"/>
                                   </p:iterate>
                                   <p:childTnLst>
@@ -18220,11 +18307,11 @@
                             </p:stCondLst>
                             <p:childTnLst>
                               <p:par>
-                                <p:cTn id="23" nodeType="clickEffect" presetClass="entr" presetSubtype="2" presetID="2" grpId="4" fill="hold">
+                                <p:cTn id="23" presetID="2" presetClass="entr" presetSubtype="2" fill="hold" grpId="4" nodeType="clickEffect">
                                   <p:stCondLst>
                                     <p:cond delay="0"/>
                                   </p:stCondLst>
-                                  <p:iterate type="el" backwards="0">
+                                  <p:iterate>
                                     <p:tmAbs val="0"/>
                                   </p:iterate>
                                   <p:childTnLst>
@@ -18300,14 +18387,14 @@
                 </p:childTnLst>
               </p:cTn>
               <p:prevCondLst>
-                <p:cond evt="onPrev">
+                <p:cond evt="onPrev" delay="0">
                   <p:tgtEl>
                     <p:sldTgt/>
                   </p:tgtEl>
                 </p:cond>
               </p:prevCondLst>
               <p:nextCondLst>
-                <p:cond evt="onNext">
+                <p:cond evt="onNext" delay="0">
                   <p:tgtEl>
                     <p:sldTgt/>
                   </p:tgtEl>
@@ -18319,17 +18406,17 @@
       </p:par>
     </p:tnLst>
     <p:bldLst>
-      <p:bldP build="whole" bldLvl="1" animBg="1" rev="0" advAuto="0" spid="91" grpId="4"/>
-      <p:bldP build="whole" bldLvl="1" animBg="1" rev="0" advAuto="0" spid="85" grpId="2"/>
-      <p:bldP build="whole" bldLvl="1" animBg="1" rev="0" advAuto="0" spid="82" grpId="1"/>
-      <p:bldP build="whole" bldLvl="1" animBg="1" rev="0" advAuto="0" spid="88" grpId="3"/>
+      <p:bldP spid="82" grpId="1" animBg="1" advAuto="0"/>
+      <p:bldP spid="85" grpId="2" animBg="1" advAuto="0"/>
+      <p:bldP spid="88" grpId="3" animBg="1" advAuto="0"/>
+      <p:bldP spid="91" grpId="4" animBg="1" advAuto="0"/>
     </p:bldLst>
   </p:timing>
 </p:sld>
 </file>
 
 <file path=ppt/slides/slide7.xml><?xml version="1.0" encoding="utf-8"?>
-<p:sld xmlns:a="http://schemas.openxmlformats.org/drawingml/2006/main" xmlns:r="http://schemas.openxmlformats.org/officeDocument/2006/relationships" xmlns:p="http://schemas.openxmlformats.org/presentationml/2006/main" showMasterSp="1" showMasterPhAnim="1">
+<p:sld xmlns:a="http://schemas.openxmlformats.org/drawingml/2006/main" xmlns:r="http://schemas.openxmlformats.org/officeDocument/2006/relationships" xmlns:p="http://schemas.openxmlformats.org/presentationml/2006/main">
   <p:cSld>
     <p:spTree>
       <p:nvGrpSpPr>
@@ -18348,7 +18435,9 @@
       <p:sp>
         <p:nvSpPr>
           <p:cNvPr id="93" name="Shape 93"/>
-          <p:cNvSpPr/>
+          <p:cNvSpPr>
+            <a:spLocks noGrp="1"/>
+          </p:cNvSpPr>
           <p:nvPr>
             <p:ph type="title" idx="4294967295"/>
           </p:nvPr>
@@ -18372,7 +18461,7 @@
         </p:spPr>
         <p:txBody>
           <a:bodyPr lIns="0" tIns="0" rIns="0" bIns="0" anchor="ctr">
-            <a:normAutofit fontScale="100000" lnSpcReduction="0"/>
+            <a:normAutofit/>
           </a:bodyPr>
           <a:lstStyle>
             <a:lvl1pPr>
@@ -18417,7 +18506,9 @@
       <p:sp>
         <p:nvSpPr>
           <p:cNvPr id="94" name="Shape 94"/>
-          <p:cNvSpPr/>
+          <p:cNvSpPr>
+            <a:spLocks noGrp="1"/>
+          </p:cNvSpPr>
           <p:nvPr>
             <p:ph type="body" idx="4294967295"/>
           </p:nvPr>
@@ -18441,7 +18532,7 @@
         </p:spPr>
         <p:txBody>
           <a:bodyPr lIns="0" tIns="0" rIns="0" bIns="0">
-            <a:normAutofit fontScale="100000" lnSpcReduction="0"/>
+            <a:normAutofit/>
           </a:bodyPr>
           <a:lstStyle/>
           <a:p>
@@ -18477,7 +18568,6 @@
               <a:rPr sz="3200"/>
               <a:t>"I don't have the answer, but try these other nameservers instead"</a:t>
             </a:r>
-            <a:endParaRPr sz="3200"/>
           </a:p>
           <a:p>
             <a:pPr lvl="0">
@@ -18512,7 +18602,6 @@
               <a:rPr sz="3200"/>
               <a:t>Called a REFERRAL</a:t>
             </a:r>
-            <a:endParaRPr sz="3200"/>
           </a:p>
           <a:p>
             <a:pPr lvl="0">
@@ -18555,12 +18644,12 @@
   <p:clrMapOvr>
     <a:masterClrMapping/>
   </p:clrMapOvr>
-  <p:transition spd="med" advClick="1"/>
+  <p:transition spd="med"/>
 </p:sld>
 </file>
 
 <file path=ppt/slides/slide8.xml><?xml version="1.0" encoding="utf-8"?>
-<p:sld xmlns:a="http://schemas.openxmlformats.org/drawingml/2006/main" xmlns:r="http://schemas.openxmlformats.org/officeDocument/2006/relationships" xmlns:p="http://schemas.openxmlformats.org/presentationml/2006/main" showMasterSp="1" showMasterPhAnim="1">
+<p:sld xmlns:a="http://schemas.openxmlformats.org/drawingml/2006/main" xmlns:r="http://schemas.openxmlformats.org/officeDocument/2006/relationships" xmlns:p="http://schemas.openxmlformats.org/presentationml/2006/main">
   <p:cSld>
     <p:spTree>
       <p:nvGrpSpPr>
@@ -18579,7 +18668,9 @@
       <p:sp>
         <p:nvSpPr>
           <p:cNvPr id="96" name="Shape 96"/>
-          <p:cNvSpPr/>
+          <p:cNvSpPr>
+            <a:spLocks noGrp="1"/>
+          </p:cNvSpPr>
           <p:nvPr>
             <p:ph type="title" idx="4294967295"/>
           </p:nvPr>
@@ -18603,7 +18694,7 @@
         </p:spPr>
         <p:txBody>
           <a:bodyPr lIns="0" tIns="0" rIns="0" bIns="0" anchor="ctr">
-            <a:normAutofit fontScale="100000" lnSpcReduction="0"/>
+            <a:normAutofit/>
           </a:bodyPr>
           <a:lstStyle>
             <a:lvl1pPr>
@@ -18648,7 +18739,9 @@
       <p:sp>
         <p:nvSpPr>
           <p:cNvPr id="97" name="Shape 97"/>
-          <p:cNvSpPr/>
+          <p:cNvSpPr>
+            <a:spLocks noGrp="1"/>
+          </p:cNvSpPr>
           <p:nvPr>
             <p:ph type="body" idx="4294967295"/>
           </p:nvPr>
@@ -18672,7 +18765,7 @@
         </p:spPr>
         <p:txBody>
           <a:bodyPr lIns="0" tIns="0" rIns="0" bIns="0">
-            <a:normAutofit fontScale="100000" lnSpcReduction="0"/>
+            <a:normAutofit/>
           </a:bodyPr>
           <a:lstStyle/>
           <a:p>
@@ -18708,7 +18801,6 @@
               <a:rPr sz="3200"/>
               <a:t>Find an authoritative nameserver which knows the answer (positive or negative)</a:t>
             </a:r>
-            <a:endParaRPr sz="3200"/>
           </a:p>
           <a:p>
             <a:pPr lvl="0">
@@ -18744,10 +18836,9 @@
               <a:t>Not find any working nameserver: </a:t>
             </a:r>
             <a:r>
-              <a:rPr i="1" sz="3200"/>
+              <a:rPr sz="3200" i="1"/>
               <a:t>SERVFAIL</a:t>
             </a:r>
-            <a:endParaRPr i="1" sz="3200"/>
           </a:p>
           <a:p>
             <a:pPr lvl="0">
@@ -18782,10 +18873,9 @@
               <a:rPr sz="3200"/>
               <a:t>End up at a faulty nameserver - either cannot answer and no further delegation, or wrong answer!</a:t>
             </a:r>
-            <a:endParaRPr sz="3200"/>
           </a:p>
           <a:p>
-            <a:pPr lvl="2" marL="1293812" indent="-215900">
+            <a:pPr marL="1293812" lvl="2" indent="-215900">
               <a:lnSpc>
                 <a:spcPct val="93000"/>
               </a:lnSpc>
@@ -18828,12 +18918,12 @@
   <p:clrMapOvr>
     <a:masterClrMapping/>
   </p:clrMapOvr>
-  <p:transition spd="med" advClick="1"/>
+  <p:transition spd="med"/>
 </p:sld>
 </file>
 
 <file path=ppt/slides/slide9.xml><?xml version="1.0" encoding="utf-8"?>
-<p:sld xmlns:a="http://schemas.openxmlformats.org/drawingml/2006/main" xmlns:r="http://schemas.openxmlformats.org/officeDocument/2006/relationships" xmlns:p="http://schemas.openxmlformats.org/presentationml/2006/main" showMasterSp="1" showMasterPhAnim="1">
+<p:sld xmlns:a="http://schemas.openxmlformats.org/drawingml/2006/main" xmlns:r="http://schemas.openxmlformats.org/officeDocument/2006/relationships" xmlns:p="http://schemas.openxmlformats.org/presentationml/2006/main">
   <p:cSld>
     <p:spTree>
       <p:nvGrpSpPr>
@@ -18852,7 +18942,9 @@
       <p:sp>
         <p:nvSpPr>
           <p:cNvPr id="99" name="Shape 99"/>
-          <p:cNvSpPr/>
+          <p:cNvSpPr>
+            <a:spLocks noGrp="1"/>
+          </p:cNvSpPr>
           <p:nvPr>
             <p:ph type="title" idx="4294967295"/>
           </p:nvPr>
@@ -18876,7 +18968,7 @@
         </p:spPr>
         <p:txBody>
           <a:bodyPr lIns="0" tIns="0" rIns="0" bIns="0" anchor="ctr">
-            <a:normAutofit fontScale="100000" lnSpcReduction="0"/>
+            <a:normAutofit/>
           </a:bodyPr>
           <a:lstStyle>
             <a:lvl1pPr>
@@ -18921,7 +19013,9 @@
       <p:sp>
         <p:nvSpPr>
           <p:cNvPr id="100" name="Shape 100"/>
-          <p:cNvSpPr/>
+          <p:cNvSpPr>
+            <a:spLocks noGrp="1"/>
+          </p:cNvSpPr>
           <p:nvPr>
             <p:ph type="body" idx="4294967295"/>
           </p:nvPr>
@@ -18945,7 +19039,7 @@
         </p:spPr>
         <p:txBody>
           <a:bodyPr lIns="0" tIns="0" rIns="0" bIns="0">
-            <a:normAutofit fontScale="100000" lnSpcReduction="0"/>
+            <a:normAutofit/>
           </a:bodyPr>
           <a:lstStyle>
             <a:lvl1pPr>
@@ -19057,12 +19151,6 @@
               </a:rPr>
               <a:t>server:</a:t>
             </a:r>
-            <a:endParaRPr sz="1600">
-              <a:latin typeface="Courier New"/>
-              <a:ea typeface="Courier New"/>
-              <a:cs typeface="Courier New"/>
-              <a:sym typeface="Courier New"/>
-            </a:endParaRPr>
           </a:p>
           <a:p>
             <a:pPr lvl="0" defTabSz="914400">
@@ -19175,12 +19263,6 @@
               </a:rPr>
               <a:t>.                        3600000      NS    A.ROOT-SERVERS.NET. </a:t>
             </a:r>
-            <a:endParaRPr sz="1600">
-              <a:latin typeface="Courier New"/>
-              <a:ea typeface="Courier New"/>
-              <a:cs typeface="Courier New"/>
-              <a:sym typeface="Courier New"/>
-            </a:endParaRPr>
           </a:p>
           <a:p>
             <a:pPr lvl="0" defTabSz="914400">
@@ -19220,12 +19302,6 @@
               </a:rPr>
               <a:t>A.ROOT-SERVERS.NET.      3600000      A     198.41.0.4 </a:t>
             </a:r>
-            <a:endParaRPr sz="1600">
-              <a:latin typeface="Courier New"/>
-              <a:ea typeface="Courier New"/>
-              <a:cs typeface="Courier New"/>
-              <a:sym typeface="Courier New"/>
-            </a:endParaRPr>
           </a:p>
           <a:p>
             <a:pPr lvl="0" defTabSz="914400">
@@ -19301,12 +19377,6 @@
               </a:rPr>
               <a:t>.                        3600000      NS    B.ROOT-SERVERS.NET. </a:t>
             </a:r>
-            <a:endParaRPr sz="1600">
-              <a:latin typeface="Courier New"/>
-              <a:ea typeface="Courier New"/>
-              <a:cs typeface="Courier New"/>
-              <a:sym typeface="Courier New"/>
-            </a:endParaRPr>
           </a:p>
           <a:p>
             <a:pPr lvl="0" defTabSz="914400">
@@ -19346,12 +19416,6 @@
               </a:rPr>
               <a:t>B.ROOT-SERVERS.NET.      3600000      A     128.9.0.107 </a:t>
             </a:r>
-            <a:endParaRPr sz="1600">
-              <a:latin typeface="Courier New"/>
-              <a:ea typeface="Courier New"/>
-              <a:cs typeface="Courier New"/>
-              <a:sym typeface="Courier New"/>
-            </a:endParaRPr>
           </a:p>
           <a:p>
             <a:pPr lvl="0" defTabSz="914400">
@@ -19427,12 +19491,6 @@
               </a:rPr>
               <a:t>.                        3600000      NS    C.ROOT-SERVERS.NET. </a:t>
             </a:r>
-            <a:endParaRPr sz="1600">
-              <a:latin typeface="Courier New"/>
-              <a:ea typeface="Courier New"/>
-              <a:cs typeface="Courier New"/>
-              <a:sym typeface="Courier New"/>
-            </a:endParaRPr>
           </a:p>
           <a:p>
             <a:pPr lvl="0" defTabSz="914400">
@@ -19472,12 +19530,6 @@
               </a:rPr>
               <a:t>C.ROOT-SERVERS.NET.      3600000      A     192.33.4.12 </a:t>
             </a:r>
-            <a:endParaRPr sz="1600">
-              <a:latin typeface="Courier New"/>
-              <a:ea typeface="Courier New"/>
-              <a:cs typeface="Courier New"/>
-              <a:sym typeface="Courier New"/>
-            </a:endParaRPr>
           </a:p>
           <a:p>
             <a:pPr lvl="0" defTabSz="914400">
@@ -19542,7 +19594,7 @@
             <a:round/>
           </a:ln>
           <a:effectLst>
-            <a:outerShdw sx="100000" sy="100000" kx="0" ky="0" algn="b" rotWithShape="0" blurRad="12700" dist="51929" dir="2700000">
+            <a:outerShdw blurRad="12700" dist="51929" dir="2700000" rotWithShape="0">
               <a:srgbClr val="808080"/>
             </a:outerShdw>
           </a:effectLst>
@@ -19621,7 +19673,7 @@
             <a:round/>
           </a:ln>
           <a:effectLst>
-            <a:outerShdw sx="100000" sy="100000" kx="0" ky="0" algn="b" rotWithShape="0" blurRad="12700" dist="51929" dir="2700000">
+            <a:outerShdw blurRad="12700" dist="51929" dir="2700000" rotWithShape="0">
               <a:srgbClr val="808080"/>
             </a:outerShdw>
           </a:effectLst>
@@ -19683,12 +19735,12 @@
   <p:clrMapOvr>
     <a:masterClrMapping/>
   </p:clrMapOvr>
-  <p:transition spd="med" advClick="1"/>
+  <p:transition spd="med"/>
 </p:sld>
 </file>
 
 <file path=ppt/theme/theme1.xml><?xml version="1.0" encoding="utf-8"?>
-<a:theme xmlns:a="http://schemas.openxmlformats.org/drawingml/2006/main" xmlns:r="http://schemas.openxmlformats.org/officeDocument/2006/relationships" name="Default">
+<a:theme xmlns:a="http://schemas.openxmlformats.org/drawingml/2006/main" name="Default">
   <a:themeElements>
     <a:clrScheme name="Default">
       <a:dk1>
@@ -19820,7 +19872,7 @@
         </a:effectStyle>
         <a:effectStyle>
           <a:effectLst>
-            <a:outerShdw sx="100000" sy="100000" kx="0" ky="0" algn="b" rotWithShape="0" blurRad="38100" dist="20000" dir="5400000">
+            <a:outerShdw blurRad="38100" dist="20000" dir="5400000" rotWithShape="0">
               <a:srgbClr val="000000">
                 <a:alpha val="38000"/>
               </a:srgbClr>
@@ -19895,7 +19947,7 @@
         </a:ln>
         <a:effectLst/>
       </a:spPr>
-      <a:bodyPr rot="0" spcFirstLastPara="1" vertOverflow="overflow" horzOverflow="overflow" vert="horz" wrap="square" lIns="45719" tIns="45719" rIns="45719" bIns="45719" numCol="1" spcCol="38100" rtlCol="0" anchor="t" upright="0">
+      <a:bodyPr rot="0" spcFirstLastPara="1" vertOverflow="overflow" horzOverflow="overflow" vert="horz" wrap="square" lIns="45719" tIns="45719" rIns="45719" bIns="45719" numCol="1" spcCol="38100" rtlCol="0" anchor="t">
         <a:spAutoFit/>
       </a:bodyPr>
       <a:lstStyle>
@@ -19914,7 +19966,7 @@
           <a:buFontTx/>
           <a:buNone/>
           <a:tabLst/>
-          <a:defRPr b="0" baseline="0" cap="none" i="0" spc="0" strike="noStrike" sz="2400" u="none" kumimoji="0" normalizeH="0">
+          <a:defRPr kumimoji="0" sz="2400" b="0" i="0" u="none" strike="noStrike" cap="none" spc="0" normalizeH="0" baseline="0">
             <a:ln>
               <a:noFill/>
             </a:ln>
@@ -19944,7 +19996,7 @@
           <a:buFontTx/>
           <a:buNone/>
           <a:tabLst/>
-          <a:defRPr b="0" baseline="0" cap="none" i="0" spc="0" strike="noStrike" sz="1800" u="none" kumimoji="0" normalizeH="0">
+          <a:defRPr kumimoji="0" sz="1800" b="0" i="0" u="none" strike="noStrike" cap="none" spc="0" normalizeH="0" baseline="0">
             <a:ln>
               <a:noFill/>
             </a:ln>
@@ -19970,7 +20022,7 @@
           <a:buFontTx/>
           <a:buNone/>
           <a:tabLst/>
-          <a:defRPr b="0" baseline="0" cap="none" i="0" spc="0" strike="noStrike" sz="1800" u="none" kumimoji="0" normalizeH="0">
+          <a:defRPr kumimoji="0" sz="1800" b="0" i="0" u="none" strike="noStrike" cap="none" spc="0" normalizeH="0" baseline="0">
             <a:ln>
               <a:noFill/>
             </a:ln>
@@ -19996,7 +20048,7 @@
           <a:buFontTx/>
           <a:buNone/>
           <a:tabLst/>
-          <a:defRPr b="0" baseline="0" cap="none" i="0" spc="0" strike="noStrike" sz="1800" u="none" kumimoji="0" normalizeH="0">
+          <a:defRPr kumimoji="0" sz="1800" b="0" i="0" u="none" strike="noStrike" cap="none" spc="0" normalizeH="0" baseline="0">
             <a:ln>
               <a:noFill/>
             </a:ln>
@@ -20022,7 +20074,7 @@
           <a:buFontTx/>
           <a:buNone/>
           <a:tabLst/>
-          <a:defRPr b="0" baseline="0" cap="none" i="0" spc="0" strike="noStrike" sz="1800" u="none" kumimoji="0" normalizeH="0">
+          <a:defRPr kumimoji="0" sz="1800" b="0" i="0" u="none" strike="noStrike" cap="none" spc="0" normalizeH="0" baseline="0">
             <a:ln>
               <a:noFill/>
             </a:ln>
@@ -20048,7 +20100,7 @@
           <a:buFontTx/>
           <a:buNone/>
           <a:tabLst/>
-          <a:defRPr b="0" baseline="0" cap="none" i="0" spc="0" strike="noStrike" sz="1800" u="none" kumimoji="0" normalizeH="0">
+          <a:defRPr kumimoji="0" sz="1800" b="0" i="0" u="none" strike="noStrike" cap="none" spc="0" normalizeH="0" baseline="0">
             <a:ln>
               <a:noFill/>
             </a:ln>
@@ -20074,7 +20126,7 @@
           <a:buFontTx/>
           <a:buNone/>
           <a:tabLst/>
-          <a:defRPr b="0" baseline="0" cap="none" i="0" spc="0" strike="noStrike" sz="1800" u="none" kumimoji="0" normalizeH="0">
+          <a:defRPr kumimoji="0" sz="1800" b="0" i="0" u="none" strike="noStrike" cap="none" spc="0" normalizeH="0" baseline="0">
             <a:ln>
               <a:noFill/>
             </a:ln>
@@ -20100,7 +20152,7 @@
           <a:buFontTx/>
           <a:buNone/>
           <a:tabLst/>
-          <a:defRPr b="0" baseline="0" cap="none" i="0" spc="0" strike="noStrike" sz="1800" u="none" kumimoji="0" normalizeH="0">
+          <a:defRPr kumimoji="0" sz="1800" b="0" i="0" u="none" strike="noStrike" cap="none" spc="0" normalizeH="0" baseline="0">
             <a:ln>
               <a:noFill/>
             </a:ln>
@@ -20126,7 +20178,7 @@
           <a:buFontTx/>
           <a:buNone/>
           <a:tabLst/>
-          <a:defRPr b="0" baseline="0" cap="none" i="0" spc="0" strike="noStrike" sz="1800" u="none" kumimoji="0" normalizeH="0">
+          <a:defRPr kumimoji="0" sz="1800" b="0" i="0" u="none" strike="noStrike" cap="none" spc="0" normalizeH="0" baseline="0">
             <a:ln>
               <a:noFill/>
             </a:ln>
@@ -20152,7 +20204,7 @@
           <a:buFontTx/>
           <a:buNone/>
           <a:tabLst/>
-          <a:defRPr b="0" baseline="0" cap="none" i="0" spc="0" strike="noStrike" sz="1800" u="none" kumimoji="0" normalizeH="0">
+          <a:defRPr kumimoji="0" sz="1800" b="0" i="0" u="none" strike="noStrike" cap="none" spc="0" normalizeH="0" baseline="0">
             <a:ln>
               <a:noFill/>
             </a:ln>
@@ -20165,9 +20217,15 @@
         </a:lvl9pPr>
       </a:lstStyle>
       <a:style>
-        <a:lnRef idx="0"/>
-        <a:fillRef idx="0"/>
-        <a:effectRef idx="0"/>
+        <a:lnRef idx="0">
+          <a:scrgbClr r="0" g="0" b="0"/>
+        </a:lnRef>
+        <a:fillRef idx="0">
+          <a:scrgbClr r="0" g="0" b="0"/>
+        </a:fillRef>
+        <a:effectRef idx="0">
+          <a:scrgbClr r="0" g="0" b="0"/>
+        </a:effectRef>
         <a:fontRef idx="none"/>
       </a:style>
     </a:spDef>
@@ -20182,14 +20240,14 @@
           <a:bevel/>
         </a:ln>
         <a:effectLst>
-          <a:outerShdw sx="100000" sy="100000" kx="0" ky="0" algn="b" rotWithShape="0" blurRad="38100" dist="20000" dir="5400000">
+          <a:outerShdw blurRad="38100" dist="20000" dir="5400000" rotWithShape="0">
             <a:srgbClr val="000000">
               <a:alpha val="38000"/>
             </a:srgbClr>
           </a:outerShdw>
         </a:effectLst>
       </a:spPr>
-      <a:bodyPr rot="0" spcFirstLastPara="1" vertOverflow="overflow" horzOverflow="overflow" vert="horz" wrap="square" lIns="91439" tIns="45719" rIns="91439" bIns="45719" numCol="1" spcCol="38100" rtlCol="0" anchor="t" upright="0">
+      <a:bodyPr rot="0" spcFirstLastPara="1" vertOverflow="overflow" horzOverflow="overflow" vert="horz" wrap="square" lIns="91439" tIns="45719" rIns="91439" bIns="45719" numCol="1" spcCol="38100" rtlCol="0" anchor="t">
         <a:noAutofit/>
       </a:bodyPr>
       <a:lstStyle>
@@ -20208,7 +20266,7 @@
           <a:buFontTx/>
           <a:buNone/>
           <a:tabLst/>
-          <a:defRPr b="0" baseline="0" cap="none" i="0" spc="0" strike="noStrike" sz="1800" u="none" kumimoji="0" normalizeH="0">
+          <a:defRPr kumimoji="0" sz="1800" b="0" i="0" u="none" strike="noStrike" cap="none" spc="0" normalizeH="0" baseline="0">
             <a:ln>
               <a:noFill/>
             </a:ln>
@@ -20234,7 +20292,7 @@
           <a:buFontTx/>
           <a:buNone/>
           <a:tabLst/>
-          <a:defRPr b="0" baseline="0" cap="none" i="0" spc="0" strike="noStrike" sz="1800" u="none" kumimoji="0" normalizeH="0">
+          <a:defRPr kumimoji="0" sz="1800" b="0" i="0" u="none" strike="noStrike" cap="none" spc="0" normalizeH="0" baseline="0">
             <a:ln>
               <a:noFill/>
             </a:ln>
@@ -20260,7 +20318,7 @@
           <a:buFontTx/>
           <a:buNone/>
           <a:tabLst/>
-          <a:defRPr b="0" baseline="0" cap="none" i="0" spc="0" strike="noStrike" sz="1800" u="none" kumimoji="0" normalizeH="0">
+          <a:defRPr kumimoji="0" sz="1800" b="0" i="0" u="none" strike="noStrike" cap="none" spc="0" normalizeH="0" baseline="0">
             <a:ln>
               <a:noFill/>
             </a:ln>
@@ -20286,7 +20344,7 @@
           <a:buFontTx/>
           <a:buNone/>
           <a:tabLst/>
-          <a:defRPr b="0" baseline="0" cap="none" i="0" spc="0" strike="noStrike" sz="1800" u="none" kumimoji="0" normalizeH="0">
+          <a:defRPr kumimoji="0" sz="1800" b="0" i="0" u="none" strike="noStrike" cap="none" spc="0" normalizeH="0" baseline="0">
             <a:ln>
               <a:noFill/>
             </a:ln>
@@ -20312,7 +20370,7 @@
           <a:buFontTx/>
           <a:buNone/>
           <a:tabLst/>
-          <a:defRPr b="0" baseline="0" cap="none" i="0" spc="0" strike="noStrike" sz="1800" u="none" kumimoji="0" normalizeH="0">
+          <a:defRPr kumimoji="0" sz="1800" b="0" i="0" u="none" strike="noStrike" cap="none" spc="0" normalizeH="0" baseline="0">
             <a:ln>
               <a:noFill/>
             </a:ln>
@@ -20338,7 +20396,7 @@
           <a:buFontTx/>
           <a:buNone/>
           <a:tabLst/>
-          <a:defRPr b="0" baseline="0" cap="none" i="0" spc="0" strike="noStrike" sz="1800" u="none" kumimoji="0" normalizeH="0">
+          <a:defRPr kumimoji="0" sz="1800" b="0" i="0" u="none" strike="noStrike" cap="none" spc="0" normalizeH="0" baseline="0">
             <a:ln>
               <a:noFill/>
             </a:ln>
@@ -20364,7 +20422,7 @@
           <a:buFontTx/>
           <a:buNone/>
           <a:tabLst/>
-          <a:defRPr b="0" baseline="0" cap="none" i="0" spc="0" strike="noStrike" sz="1800" u="none" kumimoji="0" normalizeH="0">
+          <a:defRPr kumimoji="0" sz="1800" b="0" i="0" u="none" strike="noStrike" cap="none" spc="0" normalizeH="0" baseline="0">
             <a:ln>
               <a:noFill/>
             </a:ln>
@@ -20390,7 +20448,7 @@
           <a:buFontTx/>
           <a:buNone/>
           <a:tabLst/>
-          <a:defRPr b="0" baseline="0" cap="none" i="0" spc="0" strike="noStrike" sz="1800" u="none" kumimoji="0" normalizeH="0">
+          <a:defRPr kumimoji="0" sz="1800" b="0" i="0" u="none" strike="noStrike" cap="none" spc="0" normalizeH="0" baseline="0">
             <a:ln>
               <a:noFill/>
             </a:ln>
@@ -20416,7 +20474,7 @@
           <a:buFontTx/>
           <a:buNone/>
           <a:tabLst/>
-          <a:defRPr b="0" baseline="0" cap="none" i="0" spc="0" strike="noStrike" sz="1800" u="none" kumimoji="0" normalizeH="0">
+          <a:defRPr kumimoji="0" sz="1800" b="0" i="0" u="none" strike="noStrike" cap="none" spc="0" normalizeH="0" baseline="0">
             <a:ln>
               <a:noFill/>
             </a:ln>
@@ -20442,7 +20500,7 @@
           <a:buFontTx/>
           <a:buNone/>
           <a:tabLst/>
-          <a:defRPr b="0" baseline="0" cap="none" i="0" spc="0" strike="noStrike" sz="1800" u="none" kumimoji="0" normalizeH="0">
+          <a:defRPr kumimoji="0" sz="1800" b="0" i="0" u="none" strike="noStrike" cap="none" spc="0" normalizeH="0" baseline="0">
             <a:ln>
               <a:noFill/>
             </a:ln>
@@ -20455,9 +20513,15 @@
         </a:lvl9pPr>
       </a:lstStyle>
       <a:style>
-        <a:lnRef idx="0"/>
-        <a:fillRef idx="0"/>
-        <a:effectRef idx="0"/>
+        <a:lnRef idx="0">
+          <a:scrgbClr r="0" g="0" b="0"/>
+        </a:lnRef>
+        <a:fillRef idx="0">
+          <a:scrgbClr r="0" g="0" b="0"/>
+        </a:fillRef>
+        <a:effectRef idx="0">
+          <a:scrgbClr r="0" g="0" b="0"/>
+        </a:effectRef>
         <a:fontRef idx="none"/>
       </a:style>
     </a:lnDef>
@@ -20470,7 +20534,7 @@
         </a:ln>
         <a:effectLst/>
       </a:spPr>
-      <a:bodyPr rot="0" spcFirstLastPara="1" vertOverflow="overflow" horzOverflow="overflow" vert="horz" wrap="square" lIns="45719" tIns="45719" rIns="45719" bIns="45719" numCol="1" spcCol="38100" rtlCol="0" anchor="t" upright="0">
+      <a:bodyPr rot="0" spcFirstLastPara="1" vertOverflow="overflow" horzOverflow="overflow" vert="horz" wrap="square" lIns="45719" tIns="45719" rIns="45719" bIns="45719" numCol="1" spcCol="38100" rtlCol="0" anchor="t">
         <a:spAutoFit/>
       </a:bodyPr>
       <a:lstStyle>
@@ -20489,7 +20553,7 @@
           <a:buFontTx/>
           <a:buNone/>
           <a:tabLst/>
-          <a:defRPr b="0" baseline="0" cap="none" i="0" spc="0" strike="noStrike" sz="2400" u="none" kumimoji="0" normalizeH="0">
+          <a:defRPr kumimoji="0" sz="2400" b="0" i="0" u="none" strike="noStrike" cap="none" spc="0" normalizeH="0" baseline="0">
             <a:ln>
               <a:noFill/>
             </a:ln>
@@ -20519,7 +20583,7 @@
           <a:buFontTx/>
           <a:buNone/>
           <a:tabLst/>
-          <a:defRPr b="0" baseline="0" cap="none" i="0" spc="0" strike="noStrike" sz="1800" u="none" kumimoji="0" normalizeH="0">
+          <a:defRPr kumimoji="0" sz="1800" b="0" i="0" u="none" strike="noStrike" cap="none" spc="0" normalizeH="0" baseline="0">
             <a:ln>
               <a:noFill/>
             </a:ln>
@@ -20545,7 +20609,7 @@
           <a:buFontTx/>
           <a:buNone/>
           <a:tabLst/>
-          <a:defRPr b="0" baseline="0" cap="none" i="0" spc="0" strike="noStrike" sz="1800" u="none" kumimoji="0" normalizeH="0">
+          <a:defRPr kumimoji="0" sz="1800" b="0" i="0" u="none" strike="noStrike" cap="none" spc="0" normalizeH="0" baseline="0">
             <a:ln>
               <a:noFill/>
             </a:ln>
@@ -20571,7 +20635,7 @@
           <a:buFontTx/>
           <a:buNone/>
           <a:tabLst/>
-          <a:defRPr b="0" baseline="0" cap="none" i="0" spc="0" strike="noStrike" sz="1800" u="none" kumimoji="0" normalizeH="0">
+          <a:defRPr kumimoji="0" sz="1800" b="0" i="0" u="none" strike="noStrike" cap="none" spc="0" normalizeH="0" baseline="0">
             <a:ln>
               <a:noFill/>
             </a:ln>
@@ -20597,7 +20661,7 @@
           <a:buFontTx/>
           <a:buNone/>
           <a:tabLst/>
-          <a:defRPr b="0" baseline="0" cap="none" i="0" spc="0" strike="noStrike" sz="1800" u="none" kumimoji="0" normalizeH="0">
+          <a:defRPr kumimoji="0" sz="1800" b="0" i="0" u="none" strike="noStrike" cap="none" spc="0" normalizeH="0" baseline="0">
             <a:ln>
               <a:noFill/>
             </a:ln>
@@ -20623,7 +20687,7 @@
           <a:buFontTx/>
           <a:buNone/>
           <a:tabLst/>
-          <a:defRPr b="0" baseline="0" cap="none" i="0" spc="0" strike="noStrike" sz="1800" u="none" kumimoji="0" normalizeH="0">
+          <a:defRPr kumimoji="0" sz="1800" b="0" i="0" u="none" strike="noStrike" cap="none" spc="0" normalizeH="0" baseline="0">
             <a:ln>
               <a:noFill/>
             </a:ln>
@@ -20649,7 +20713,7 @@
           <a:buFontTx/>
           <a:buNone/>
           <a:tabLst/>
-          <a:defRPr b="0" baseline="0" cap="none" i="0" spc="0" strike="noStrike" sz="1800" u="none" kumimoji="0" normalizeH="0">
+          <a:defRPr kumimoji="0" sz="1800" b="0" i="0" u="none" strike="noStrike" cap="none" spc="0" normalizeH="0" baseline="0">
             <a:ln>
               <a:noFill/>
             </a:ln>
@@ -20675,7 +20739,7 @@
           <a:buFontTx/>
           <a:buNone/>
           <a:tabLst/>
-          <a:defRPr b="0" baseline="0" cap="none" i="0" spc="0" strike="noStrike" sz="1800" u="none" kumimoji="0" normalizeH="0">
+          <a:defRPr kumimoji="0" sz="1800" b="0" i="0" u="none" strike="noStrike" cap="none" spc="0" normalizeH="0" baseline="0">
             <a:ln>
               <a:noFill/>
             </a:ln>
@@ -20701,7 +20765,7 @@
           <a:buFontTx/>
           <a:buNone/>
           <a:tabLst/>
-          <a:defRPr b="0" baseline="0" cap="none" i="0" spc="0" strike="noStrike" sz="1800" u="none" kumimoji="0" normalizeH="0">
+          <a:defRPr kumimoji="0" sz="1800" b="0" i="0" u="none" strike="noStrike" cap="none" spc="0" normalizeH="0" baseline="0">
             <a:ln>
               <a:noFill/>
             </a:ln>
@@ -20727,7 +20791,7 @@
           <a:buFontTx/>
           <a:buNone/>
           <a:tabLst/>
-          <a:defRPr b="0" baseline="0" cap="none" i="0" spc="0" strike="noStrike" sz="1800" u="none" kumimoji="0" normalizeH="0">
+          <a:defRPr kumimoji="0" sz="1800" b="0" i="0" u="none" strike="noStrike" cap="none" spc="0" normalizeH="0" baseline="0">
             <a:ln>
               <a:noFill/>
             </a:ln>
@@ -20740,18 +20804,25 @@
         </a:lvl9pPr>
       </a:lstStyle>
       <a:style>
-        <a:lnRef idx="0"/>
-        <a:fillRef idx="0"/>
-        <a:effectRef idx="0"/>
+        <a:lnRef idx="0">
+          <a:scrgbClr r="0" g="0" b="0"/>
+        </a:lnRef>
+        <a:fillRef idx="0">
+          <a:scrgbClr r="0" g="0" b="0"/>
+        </a:fillRef>
+        <a:effectRef idx="0">
+          <a:scrgbClr r="0" g="0" b="0"/>
+        </a:effectRef>
         <a:fontRef idx="none"/>
       </a:style>
     </a:txDef>
   </a:objectDefaults>
+  <a:extraClrSchemeLst/>
 </a:theme>
 </file>
 
 <file path=ppt/theme/theme2.xml><?xml version="1.0" encoding="utf-8"?>
-<a:theme xmlns:a="http://schemas.openxmlformats.org/drawingml/2006/main" xmlns:r="http://schemas.openxmlformats.org/officeDocument/2006/relationships" name="Default">
+<a:theme xmlns:a="http://schemas.openxmlformats.org/drawingml/2006/main" name="Default">
   <a:themeElements>
     <a:clrScheme name="Default">
       <a:dk1>
@@ -20883,7 +20954,7 @@
         </a:effectStyle>
         <a:effectStyle>
           <a:effectLst>
-            <a:outerShdw sx="100000" sy="100000" kx="0" ky="0" algn="b" rotWithShape="0" blurRad="38100" dist="20000" dir="5400000">
+            <a:outerShdw blurRad="38100" dist="20000" dir="5400000" rotWithShape="0">
               <a:srgbClr val="000000">
                 <a:alpha val="38000"/>
               </a:srgbClr>
@@ -20958,7 +21029,7 @@
         </a:ln>
         <a:effectLst/>
       </a:spPr>
-      <a:bodyPr rot="0" spcFirstLastPara="1" vertOverflow="overflow" horzOverflow="overflow" vert="horz" wrap="square" lIns="45719" tIns="45719" rIns="45719" bIns="45719" numCol="1" spcCol="38100" rtlCol="0" anchor="t" upright="0">
+      <a:bodyPr rot="0" spcFirstLastPara="1" vertOverflow="overflow" horzOverflow="overflow" vert="horz" wrap="square" lIns="45719" tIns="45719" rIns="45719" bIns="45719" numCol="1" spcCol="38100" rtlCol="0" anchor="t">
         <a:spAutoFit/>
       </a:bodyPr>
       <a:lstStyle>
@@ -20977,7 +21048,7 @@
           <a:buFontTx/>
           <a:buNone/>
           <a:tabLst/>
-          <a:defRPr b="0" baseline="0" cap="none" i="0" spc="0" strike="noStrike" sz="2400" u="none" kumimoji="0" normalizeH="0">
+          <a:defRPr kumimoji="0" sz="2400" b="0" i="0" u="none" strike="noStrike" cap="none" spc="0" normalizeH="0" baseline="0">
             <a:ln>
               <a:noFill/>
             </a:ln>
@@ -21007,7 +21078,7 @@
           <a:buFontTx/>
           <a:buNone/>
           <a:tabLst/>
-          <a:defRPr b="0" baseline="0" cap="none" i="0" spc="0" strike="noStrike" sz="1800" u="none" kumimoji="0" normalizeH="0">
+          <a:defRPr kumimoji="0" sz="1800" b="0" i="0" u="none" strike="noStrike" cap="none" spc="0" normalizeH="0" baseline="0">
             <a:ln>
               <a:noFill/>
             </a:ln>
@@ -21033,7 +21104,7 @@
           <a:buFontTx/>
           <a:buNone/>
           <a:tabLst/>
-          <a:defRPr b="0" baseline="0" cap="none" i="0" spc="0" strike="noStrike" sz="1800" u="none" kumimoji="0" normalizeH="0">
+          <a:defRPr kumimoji="0" sz="1800" b="0" i="0" u="none" strike="noStrike" cap="none" spc="0" normalizeH="0" baseline="0">
             <a:ln>
               <a:noFill/>
             </a:ln>
@@ -21059,7 +21130,7 @@
           <a:buFontTx/>
           <a:buNone/>
           <a:tabLst/>
-          <a:defRPr b="0" baseline="0" cap="none" i="0" spc="0" strike="noStrike" sz="1800" u="none" kumimoji="0" normalizeH="0">
+          <a:defRPr kumimoji="0" sz="1800" b="0" i="0" u="none" strike="noStrike" cap="none" spc="0" normalizeH="0" baseline="0">
             <a:ln>
               <a:noFill/>
             </a:ln>
@@ -21085,7 +21156,7 @@
           <a:buFontTx/>
           <a:buNone/>
           <a:tabLst/>
-          <a:defRPr b="0" baseline="0" cap="none" i="0" spc="0" strike="noStrike" sz="1800" u="none" kumimoji="0" normalizeH="0">
+          <a:defRPr kumimoji="0" sz="1800" b="0" i="0" u="none" strike="noStrike" cap="none" spc="0" normalizeH="0" baseline="0">
             <a:ln>
               <a:noFill/>
             </a:ln>
@@ -21111,7 +21182,7 @@
           <a:buFontTx/>
           <a:buNone/>
           <a:tabLst/>
-          <a:defRPr b="0" baseline="0" cap="none" i="0" spc="0" strike="noStrike" sz="1800" u="none" kumimoji="0" normalizeH="0">
+          <a:defRPr kumimoji="0" sz="1800" b="0" i="0" u="none" strike="noStrike" cap="none" spc="0" normalizeH="0" baseline="0">
             <a:ln>
               <a:noFill/>
             </a:ln>
@@ -21137,7 +21208,7 @@
           <a:buFontTx/>
           <a:buNone/>
           <a:tabLst/>
-          <a:defRPr b="0" baseline="0" cap="none" i="0" spc="0" strike="noStrike" sz="1800" u="none" kumimoji="0" normalizeH="0">
+          <a:defRPr kumimoji="0" sz="1800" b="0" i="0" u="none" strike="noStrike" cap="none" spc="0" normalizeH="0" baseline="0">
             <a:ln>
               <a:noFill/>
             </a:ln>
@@ -21163,7 +21234,7 @@
           <a:buFontTx/>
           <a:buNone/>
           <a:tabLst/>
-          <a:defRPr b="0" baseline="0" cap="none" i="0" spc="0" strike="noStrike" sz="1800" u="none" kumimoji="0" normalizeH="0">
+          <a:defRPr kumimoji="0" sz="1800" b="0" i="0" u="none" strike="noStrike" cap="none" spc="0" normalizeH="0" baseline="0">
             <a:ln>
               <a:noFill/>
             </a:ln>
@@ -21189,7 +21260,7 @@
           <a:buFontTx/>
           <a:buNone/>
           <a:tabLst/>
-          <a:defRPr b="0" baseline="0" cap="none" i="0" spc="0" strike="noStrike" sz="1800" u="none" kumimoji="0" normalizeH="0">
+          <a:defRPr kumimoji="0" sz="1800" b="0" i="0" u="none" strike="noStrike" cap="none" spc="0" normalizeH="0" baseline="0">
             <a:ln>
               <a:noFill/>
             </a:ln>
@@ -21215,7 +21286,7 @@
           <a:buFontTx/>
           <a:buNone/>
           <a:tabLst/>
-          <a:defRPr b="0" baseline="0" cap="none" i="0" spc="0" strike="noStrike" sz="1800" u="none" kumimoji="0" normalizeH="0">
+          <a:defRPr kumimoji="0" sz="1800" b="0" i="0" u="none" strike="noStrike" cap="none" spc="0" normalizeH="0" baseline="0">
             <a:ln>
               <a:noFill/>
             </a:ln>
@@ -21228,9 +21299,15 @@
         </a:lvl9pPr>
       </a:lstStyle>
       <a:style>
-        <a:lnRef idx="0"/>
-        <a:fillRef idx="0"/>
-        <a:effectRef idx="0"/>
+        <a:lnRef idx="0">
+          <a:scrgbClr r="0" g="0" b="0"/>
+        </a:lnRef>
+        <a:fillRef idx="0">
+          <a:scrgbClr r="0" g="0" b="0"/>
+        </a:fillRef>
+        <a:effectRef idx="0">
+          <a:scrgbClr r="0" g="0" b="0"/>
+        </a:effectRef>
         <a:fontRef idx="none"/>
       </a:style>
     </a:spDef>
@@ -21245,14 +21322,14 @@
           <a:bevel/>
         </a:ln>
         <a:effectLst>
-          <a:outerShdw sx="100000" sy="100000" kx="0" ky="0" algn="b" rotWithShape="0" blurRad="38100" dist="20000" dir="5400000">
+          <a:outerShdw blurRad="38100" dist="20000" dir="5400000" rotWithShape="0">
             <a:srgbClr val="000000">
               <a:alpha val="38000"/>
             </a:srgbClr>
           </a:outerShdw>
         </a:effectLst>
       </a:spPr>
-      <a:bodyPr rot="0" spcFirstLastPara="1" vertOverflow="overflow" horzOverflow="overflow" vert="horz" wrap="square" lIns="91439" tIns="45719" rIns="91439" bIns="45719" numCol="1" spcCol="38100" rtlCol="0" anchor="t" upright="0">
+      <a:bodyPr rot="0" spcFirstLastPara="1" vertOverflow="overflow" horzOverflow="overflow" vert="horz" wrap="square" lIns="91439" tIns="45719" rIns="91439" bIns="45719" numCol="1" spcCol="38100" rtlCol="0" anchor="t">
         <a:noAutofit/>
       </a:bodyPr>
       <a:lstStyle>
@@ -21271,7 +21348,7 @@
           <a:buFontTx/>
           <a:buNone/>
           <a:tabLst/>
-          <a:defRPr b="0" baseline="0" cap="none" i="0" spc="0" strike="noStrike" sz="1800" u="none" kumimoji="0" normalizeH="0">
+          <a:defRPr kumimoji="0" sz="1800" b="0" i="0" u="none" strike="noStrike" cap="none" spc="0" normalizeH="0" baseline="0">
             <a:ln>
               <a:noFill/>
             </a:ln>
@@ -21297,7 +21374,7 @@
           <a:buFontTx/>
           <a:buNone/>
           <a:tabLst/>
-          <a:defRPr b="0" baseline="0" cap="none" i="0" spc="0" strike="noStrike" sz="1800" u="none" kumimoji="0" normalizeH="0">
+          <a:defRPr kumimoji="0" sz="1800" b="0" i="0" u="none" strike="noStrike" cap="none" spc="0" normalizeH="0" baseline="0">
             <a:ln>
               <a:noFill/>
             </a:ln>
@@ -21323,7 +21400,7 @@
           <a:buFontTx/>
           <a:buNone/>
           <a:tabLst/>
-          <a:defRPr b="0" baseline="0" cap="none" i="0" spc="0" strike="noStrike" sz="1800" u="none" kumimoji="0" normalizeH="0">
+          <a:defRPr kumimoji="0" sz="1800" b="0" i="0" u="none" strike="noStrike" cap="none" spc="0" normalizeH="0" baseline="0">
             <a:ln>
               <a:noFill/>
             </a:ln>
@@ -21349,7 +21426,7 @@
           <a:buFontTx/>
           <a:buNone/>
           <a:tabLst/>
-          <a:defRPr b="0" baseline="0" cap="none" i="0" spc="0" strike="noStrike" sz="1800" u="none" kumimoji="0" normalizeH="0">
+          <a:defRPr kumimoji="0" sz="1800" b="0" i="0" u="none" strike="noStrike" cap="none" spc="0" normalizeH="0" baseline="0">
             <a:ln>
               <a:noFill/>
             </a:ln>
@@ -21375,7 +21452,7 @@
           <a:buFontTx/>
           <a:buNone/>
           <a:tabLst/>
-          <a:defRPr b="0" baseline="0" cap="none" i="0" spc="0" strike="noStrike" sz="1800" u="none" kumimoji="0" normalizeH="0">
+          <a:defRPr kumimoji="0" sz="1800" b="0" i="0" u="none" strike="noStrike" cap="none" spc="0" normalizeH="0" baseline="0">
             <a:ln>
               <a:noFill/>
             </a:ln>
@@ -21401,7 +21478,7 @@
           <a:buFontTx/>
           <a:buNone/>
           <a:tabLst/>
-          <a:defRPr b="0" baseline="0" cap="none" i="0" spc="0" strike="noStrike" sz="1800" u="none" kumimoji="0" normalizeH="0">
+          <a:defRPr kumimoji="0" sz="1800" b="0" i="0" u="none" strike="noStrike" cap="none" spc="0" normalizeH="0" baseline="0">
             <a:ln>
               <a:noFill/>
             </a:ln>
@@ -21427,7 +21504,7 @@
           <a:buFontTx/>
           <a:buNone/>
           <a:tabLst/>
-          <a:defRPr b="0" baseline="0" cap="none" i="0" spc="0" strike="noStrike" sz="1800" u="none" kumimoji="0" normalizeH="0">
+          <a:defRPr kumimoji="0" sz="1800" b="0" i="0" u="none" strike="noStrike" cap="none" spc="0" normalizeH="0" baseline="0">
             <a:ln>
               <a:noFill/>
             </a:ln>
@@ -21453,7 +21530,7 @@
           <a:buFontTx/>
           <a:buNone/>
           <a:tabLst/>
-          <a:defRPr b="0" baseline="0" cap="none" i="0" spc="0" strike="noStrike" sz="1800" u="none" kumimoji="0" normalizeH="0">
+          <a:defRPr kumimoji="0" sz="1800" b="0" i="0" u="none" strike="noStrike" cap="none" spc="0" normalizeH="0" baseline="0">
             <a:ln>
               <a:noFill/>
             </a:ln>
@@ -21479,7 +21556,7 @@
           <a:buFontTx/>
           <a:buNone/>
           <a:tabLst/>
-          <a:defRPr b="0" baseline="0" cap="none" i="0" spc="0" strike="noStrike" sz="1800" u="none" kumimoji="0" normalizeH="0">
+          <a:defRPr kumimoji="0" sz="1800" b="0" i="0" u="none" strike="noStrike" cap="none" spc="0" normalizeH="0" baseline="0">
             <a:ln>
               <a:noFill/>
             </a:ln>
@@ -21505,7 +21582,7 @@
           <a:buFontTx/>
           <a:buNone/>
           <a:tabLst/>
-          <a:defRPr b="0" baseline="0" cap="none" i="0" spc="0" strike="noStrike" sz="1800" u="none" kumimoji="0" normalizeH="0">
+          <a:defRPr kumimoji="0" sz="1800" b="0" i="0" u="none" strike="noStrike" cap="none" spc="0" normalizeH="0" baseline="0">
             <a:ln>
               <a:noFill/>
             </a:ln>
@@ -21518,9 +21595,15 @@
         </a:lvl9pPr>
       </a:lstStyle>
       <a:style>
-        <a:lnRef idx="0"/>
-        <a:fillRef idx="0"/>
-        <a:effectRef idx="0"/>
+        <a:lnRef idx="0">
+          <a:scrgbClr r="0" g="0" b="0"/>
+        </a:lnRef>
+        <a:fillRef idx="0">
+          <a:scrgbClr r="0" g="0" b="0"/>
+        </a:fillRef>
+        <a:effectRef idx="0">
+          <a:scrgbClr r="0" g="0" b="0"/>
+        </a:effectRef>
         <a:fontRef idx="none"/>
       </a:style>
     </a:lnDef>
@@ -21533,7 +21616,7 @@
         </a:ln>
         <a:effectLst/>
       </a:spPr>
-      <a:bodyPr rot="0" spcFirstLastPara="1" vertOverflow="overflow" horzOverflow="overflow" vert="horz" wrap="square" lIns="45719" tIns="45719" rIns="45719" bIns="45719" numCol="1" spcCol="38100" rtlCol="0" anchor="t" upright="0">
+      <a:bodyPr rot="0" spcFirstLastPara="1" vertOverflow="overflow" horzOverflow="overflow" vert="horz" wrap="square" lIns="45719" tIns="45719" rIns="45719" bIns="45719" numCol="1" spcCol="38100" rtlCol="0" anchor="t">
         <a:spAutoFit/>
       </a:bodyPr>
       <a:lstStyle>
@@ -21552,7 +21635,7 @@
           <a:buFontTx/>
           <a:buNone/>
           <a:tabLst/>
-          <a:defRPr b="0" baseline="0" cap="none" i="0" spc="0" strike="noStrike" sz="2400" u="none" kumimoji="0" normalizeH="0">
+          <a:defRPr kumimoji="0" sz="2400" b="0" i="0" u="none" strike="noStrike" cap="none" spc="0" normalizeH="0" baseline="0">
             <a:ln>
               <a:noFill/>
             </a:ln>
@@ -21582,7 +21665,7 @@
           <a:buFontTx/>
           <a:buNone/>
           <a:tabLst/>
-          <a:defRPr b="0" baseline="0" cap="none" i="0" spc="0" strike="noStrike" sz="1800" u="none" kumimoji="0" normalizeH="0">
+          <a:defRPr kumimoji="0" sz="1800" b="0" i="0" u="none" strike="noStrike" cap="none" spc="0" normalizeH="0" baseline="0">
             <a:ln>
               <a:noFill/>
             </a:ln>
@@ -21608,7 +21691,7 @@
           <a:buFontTx/>
           <a:buNone/>
           <a:tabLst/>
-          <a:defRPr b="0" baseline="0" cap="none" i="0" spc="0" strike="noStrike" sz="1800" u="none" kumimoji="0" normalizeH="0">
+          <a:defRPr kumimoji="0" sz="1800" b="0" i="0" u="none" strike="noStrike" cap="none" spc="0" normalizeH="0" baseline="0">
             <a:ln>
               <a:noFill/>
             </a:ln>
@@ -21634,7 +21717,7 @@
           <a:buFontTx/>
           <a:buNone/>
           <a:tabLst/>
-          <a:defRPr b="0" baseline="0" cap="none" i="0" spc="0" strike="noStrike" sz="1800" u="none" kumimoji="0" normalizeH="0">
+          <a:defRPr kumimoji="0" sz="1800" b="0" i="0" u="none" strike="noStrike" cap="none" spc="0" normalizeH="0" baseline="0">
             <a:ln>
               <a:noFill/>
             </a:ln>
@@ -21660,7 +21743,7 @@
           <a:buFontTx/>
           <a:buNone/>
           <a:tabLst/>
-          <a:defRPr b="0" baseline="0" cap="none" i="0" spc="0" strike="noStrike" sz="1800" u="none" kumimoji="0" normalizeH="0">
+          <a:defRPr kumimoji="0" sz="1800" b="0" i="0" u="none" strike="noStrike" cap="none" spc="0" normalizeH="0" baseline="0">
             <a:ln>
               <a:noFill/>
             </a:ln>
@@ -21686,7 +21769,7 @@
           <a:buFontTx/>
           <a:buNone/>
           <a:tabLst/>
-          <a:defRPr b="0" baseline="0" cap="none" i="0" spc="0" strike="noStrike" sz="1800" u="none" kumimoji="0" normalizeH="0">
+          <a:defRPr kumimoji="0" sz="1800" b="0" i="0" u="none" strike="noStrike" cap="none" spc="0" normalizeH="0" baseline="0">
             <a:ln>
               <a:noFill/>
             </a:ln>
@@ -21712,7 +21795,7 @@
           <a:buFontTx/>
           <a:buNone/>
           <a:tabLst/>
-          <a:defRPr b="0" baseline="0" cap="none" i="0" spc="0" strike="noStrike" sz="1800" u="none" kumimoji="0" normalizeH="0">
+          <a:defRPr kumimoji="0" sz="1800" b="0" i="0" u="none" strike="noStrike" cap="none" spc="0" normalizeH="0" baseline="0">
             <a:ln>
               <a:noFill/>
             </a:ln>
@@ -21738,7 +21821,7 @@
           <a:buFontTx/>
           <a:buNone/>
           <a:tabLst/>
-          <a:defRPr b="0" baseline="0" cap="none" i="0" spc="0" strike="noStrike" sz="1800" u="none" kumimoji="0" normalizeH="0">
+          <a:defRPr kumimoji="0" sz="1800" b="0" i="0" u="none" strike="noStrike" cap="none" spc="0" normalizeH="0" baseline="0">
             <a:ln>
               <a:noFill/>
             </a:ln>
@@ -21764,7 +21847,7 @@
           <a:buFontTx/>
           <a:buNone/>
           <a:tabLst/>
-          <a:defRPr b="0" baseline="0" cap="none" i="0" spc="0" strike="noStrike" sz="1800" u="none" kumimoji="0" normalizeH="0">
+          <a:defRPr kumimoji="0" sz="1800" b="0" i="0" u="none" strike="noStrike" cap="none" spc="0" normalizeH="0" baseline="0">
             <a:ln>
               <a:noFill/>
             </a:ln>
@@ -21790,7 +21873,7 @@
           <a:buFontTx/>
           <a:buNone/>
           <a:tabLst/>
-          <a:defRPr b="0" baseline="0" cap="none" i="0" spc="0" strike="noStrike" sz="1800" u="none" kumimoji="0" normalizeH="0">
+          <a:defRPr kumimoji="0" sz="1800" b="0" i="0" u="none" strike="noStrike" cap="none" spc="0" normalizeH="0" baseline="0">
             <a:ln>
               <a:noFill/>
             </a:ln>
@@ -21803,12 +21886,19 @@
         </a:lvl9pPr>
       </a:lstStyle>
       <a:style>
-        <a:lnRef idx="0"/>
-        <a:fillRef idx="0"/>
-        <a:effectRef idx="0"/>
+        <a:lnRef idx="0">
+          <a:scrgbClr r="0" g="0" b="0"/>
+        </a:lnRef>
+        <a:fillRef idx="0">
+          <a:scrgbClr r="0" g="0" b="0"/>
+        </a:fillRef>
+        <a:effectRef idx="0">
+          <a:scrgbClr r="0" g="0" b="0"/>
+        </a:effectRef>
         <a:fontRef idx="none"/>
       </a:style>
     </a:txDef>
   </a:objectDefaults>
+  <a:extraClrSchemeLst/>
 </a:theme>
 </file>
--- a/dns/dns2-presentation.pptx
+++ b/dns/dns2-presentation.pptx
@@ -154,6 +154,11 @@
       </a:defRPr>
     </a:lvl9pPr>
   </p:defaultTextStyle>
+  <p:extLst>
+    <p:ext uri="{EFAFB233-063F-42B5-8137-9DF3F51BA10A}">
+      <p15:sldGuideLst xmlns:p15="http://schemas.microsoft.com/office/powerpoint/2012/main"/>
+    </p:ext>
+  </p:extLst>
 </p:presentation>
 </file>
 
@@ -1107,31 +1112,31 @@
               <a:t>201</a:t>
             </a:r>
             <a:r>
+              <a:rPr lang="en-US" sz="3100" dirty="0">
+                <a:latin typeface="Calibri"/>
+                <a:ea typeface="Calibri"/>
+                <a:cs typeface="Calibri"/>
+                <a:sym typeface="Calibri"/>
+              </a:rPr>
+              <a:t>7</a:t>
+            </a:r>
+            <a:r>
+              <a:rPr sz="3100" dirty="0" smtClean="0">
+                <a:latin typeface="Calibri"/>
+                <a:ea typeface="Calibri"/>
+                <a:cs typeface="Calibri"/>
+                <a:sym typeface="Calibri"/>
+              </a:rPr>
+              <a:t>, </a:t>
+            </a:r>
+            <a:r>
               <a:rPr lang="en-US" sz="3100" dirty="0" smtClean="0">
                 <a:latin typeface="Calibri"/>
                 <a:ea typeface="Calibri"/>
                 <a:cs typeface="Calibri"/>
                 <a:sym typeface="Calibri"/>
               </a:rPr>
-              <a:t>6</a:t>
-            </a:r>
-            <a:r>
-              <a:rPr sz="3100" smtClean="0">
-                <a:latin typeface="Calibri"/>
-                <a:ea typeface="Calibri"/>
-                <a:cs typeface="Calibri"/>
-                <a:sym typeface="Calibri"/>
-              </a:rPr>
-              <a:t>, </a:t>
-            </a:r>
-            <a:r>
-              <a:rPr lang="en-US" sz="3100" smtClean="0">
-                <a:latin typeface="Calibri"/>
-                <a:ea typeface="Calibri"/>
-                <a:cs typeface="Calibri"/>
-                <a:sym typeface="Calibri"/>
-              </a:rPr>
-              <a:t>Gaborone</a:t>
+              <a:t>Nairobi</a:t>
             </a:r>
             <a:endParaRPr sz="3100" dirty="0">
               <a:latin typeface="Calibri"/>
@@ -7562,7 +7567,7 @@
         </p:spPr>
         <p:txBody>
           <a:bodyPr lIns="0" tIns="0" rIns="0" bIns="0" anchor="ctr">
-            <a:normAutofit/>
+            <a:normAutofit fontScale="90000"/>
           </a:bodyPr>
           <a:lstStyle>
             <a:lvl1pPr>

--- a/dns/dns2-presentation.pptx
+++ b/dns/dns2-presentation.pptx
@@ -14141,14 +14141,38 @@
               <a:defRPr sz="1800"/>
             </a:pPr>
             <a:r>
-              <a:rPr sz="3200">
+              <a:rPr sz="3200" dirty="0">
                 <a:latin typeface="Courier New"/>
                 <a:ea typeface="Courier New"/>
                 <a:cs typeface="Courier New"/>
                 <a:sym typeface="Courier New"/>
               </a:rPr>
-              <a:t>tail /var/log/syslog</a:t>
-            </a:r>
+              <a:t>tail /</a:t>
+            </a:r>
+            <a:r>
+              <a:rPr sz="3200" dirty="0" smtClean="0">
+                <a:latin typeface="Courier New"/>
+                <a:ea typeface="Courier New"/>
+                <a:cs typeface="Courier New"/>
+                <a:sym typeface="Courier New"/>
+              </a:rPr>
+              <a:t>var/log/</a:t>
+            </a:r>
+            <a:r>
+              <a:rPr lang="en-CA" sz="3200" smtClean="0">
+                <a:latin typeface="Courier New"/>
+                <a:ea typeface="Courier New"/>
+                <a:cs typeface="Courier New"/>
+                <a:sym typeface="Courier New"/>
+              </a:rPr>
+              <a:t>messages</a:t>
+            </a:r>
+            <a:endParaRPr sz="3200" dirty="0">
+              <a:latin typeface="Courier New"/>
+              <a:ea typeface="Courier New"/>
+              <a:cs typeface="Courier New"/>
+              <a:sym typeface="Courier New"/>
+            </a:endParaRPr>
           </a:p>
           <a:p>
             <a:pPr marL="862012" lvl="1" indent="-285750">
@@ -14183,7 +14207,7 @@
               <a:defRPr sz="1800"/>
             </a:pPr>
             <a:r>
-              <a:rPr sz="2800"/>
+              <a:rPr sz="2800" dirty="0"/>
               <a:t>after any nameserver changes and reload/restart</a:t>
             </a:r>
           </a:p>
@@ -14217,7 +14241,7 @@
               <a:defRPr sz="1800"/>
             </a:pPr>
             <a:r>
-              <a:rPr sz="3200"/>
+              <a:rPr sz="3200" dirty="0"/>
               <a:t>A syntax error may result in a nameserver which is running, but not in the way you wanted</a:t>
             </a:r>
           </a:p>
@@ -14251,7 +14275,7 @@
               <a:defRPr sz="1800"/>
             </a:pPr>
             <a:r>
-              <a:rPr sz="3200"/>
+              <a:rPr sz="3200" dirty="0"/>
               <a:t>check your log files</a:t>
             </a:r>
           </a:p>

--- a/dns/dns2-presentation.pptx
+++ b/dns/dns2-presentation.pptx
@@ -11097,7 +11097,7 @@
         </p:spPr>
         <p:txBody>
           <a:bodyPr lIns="0" tIns="0" rIns="0" bIns="0">
-            <a:normAutofit/>
+            <a:normAutofit lnSpcReduction="10000"/>
           </a:bodyPr>
           <a:lstStyle>
             <a:lvl1pPr marL="715962" indent="-609600">
@@ -14165,7 +14165,7 @@
                 <a:cs typeface="Courier New"/>
                 <a:sym typeface="Courier New"/>
               </a:rPr>
-              <a:t>messages</a:t>
+              <a:t>daemon.log</a:t>
             </a:r>
             <a:endParaRPr sz="3200" dirty="0">
               <a:latin typeface="Courier New"/>

--- a/dns/dns2-presentation.pptx
+++ b/dns/dns2-presentation.pptx
@@ -5,7 +5,7 @@
     <p:sldMasterId id="2147483648" r:id="rId1"/>
   </p:sldMasterIdLst>
   <p:notesMasterIdLst>
-    <p:notesMasterId r:id="rId44"/>
+    <p:notesMasterId r:id="rId43"/>
   </p:notesMasterIdLst>
   <p:sldIdLst>
     <p:sldId id="256" r:id="rId2"/>
@@ -46,10 +46,9 @@
     <p:sldId id="291" r:id="rId37"/>
     <p:sldId id="292" r:id="rId38"/>
     <p:sldId id="293" r:id="rId39"/>
-    <p:sldId id="294" r:id="rId40"/>
-    <p:sldId id="295" r:id="rId41"/>
-    <p:sldId id="296" r:id="rId42"/>
-    <p:sldId id="297" r:id="rId43"/>
+    <p:sldId id="295" r:id="rId40"/>
+    <p:sldId id="296" r:id="rId41"/>
+    <p:sldId id="297" r:id="rId42"/>
   </p:sldIdLst>
   <p:sldSz cx="10071100" cy="7556500"/>
   <p:notesSz cx="6858000" cy="9144000"/>
@@ -12694,7 +12693,7 @@
               <a:defRPr sz="1800"/>
             </a:pPr>
             <a:r>
-              <a:rPr sz="3200"/>
+              <a:rPr sz="3200" dirty="0"/>
               <a:t>Limit client access to your own IP addresses only</a:t>
             </a:r>
           </a:p>
@@ -12731,7 +12730,7 @@
               <a:defRPr sz="1800"/>
             </a:pPr>
             <a:r>
-              <a:rPr sz="2800"/>
+              <a:rPr sz="2800" dirty="0"/>
               <a:t>No reason for other people on the Internet to be using your cache resources</a:t>
             </a:r>
           </a:p>
@@ -12764,293 +12763,19 @@
               </a:tabLst>
               <a:defRPr sz="1800"/>
             </a:pPr>
-            <a:r>
-              <a:rPr sz="3200"/>
-              <a:t>Make cache authoritative for queries which should not go to the Internet</a:t>
-            </a:r>
-          </a:p>
-          <a:p>
-            <a:pPr marL="862012" lvl="1" indent="-285750">
-              <a:lnSpc>
-                <a:spcPct val="93000"/>
-              </a:lnSpc>
-              <a:spcBef>
-                <a:spcPts val="1100"/>
-              </a:spcBef>
-              <a:tabLst>
-                <a:tab pos="444500" algn="l"/>
-                <a:tab pos="901700" algn="l"/>
-                <a:tab pos="1358900" algn="l"/>
-                <a:tab pos="1816100" algn="l"/>
-                <a:tab pos="2273300" algn="l"/>
-                <a:tab pos="2730500" algn="l"/>
-                <a:tab pos="3187700" algn="l"/>
-                <a:tab pos="3644900" algn="l"/>
-                <a:tab pos="4102100" algn="l"/>
-                <a:tab pos="4559300" algn="l"/>
-                <a:tab pos="5016500" algn="l"/>
-                <a:tab pos="5473700" algn="l"/>
-                <a:tab pos="5930900" algn="l"/>
-                <a:tab pos="6388100" algn="l"/>
-                <a:tab pos="6845300" algn="l"/>
-                <a:tab pos="7302500" algn="l"/>
-                <a:tab pos="7759700" algn="l"/>
-                <a:tab pos="8216900" algn="l"/>
-                <a:tab pos="8674100" algn="l"/>
-                <a:tab pos="9131300" algn="l"/>
-              </a:tabLst>
-              <a:defRPr sz="1800"/>
-            </a:pPr>
-            <a:r>
-              <a:rPr sz="2800"/>
-              <a:t>localhost </a:t>
-            </a:r>
-            <a:r>
-              <a:rPr sz="2800">
-                <a:latin typeface="Zapf Dingbats"/>
-                <a:ea typeface="Zapf Dingbats"/>
-                <a:cs typeface="Zapf Dingbats"/>
-                <a:sym typeface="Zapf Dingbats"/>
-              </a:rPr>
-              <a:t>→</a:t>
-            </a:r>
-            <a:r>
-              <a:rPr sz="2800"/>
-              <a:t> A 127.0.0.1</a:t>
-            </a:r>
-          </a:p>
-          <a:p>
-            <a:pPr marL="862012" lvl="1" indent="-285750">
-              <a:lnSpc>
-                <a:spcPct val="93000"/>
-              </a:lnSpc>
-              <a:spcBef>
-                <a:spcPts val="1100"/>
-              </a:spcBef>
-              <a:tabLst>
-                <a:tab pos="444500" algn="l"/>
-                <a:tab pos="901700" algn="l"/>
-                <a:tab pos="1358900" algn="l"/>
-                <a:tab pos="1816100" algn="l"/>
-                <a:tab pos="2273300" algn="l"/>
-                <a:tab pos="2730500" algn="l"/>
-                <a:tab pos="3187700" algn="l"/>
-                <a:tab pos="3644900" algn="l"/>
-                <a:tab pos="4102100" algn="l"/>
-                <a:tab pos="4559300" algn="l"/>
-                <a:tab pos="5016500" algn="l"/>
-                <a:tab pos="5473700" algn="l"/>
-                <a:tab pos="5930900" algn="l"/>
-                <a:tab pos="6388100" algn="l"/>
-                <a:tab pos="6845300" algn="l"/>
-                <a:tab pos="7302500" algn="l"/>
-                <a:tab pos="7759700" algn="l"/>
-                <a:tab pos="8216900" algn="l"/>
-                <a:tab pos="8674100" algn="l"/>
-                <a:tab pos="9131300" algn="l"/>
-              </a:tabLst>
-              <a:defRPr sz="1800"/>
-            </a:pPr>
-            <a:r>
-              <a:rPr sz="2800"/>
-              <a:t>1.0.0.127.in-addr.arpa </a:t>
-            </a:r>
-            <a:r>
-              <a:rPr sz="2800">
-                <a:latin typeface="Zapf Dingbats"/>
-                <a:ea typeface="Zapf Dingbats"/>
-                <a:cs typeface="Zapf Dingbats"/>
-                <a:sym typeface="Zapf Dingbats"/>
-              </a:rPr>
-              <a:t>→</a:t>
-            </a:r>
-            <a:r>
-              <a:rPr sz="2800"/>
-              <a:t> PTR localhost</a:t>
-            </a:r>
-          </a:p>
-          <a:p>
-            <a:pPr marL="862012" lvl="1" indent="-285750">
-              <a:lnSpc>
-                <a:spcPct val="93000"/>
-              </a:lnSpc>
-              <a:spcBef>
-                <a:spcPts val="1100"/>
-              </a:spcBef>
-              <a:tabLst>
-                <a:tab pos="444500" algn="l"/>
-                <a:tab pos="901700" algn="l"/>
-                <a:tab pos="1358900" algn="l"/>
-                <a:tab pos="1816100" algn="l"/>
-                <a:tab pos="2273300" algn="l"/>
-                <a:tab pos="2730500" algn="l"/>
-                <a:tab pos="3187700" algn="l"/>
-                <a:tab pos="3644900" algn="l"/>
-                <a:tab pos="4102100" algn="l"/>
-                <a:tab pos="4559300" algn="l"/>
-                <a:tab pos="5016500" algn="l"/>
-                <a:tab pos="5473700" algn="l"/>
-                <a:tab pos="5930900" algn="l"/>
-                <a:tab pos="6388100" algn="l"/>
-                <a:tab pos="6845300" algn="l"/>
-                <a:tab pos="7302500" algn="l"/>
-                <a:tab pos="7759700" algn="l"/>
-                <a:tab pos="8216900" algn="l"/>
-                <a:tab pos="8674100" algn="l"/>
-                <a:tab pos="9131300" algn="l"/>
-              </a:tabLst>
-              <a:defRPr sz="1800"/>
-            </a:pPr>
-            <a:r>
-              <a:rPr sz="2800"/>
-              <a:t>RFC 1918 addresses (10/8, 172.16/12, 192.168/16)</a:t>
-            </a:r>
-          </a:p>
-          <a:p>
-            <a:pPr marL="862012" lvl="1" indent="-285750">
-              <a:lnSpc>
-                <a:spcPct val="93000"/>
-              </a:lnSpc>
-              <a:spcBef>
-                <a:spcPts val="1100"/>
-              </a:spcBef>
-              <a:tabLst>
-                <a:tab pos="444500" algn="l"/>
-                <a:tab pos="901700" algn="l"/>
-                <a:tab pos="1358900" algn="l"/>
-                <a:tab pos="1816100" algn="l"/>
-                <a:tab pos="2273300" algn="l"/>
-                <a:tab pos="2730500" algn="l"/>
-                <a:tab pos="3187700" algn="l"/>
-                <a:tab pos="3644900" algn="l"/>
-                <a:tab pos="4102100" algn="l"/>
-                <a:tab pos="4559300" algn="l"/>
-                <a:tab pos="5016500" algn="l"/>
-                <a:tab pos="5473700" algn="l"/>
-                <a:tab pos="5930900" algn="l"/>
-                <a:tab pos="6388100" algn="l"/>
-                <a:tab pos="6845300" algn="l"/>
-                <a:tab pos="7302500" algn="l"/>
-                <a:tab pos="7759700" algn="l"/>
-                <a:tab pos="8216900" algn="l"/>
-                <a:tab pos="8674100" algn="l"/>
-                <a:tab pos="9131300" algn="l"/>
-              </a:tabLst>
-              <a:defRPr sz="1800"/>
-            </a:pPr>
-            <a:r>
-              <a:rPr sz="2800"/>
-              <a:t>Gives quicker response and saves sending unnecessary queries to the Internet</a:t>
-            </a:r>
-          </a:p>
-        </p:txBody>
-      </p:sp>
-    </p:spTree>
-  </p:cSld>
-  <p:clrMapOvr>
-    <a:masterClrMapping/>
-  </p:clrMapOvr>
-  <p:transition spd="med"/>
-</p:sld>
-</file>
-
-<file path=ppt/slides/slide39.xml><?xml version="1.0" encoding="utf-8"?>
-<p:sld xmlns:a="http://schemas.openxmlformats.org/drawingml/2006/main" xmlns:r="http://schemas.openxmlformats.org/officeDocument/2006/relationships" xmlns:p="http://schemas.openxmlformats.org/presentationml/2006/main">
-  <p:cSld>
-    <p:spTree>
-      <p:nvGrpSpPr>
-        <p:cNvPr id="1" name=""/>
-        <p:cNvGrpSpPr/>
-        <p:nvPr/>
-      </p:nvGrpSpPr>
-      <p:grpSpPr>
-        <a:xfrm>
-          <a:off x="0" y="0"/>
-          <a:ext cx="0" cy="0"/>
-          <a:chOff x="0" y="0"/>
-          <a:chExt cx="0" cy="0"/>
-        </a:xfrm>
-      </p:grpSpPr>
-      <p:sp>
-        <p:nvSpPr>
-          <p:cNvPr id="247" name="Shape 247"/>
-          <p:cNvSpPr>
-            <a:spLocks noGrp="1"/>
-          </p:cNvSpPr>
-          <p:nvPr>
-            <p:ph type="title" idx="4294967295"/>
-          </p:nvPr>
-        </p:nvSpPr>
-        <p:spPr>
-          <a:xfrm>
-            <a:off x="503237" y="301625"/>
-            <a:ext cx="9072563" cy="1263650"/>
-          </a:xfrm>
-          <a:prstGeom prst="rect">
-            <a:avLst/>
-          </a:prstGeom>
-          <a:ln w="12700">
-            <a:miter lim="400000"/>
-          </a:ln>
-          <a:extLst>
-            <a:ext uri="{C572A759-6A51-4108-AA02-DFA0A04FC94B}">
-              <ma14:wrappingTextBoxFlag xmlns:ma14="http://schemas.microsoft.com/office/mac/drawingml/2011/main" val="1"/>
-            </a:ext>
-          </a:extLst>
-        </p:spPr>
-        <p:txBody>
-          <a:bodyPr lIns="0" tIns="0" rIns="0" bIns="0" anchor="ctr">
-            <a:normAutofit/>
-          </a:bodyPr>
-          <a:lstStyle>
-            <a:lvl1pPr>
-              <a:lnSpc>
-                <a:spcPct val="93000"/>
-              </a:lnSpc>
-              <a:tabLst>
-                <a:tab pos="457200" algn="l"/>
-                <a:tab pos="914400" algn="l"/>
-                <a:tab pos="1371600" algn="l"/>
-                <a:tab pos="1828800" algn="l"/>
-                <a:tab pos="2286000" algn="l"/>
-                <a:tab pos="2743200" algn="l"/>
-                <a:tab pos="3200400" algn="l"/>
-                <a:tab pos="3657600" algn="l"/>
-                <a:tab pos="4114800" algn="l"/>
-                <a:tab pos="4572000" algn="l"/>
-                <a:tab pos="5029200" algn="l"/>
-                <a:tab pos="5486400" algn="l"/>
-                <a:tab pos="5943600" algn="l"/>
-                <a:tab pos="6400800" algn="l"/>
-                <a:tab pos="6858000" algn="l"/>
-                <a:tab pos="7315200" algn="l"/>
-                <a:tab pos="7772400" algn="l"/>
-                <a:tab pos="8229600" algn="l"/>
-                <a:tab pos="8686800" algn="l"/>
-                <a:tab pos="9144000" algn="l"/>
-              </a:tabLst>
-            </a:lvl1pPr>
-          </a:lstStyle>
-          <a:p>
-            <a:pPr lvl="0">
-              <a:defRPr sz="1800"/>
-            </a:pPr>
-            <a:r>
-              <a:rPr sz="4400"/>
-              <a:t>Access control</a:t>
-            </a:r>
+            <a:endParaRPr sz="2800" dirty="0"/>
           </a:p>
         </p:txBody>
       </p:sp>
       <p:sp>
         <p:nvSpPr>
-          <p:cNvPr id="248" name="Shape 248"/>
+          <p:cNvPr id="4" name="Shape 248"/>
           <p:cNvSpPr/>
           <p:nvPr/>
         </p:nvSpPr>
         <p:spPr>
           <a:xfrm>
-            <a:off x="862012" y="2044700"/>
+            <a:off x="981933" y="5072713"/>
             <a:ext cx="8178801" cy="855180"/>
           </a:xfrm>
           <a:prstGeom prst="rect">
@@ -13195,13 +12920,13 @@
       </p:sp>
       <p:sp>
         <p:nvSpPr>
-          <p:cNvPr id="249" name="Shape 249"/>
+          <p:cNvPr id="5" name="Shape 249"/>
           <p:cNvSpPr/>
           <p:nvPr/>
         </p:nvSpPr>
         <p:spPr>
           <a:xfrm>
-            <a:off x="2229072" y="1634247"/>
+            <a:off x="2348993" y="4662260"/>
             <a:ext cx="5582794" cy="336801"/>
           </a:xfrm>
           <a:prstGeom prst="rect">
@@ -13267,6 +12992,7 @@
           <a:p>
             <a:pPr lvl="0"/>
             <a:r>
+              <a:rPr dirty="0"/>
               <a:t>/etc/unbound/unbound.conf.d/clients.conf</a:t>
             </a:r>
           </a:p>
@@ -13281,274 +13007,7 @@
 </p:sld>
 </file>
 
-<file path=ppt/slides/slide4.xml><?xml version="1.0" encoding="utf-8"?>
-<p:sld xmlns:a="http://schemas.openxmlformats.org/drawingml/2006/main" xmlns:r="http://schemas.openxmlformats.org/officeDocument/2006/relationships" xmlns:p="http://schemas.openxmlformats.org/presentationml/2006/main">
-  <p:cSld>
-    <p:spTree>
-      <p:nvGrpSpPr>
-        <p:cNvPr id="1" name=""/>
-        <p:cNvGrpSpPr/>
-        <p:nvPr/>
-      </p:nvGrpSpPr>
-      <p:grpSpPr>
-        <a:xfrm>
-          <a:off x="0" y="0"/>
-          <a:ext cx="0" cy="0"/>
-          <a:chOff x="0" y="0"/>
-          <a:chExt cx="0" cy="0"/>
-        </a:xfrm>
-      </p:grpSpPr>
-      <p:sp>
-        <p:nvSpPr>
-          <p:cNvPr id="31" name="Shape 31"/>
-          <p:cNvSpPr>
-            <a:spLocks noGrp="1"/>
-          </p:cNvSpPr>
-          <p:nvPr>
-            <p:ph type="title" idx="4294967295"/>
-          </p:nvPr>
-        </p:nvSpPr>
-        <p:spPr>
-          <a:xfrm>
-            <a:off x="503237" y="301625"/>
-            <a:ext cx="9072563" cy="1263650"/>
-          </a:xfrm>
-          <a:prstGeom prst="rect">
-            <a:avLst/>
-          </a:prstGeom>
-          <a:ln w="12700">
-            <a:miter lim="400000"/>
-          </a:ln>
-          <a:extLst>
-            <a:ext uri="{C572A759-6A51-4108-AA02-DFA0A04FC94B}">
-              <ma14:wrappingTextBoxFlag xmlns:ma14="http://schemas.microsoft.com/office/mac/drawingml/2011/main" val="1"/>
-            </a:ext>
-          </a:extLst>
-        </p:spPr>
-        <p:txBody>
-          <a:bodyPr lIns="0" tIns="0" rIns="0" bIns="0" anchor="ctr">
-            <a:normAutofit/>
-          </a:bodyPr>
-          <a:lstStyle>
-            <a:lvl1pPr>
-              <a:lnSpc>
-                <a:spcPct val="93000"/>
-              </a:lnSpc>
-              <a:tabLst>
-                <a:tab pos="457200" algn="l"/>
-                <a:tab pos="914400" algn="l"/>
-                <a:tab pos="1371600" algn="l"/>
-                <a:tab pos="1828800" algn="l"/>
-                <a:tab pos="2286000" algn="l"/>
-                <a:tab pos="2743200" algn="l"/>
-                <a:tab pos="3200400" algn="l"/>
-                <a:tab pos="3657600" algn="l"/>
-                <a:tab pos="4114800" algn="l"/>
-                <a:tab pos="4572000" algn="l"/>
-                <a:tab pos="5029200" algn="l"/>
-                <a:tab pos="5486400" algn="l"/>
-                <a:tab pos="5943600" algn="l"/>
-                <a:tab pos="6400800" algn="l"/>
-                <a:tab pos="6858000" algn="l"/>
-                <a:tab pos="7315200" algn="l"/>
-                <a:tab pos="7772400" algn="l"/>
-                <a:tab pos="8229600" algn="l"/>
-                <a:tab pos="8686800" algn="l"/>
-                <a:tab pos="9144000" algn="l"/>
-              </a:tabLst>
-            </a:lvl1pPr>
-          </a:lstStyle>
-          <a:p>
-            <a:pPr lvl="0">
-              <a:defRPr sz="1800"/>
-            </a:pPr>
-            <a:r>
-              <a:rPr sz="4400"/>
-              <a:t>What if the answer is not in the cache?</a:t>
-            </a:r>
-          </a:p>
-        </p:txBody>
-      </p:sp>
-      <p:sp>
-        <p:nvSpPr>
-          <p:cNvPr id="32" name="Shape 32"/>
-          <p:cNvSpPr>
-            <a:spLocks noGrp="1"/>
-          </p:cNvSpPr>
-          <p:nvPr>
-            <p:ph type="body" idx="4294967295"/>
-          </p:nvPr>
-        </p:nvSpPr>
-        <p:spPr>
-          <a:xfrm>
-            <a:off x="503237" y="1768475"/>
-            <a:ext cx="9072563" cy="4991100"/>
-          </a:xfrm>
-          <a:prstGeom prst="rect">
-            <a:avLst/>
-          </a:prstGeom>
-          <a:ln w="12700">
-            <a:miter lim="400000"/>
-          </a:ln>
-          <a:extLst>
-            <a:ext uri="{C572A759-6A51-4108-AA02-DFA0A04FC94B}">
-              <ma14:wrappingTextBoxFlag xmlns:ma14="http://schemas.microsoft.com/office/mac/drawingml/2011/main" val="1"/>
-            </a:ext>
-          </a:extLst>
-        </p:spPr>
-        <p:txBody>
-          <a:bodyPr lIns="0" tIns="0" rIns="0" bIns="0">
-            <a:normAutofit/>
-          </a:bodyPr>
-          <a:lstStyle/>
-          <a:p>
-            <a:pPr lvl="0">
-              <a:lnSpc>
-                <a:spcPct val="93000"/>
-              </a:lnSpc>
-              <a:tabLst>
-                <a:tab pos="444500" algn="l"/>
-                <a:tab pos="901700" algn="l"/>
-                <a:tab pos="1358900" algn="l"/>
-                <a:tab pos="1816100" algn="l"/>
-                <a:tab pos="2273300" algn="l"/>
-                <a:tab pos="2730500" algn="l"/>
-                <a:tab pos="3187700" algn="l"/>
-                <a:tab pos="3644900" algn="l"/>
-                <a:tab pos="4102100" algn="l"/>
-                <a:tab pos="4559300" algn="l"/>
-                <a:tab pos="5016500" algn="l"/>
-                <a:tab pos="5473700" algn="l"/>
-                <a:tab pos="5930900" algn="l"/>
-                <a:tab pos="6388100" algn="l"/>
-                <a:tab pos="6845300" algn="l"/>
-                <a:tab pos="7302500" algn="l"/>
-                <a:tab pos="7759700" algn="l"/>
-                <a:tab pos="8216900" algn="l"/>
-                <a:tab pos="8674100" algn="l"/>
-                <a:tab pos="9131300" algn="l"/>
-              </a:tabLst>
-              <a:defRPr sz="1800"/>
-            </a:pPr>
-            <a:r>
-              <a:rPr sz="3200"/>
-              <a:t>DNS is a distributed database: parts of the tree (called "zones") are held in different servers</a:t>
-            </a:r>
-          </a:p>
-          <a:p>
-            <a:pPr lvl="0">
-              <a:lnSpc>
-                <a:spcPct val="93000"/>
-              </a:lnSpc>
-              <a:tabLst>
-                <a:tab pos="444500" algn="l"/>
-                <a:tab pos="901700" algn="l"/>
-                <a:tab pos="1358900" algn="l"/>
-                <a:tab pos="1816100" algn="l"/>
-                <a:tab pos="2273300" algn="l"/>
-                <a:tab pos="2730500" algn="l"/>
-                <a:tab pos="3187700" algn="l"/>
-                <a:tab pos="3644900" algn="l"/>
-                <a:tab pos="4102100" algn="l"/>
-                <a:tab pos="4559300" algn="l"/>
-                <a:tab pos="5016500" algn="l"/>
-                <a:tab pos="5473700" algn="l"/>
-                <a:tab pos="5930900" algn="l"/>
-                <a:tab pos="6388100" algn="l"/>
-                <a:tab pos="6845300" algn="l"/>
-                <a:tab pos="7302500" algn="l"/>
-                <a:tab pos="7759700" algn="l"/>
-                <a:tab pos="8216900" algn="l"/>
-                <a:tab pos="8674100" algn="l"/>
-                <a:tab pos="9131300" algn="l"/>
-              </a:tabLst>
-              <a:defRPr sz="1800"/>
-            </a:pPr>
-            <a:r>
-              <a:rPr sz="3200"/>
-              <a:t>They are called "authoritative" for their particular part of the tree</a:t>
-            </a:r>
-          </a:p>
-          <a:p>
-            <a:pPr lvl="0">
-              <a:lnSpc>
-                <a:spcPct val="93000"/>
-              </a:lnSpc>
-              <a:tabLst>
-                <a:tab pos="444500" algn="l"/>
-                <a:tab pos="901700" algn="l"/>
-                <a:tab pos="1358900" algn="l"/>
-                <a:tab pos="1816100" algn="l"/>
-                <a:tab pos="2273300" algn="l"/>
-                <a:tab pos="2730500" algn="l"/>
-                <a:tab pos="3187700" algn="l"/>
-                <a:tab pos="3644900" algn="l"/>
-                <a:tab pos="4102100" algn="l"/>
-                <a:tab pos="4559300" algn="l"/>
-                <a:tab pos="5016500" algn="l"/>
-                <a:tab pos="5473700" algn="l"/>
-                <a:tab pos="5930900" algn="l"/>
-                <a:tab pos="6388100" algn="l"/>
-                <a:tab pos="6845300" algn="l"/>
-                <a:tab pos="7302500" algn="l"/>
-                <a:tab pos="7759700" algn="l"/>
-                <a:tab pos="8216900" algn="l"/>
-                <a:tab pos="8674100" algn="l"/>
-                <a:tab pos="9131300" algn="l"/>
-              </a:tabLst>
-              <a:defRPr sz="1800"/>
-            </a:pPr>
-            <a:r>
-              <a:rPr sz="3200"/>
-              <a:t>It is the job of a caching nameserver to locate the right authoritative nameserver and get back the result</a:t>
-            </a:r>
-          </a:p>
-          <a:p>
-            <a:pPr lvl="0">
-              <a:lnSpc>
-                <a:spcPct val="93000"/>
-              </a:lnSpc>
-              <a:tabLst>
-                <a:tab pos="444500" algn="l"/>
-                <a:tab pos="901700" algn="l"/>
-                <a:tab pos="1358900" algn="l"/>
-                <a:tab pos="1816100" algn="l"/>
-                <a:tab pos="2273300" algn="l"/>
-                <a:tab pos="2730500" algn="l"/>
-                <a:tab pos="3187700" algn="l"/>
-                <a:tab pos="3644900" algn="l"/>
-                <a:tab pos="4102100" algn="l"/>
-                <a:tab pos="4559300" algn="l"/>
-                <a:tab pos="5016500" algn="l"/>
-                <a:tab pos="5473700" algn="l"/>
-                <a:tab pos="5930900" algn="l"/>
-                <a:tab pos="6388100" algn="l"/>
-                <a:tab pos="6845300" algn="l"/>
-                <a:tab pos="7302500" algn="l"/>
-                <a:tab pos="7759700" algn="l"/>
-                <a:tab pos="8216900" algn="l"/>
-                <a:tab pos="8674100" algn="l"/>
-                <a:tab pos="9131300" algn="l"/>
-              </a:tabLst>
-              <a:defRPr sz="1800"/>
-            </a:pPr>
-            <a:r>
-              <a:rPr sz="3200"/>
-              <a:t>It may have to ask other nameservers first to locate the one it needs</a:t>
-            </a:r>
-          </a:p>
-        </p:txBody>
-      </p:sp>
-    </p:spTree>
-  </p:cSld>
-  <p:clrMapOvr>
-    <a:masterClrMapping/>
-  </p:clrMapOvr>
-  <p:transition spd="med"/>
-</p:sld>
-</file>
-
-<file path=ppt/slides/slide40.xml><?xml version="1.0" encoding="utf-8"?>
+<file path=ppt/slides/slide39.xml><?xml version="1.0" encoding="utf-8"?>
 <p:sld xmlns:a="http://schemas.openxmlformats.org/drawingml/2006/main" xmlns:r="http://schemas.openxmlformats.org/officeDocument/2006/relationships" xmlns:p="http://schemas.openxmlformats.org/presentationml/2006/main">
   <p:cSld>
     <p:spTree>
@@ -13991,7 +13450,274 @@
 </p:sld>
 </file>
 
-<file path=ppt/slides/slide41.xml><?xml version="1.0" encoding="utf-8"?>
+<file path=ppt/slides/slide4.xml><?xml version="1.0" encoding="utf-8"?>
+<p:sld xmlns:a="http://schemas.openxmlformats.org/drawingml/2006/main" xmlns:r="http://schemas.openxmlformats.org/officeDocument/2006/relationships" xmlns:p="http://schemas.openxmlformats.org/presentationml/2006/main">
+  <p:cSld>
+    <p:spTree>
+      <p:nvGrpSpPr>
+        <p:cNvPr id="1" name=""/>
+        <p:cNvGrpSpPr/>
+        <p:nvPr/>
+      </p:nvGrpSpPr>
+      <p:grpSpPr>
+        <a:xfrm>
+          <a:off x="0" y="0"/>
+          <a:ext cx="0" cy="0"/>
+          <a:chOff x="0" y="0"/>
+          <a:chExt cx="0" cy="0"/>
+        </a:xfrm>
+      </p:grpSpPr>
+      <p:sp>
+        <p:nvSpPr>
+          <p:cNvPr id="31" name="Shape 31"/>
+          <p:cNvSpPr>
+            <a:spLocks noGrp="1"/>
+          </p:cNvSpPr>
+          <p:nvPr>
+            <p:ph type="title" idx="4294967295"/>
+          </p:nvPr>
+        </p:nvSpPr>
+        <p:spPr>
+          <a:xfrm>
+            <a:off x="503237" y="301625"/>
+            <a:ext cx="9072563" cy="1263650"/>
+          </a:xfrm>
+          <a:prstGeom prst="rect">
+            <a:avLst/>
+          </a:prstGeom>
+          <a:ln w="12700">
+            <a:miter lim="400000"/>
+          </a:ln>
+          <a:extLst>
+            <a:ext uri="{C572A759-6A51-4108-AA02-DFA0A04FC94B}">
+              <ma14:wrappingTextBoxFlag xmlns:ma14="http://schemas.microsoft.com/office/mac/drawingml/2011/main" val="1"/>
+            </a:ext>
+          </a:extLst>
+        </p:spPr>
+        <p:txBody>
+          <a:bodyPr lIns="0" tIns="0" rIns="0" bIns="0" anchor="ctr">
+            <a:normAutofit/>
+          </a:bodyPr>
+          <a:lstStyle>
+            <a:lvl1pPr>
+              <a:lnSpc>
+                <a:spcPct val="93000"/>
+              </a:lnSpc>
+              <a:tabLst>
+                <a:tab pos="457200" algn="l"/>
+                <a:tab pos="914400" algn="l"/>
+                <a:tab pos="1371600" algn="l"/>
+                <a:tab pos="1828800" algn="l"/>
+                <a:tab pos="2286000" algn="l"/>
+                <a:tab pos="2743200" algn="l"/>
+                <a:tab pos="3200400" algn="l"/>
+                <a:tab pos="3657600" algn="l"/>
+                <a:tab pos="4114800" algn="l"/>
+                <a:tab pos="4572000" algn="l"/>
+                <a:tab pos="5029200" algn="l"/>
+                <a:tab pos="5486400" algn="l"/>
+                <a:tab pos="5943600" algn="l"/>
+                <a:tab pos="6400800" algn="l"/>
+                <a:tab pos="6858000" algn="l"/>
+                <a:tab pos="7315200" algn="l"/>
+                <a:tab pos="7772400" algn="l"/>
+                <a:tab pos="8229600" algn="l"/>
+                <a:tab pos="8686800" algn="l"/>
+                <a:tab pos="9144000" algn="l"/>
+              </a:tabLst>
+            </a:lvl1pPr>
+          </a:lstStyle>
+          <a:p>
+            <a:pPr lvl="0">
+              <a:defRPr sz="1800"/>
+            </a:pPr>
+            <a:r>
+              <a:rPr sz="4400"/>
+              <a:t>What if the answer is not in the cache?</a:t>
+            </a:r>
+          </a:p>
+        </p:txBody>
+      </p:sp>
+      <p:sp>
+        <p:nvSpPr>
+          <p:cNvPr id="32" name="Shape 32"/>
+          <p:cNvSpPr>
+            <a:spLocks noGrp="1"/>
+          </p:cNvSpPr>
+          <p:nvPr>
+            <p:ph type="body" idx="4294967295"/>
+          </p:nvPr>
+        </p:nvSpPr>
+        <p:spPr>
+          <a:xfrm>
+            <a:off x="503237" y="1768475"/>
+            <a:ext cx="9072563" cy="4991100"/>
+          </a:xfrm>
+          <a:prstGeom prst="rect">
+            <a:avLst/>
+          </a:prstGeom>
+          <a:ln w="12700">
+            <a:miter lim="400000"/>
+          </a:ln>
+          <a:extLst>
+            <a:ext uri="{C572A759-6A51-4108-AA02-DFA0A04FC94B}">
+              <ma14:wrappingTextBoxFlag xmlns:ma14="http://schemas.microsoft.com/office/mac/drawingml/2011/main" val="1"/>
+            </a:ext>
+          </a:extLst>
+        </p:spPr>
+        <p:txBody>
+          <a:bodyPr lIns="0" tIns="0" rIns="0" bIns="0">
+            <a:normAutofit/>
+          </a:bodyPr>
+          <a:lstStyle/>
+          <a:p>
+            <a:pPr lvl="0">
+              <a:lnSpc>
+                <a:spcPct val="93000"/>
+              </a:lnSpc>
+              <a:tabLst>
+                <a:tab pos="444500" algn="l"/>
+                <a:tab pos="901700" algn="l"/>
+                <a:tab pos="1358900" algn="l"/>
+                <a:tab pos="1816100" algn="l"/>
+                <a:tab pos="2273300" algn="l"/>
+                <a:tab pos="2730500" algn="l"/>
+                <a:tab pos="3187700" algn="l"/>
+                <a:tab pos="3644900" algn="l"/>
+                <a:tab pos="4102100" algn="l"/>
+                <a:tab pos="4559300" algn="l"/>
+                <a:tab pos="5016500" algn="l"/>
+                <a:tab pos="5473700" algn="l"/>
+                <a:tab pos="5930900" algn="l"/>
+                <a:tab pos="6388100" algn="l"/>
+                <a:tab pos="6845300" algn="l"/>
+                <a:tab pos="7302500" algn="l"/>
+                <a:tab pos="7759700" algn="l"/>
+                <a:tab pos="8216900" algn="l"/>
+                <a:tab pos="8674100" algn="l"/>
+                <a:tab pos="9131300" algn="l"/>
+              </a:tabLst>
+              <a:defRPr sz="1800"/>
+            </a:pPr>
+            <a:r>
+              <a:rPr sz="3200"/>
+              <a:t>DNS is a distributed database: parts of the tree (called "zones") are held in different servers</a:t>
+            </a:r>
+          </a:p>
+          <a:p>
+            <a:pPr lvl="0">
+              <a:lnSpc>
+                <a:spcPct val="93000"/>
+              </a:lnSpc>
+              <a:tabLst>
+                <a:tab pos="444500" algn="l"/>
+                <a:tab pos="901700" algn="l"/>
+                <a:tab pos="1358900" algn="l"/>
+                <a:tab pos="1816100" algn="l"/>
+                <a:tab pos="2273300" algn="l"/>
+                <a:tab pos="2730500" algn="l"/>
+                <a:tab pos="3187700" algn="l"/>
+                <a:tab pos="3644900" algn="l"/>
+                <a:tab pos="4102100" algn="l"/>
+                <a:tab pos="4559300" algn="l"/>
+                <a:tab pos="5016500" algn="l"/>
+                <a:tab pos="5473700" algn="l"/>
+                <a:tab pos="5930900" algn="l"/>
+                <a:tab pos="6388100" algn="l"/>
+                <a:tab pos="6845300" algn="l"/>
+                <a:tab pos="7302500" algn="l"/>
+                <a:tab pos="7759700" algn="l"/>
+                <a:tab pos="8216900" algn="l"/>
+                <a:tab pos="8674100" algn="l"/>
+                <a:tab pos="9131300" algn="l"/>
+              </a:tabLst>
+              <a:defRPr sz="1800"/>
+            </a:pPr>
+            <a:r>
+              <a:rPr sz="3200"/>
+              <a:t>They are called "authoritative" for their particular part of the tree</a:t>
+            </a:r>
+          </a:p>
+          <a:p>
+            <a:pPr lvl="0">
+              <a:lnSpc>
+                <a:spcPct val="93000"/>
+              </a:lnSpc>
+              <a:tabLst>
+                <a:tab pos="444500" algn="l"/>
+                <a:tab pos="901700" algn="l"/>
+                <a:tab pos="1358900" algn="l"/>
+                <a:tab pos="1816100" algn="l"/>
+                <a:tab pos="2273300" algn="l"/>
+                <a:tab pos="2730500" algn="l"/>
+                <a:tab pos="3187700" algn="l"/>
+                <a:tab pos="3644900" algn="l"/>
+                <a:tab pos="4102100" algn="l"/>
+                <a:tab pos="4559300" algn="l"/>
+                <a:tab pos="5016500" algn="l"/>
+                <a:tab pos="5473700" algn="l"/>
+                <a:tab pos="5930900" algn="l"/>
+                <a:tab pos="6388100" algn="l"/>
+                <a:tab pos="6845300" algn="l"/>
+                <a:tab pos="7302500" algn="l"/>
+                <a:tab pos="7759700" algn="l"/>
+                <a:tab pos="8216900" algn="l"/>
+                <a:tab pos="8674100" algn="l"/>
+                <a:tab pos="9131300" algn="l"/>
+              </a:tabLst>
+              <a:defRPr sz="1800"/>
+            </a:pPr>
+            <a:r>
+              <a:rPr sz="3200"/>
+              <a:t>It is the job of a caching nameserver to locate the right authoritative nameserver and get back the result</a:t>
+            </a:r>
+          </a:p>
+          <a:p>
+            <a:pPr lvl="0">
+              <a:lnSpc>
+                <a:spcPct val="93000"/>
+              </a:lnSpc>
+              <a:tabLst>
+                <a:tab pos="444500" algn="l"/>
+                <a:tab pos="901700" algn="l"/>
+                <a:tab pos="1358900" algn="l"/>
+                <a:tab pos="1816100" algn="l"/>
+                <a:tab pos="2273300" algn="l"/>
+                <a:tab pos="2730500" algn="l"/>
+                <a:tab pos="3187700" algn="l"/>
+                <a:tab pos="3644900" algn="l"/>
+                <a:tab pos="4102100" algn="l"/>
+                <a:tab pos="4559300" algn="l"/>
+                <a:tab pos="5016500" algn="l"/>
+                <a:tab pos="5473700" algn="l"/>
+                <a:tab pos="5930900" algn="l"/>
+                <a:tab pos="6388100" algn="l"/>
+                <a:tab pos="6845300" algn="l"/>
+                <a:tab pos="7302500" algn="l"/>
+                <a:tab pos="7759700" algn="l"/>
+                <a:tab pos="8216900" algn="l"/>
+                <a:tab pos="8674100" algn="l"/>
+                <a:tab pos="9131300" algn="l"/>
+              </a:tabLst>
+              <a:defRPr sz="1800"/>
+            </a:pPr>
+            <a:r>
+              <a:rPr sz="3200"/>
+              <a:t>It may have to ask other nameservers first to locate the one it needs</a:t>
+            </a:r>
+          </a:p>
+        </p:txBody>
+      </p:sp>
+    </p:spTree>
+  </p:cSld>
+  <p:clrMapOvr>
+    <a:masterClrMapping/>
+  </p:clrMapOvr>
+  <p:transition spd="med"/>
+</p:sld>
+</file>
+
+<file path=ppt/slides/slide40.xml><?xml version="1.0" encoding="utf-8"?>
 <p:sld xmlns:a="http://schemas.openxmlformats.org/drawingml/2006/main" xmlns:r="http://schemas.openxmlformats.org/officeDocument/2006/relationships" xmlns:p="http://schemas.openxmlformats.org/presentationml/2006/main">
   <p:cSld>
     <p:spTree>
@@ -14159,7 +13885,7 @@
               <a:t>var/log/</a:t>
             </a:r>
             <a:r>
-              <a:rPr lang="en-CA" sz="3200" smtClean="0">
+              <a:rPr lang="en-CA" sz="3200" dirty="0" err="1" smtClean="0">
                 <a:latin typeface="Courier New"/>
                 <a:ea typeface="Courier New"/>
                 <a:cs typeface="Courier New"/>
@@ -14290,7 +14016,7 @@
 </p:sld>
 </file>
 
-<file path=ppt/slides/slide42.xml><?xml version="1.0" encoding="utf-8"?>
+<file path=ppt/slides/slide41.xml><?xml version="1.0" encoding="utf-8"?>
 <p:sld xmlns:a="http://schemas.openxmlformats.org/drawingml/2006/main" xmlns:r="http://schemas.openxmlformats.org/officeDocument/2006/relationships" xmlns:p="http://schemas.openxmlformats.org/presentationml/2006/main">
   <p:cSld>
     <p:spTree>

--- a/dns/dns2-presentation.pptx
+++ b/dns/dns2-presentation.pptx
@@ -963,7 +963,7 @@
           </a:ln>
           <a:extLst>
             <a:ext uri="{C572A759-6A51-4108-AA02-DFA0A04FC94B}">
-              <ma14:wrappingTextBoxFlag xmlns:ma14="http://schemas.microsoft.com/office/mac/drawingml/2011/main" val="1"/>
+              <ma14:wrappingTextBoxFlag xmlns:ma14="http://schemas.microsoft.com/office/mac/drawingml/2011/main" xmlns="" val="1"/>
             </a:ext>
           </a:extLst>
         </p:spPr>
@@ -1027,7 +1027,7 @@
           </a:ln>
           <a:extLst>
             <a:ext uri="{C572A759-6A51-4108-AA02-DFA0A04FC94B}">
-              <ma14:wrappingTextBoxFlag xmlns:ma14="http://schemas.microsoft.com/office/mac/drawingml/2011/main" val="1"/>
+              <ma14:wrappingTextBoxFlag xmlns:ma14="http://schemas.microsoft.com/office/mac/drawingml/2011/main" xmlns="" val="1"/>
             </a:ext>
           </a:extLst>
         </p:spPr>
@@ -1060,14 +1060,20 @@
               <a:defRPr sz="1800"/>
             </a:pPr>
             <a:r>
-              <a:rPr sz="3100" dirty="0">
+              <a:rPr lang="en-US" sz="3100" dirty="0">
                 <a:latin typeface="Calibri"/>
                 <a:ea typeface="Calibri"/>
                 <a:cs typeface="Calibri"/>
                 <a:sym typeface="Calibri"/>
               </a:rPr>
-              <a:t>Joe Abley</a:t>
+              <a:t>Michuki Mwangi</a:t>
             </a:r>
+            <a:endParaRPr sz="3100" dirty="0">
+              <a:latin typeface="Calibri"/>
+              <a:ea typeface="Calibri"/>
+              <a:cs typeface="Calibri"/>
+              <a:sym typeface="Calibri"/>
+            </a:endParaRPr>
           </a:p>
           <a:p>
             <a:pPr lvl="0" algn="ctr" defTabSz="914400">
@@ -1099,16 +1105,7 @@
                 <a:cs typeface="Calibri"/>
                 <a:sym typeface="Calibri"/>
               </a:rPr>
-              <a:t>AfNOG Workshop, AIS </a:t>
-            </a:r>
-            <a:r>
-              <a:rPr sz="3100" dirty="0" smtClean="0">
-                <a:latin typeface="Calibri"/>
-                <a:ea typeface="Calibri"/>
-                <a:cs typeface="Calibri"/>
-                <a:sym typeface="Calibri"/>
-              </a:rPr>
-              <a:t>201</a:t>
+              <a:t>AfNOG Workshop, AIS 201</a:t>
             </a:r>
             <a:r>
               <a:rPr lang="en-US" sz="3100" dirty="0">
@@ -1117,10 +1114,10 @@
                 <a:cs typeface="Calibri"/>
                 <a:sym typeface="Calibri"/>
               </a:rPr>
-              <a:t>7</a:t>
+              <a:t>8</a:t>
             </a:r>
             <a:r>
-              <a:rPr sz="3100" dirty="0" smtClean="0">
+              <a:rPr sz="3100">
                 <a:latin typeface="Calibri"/>
                 <a:ea typeface="Calibri"/>
                 <a:cs typeface="Calibri"/>
@@ -1129,13 +1126,13 @@
               <a:t>, </a:t>
             </a:r>
             <a:r>
-              <a:rPr lang="en-US" sz="3100" dirty="0" smtClean="0">
+              <a:rPr lang="en-US" sz="3100">
                 <a:latin typeface="Calibri"/>
                 <a:ea typeface="Calibri"/>
                 <a:cs typeface="Calibri"/>
                 <a:sym typeface="Calibri"/>
               </a:rPr>
-              <a:t>Nairobi</a:t>
+              <a:t>Dakar</a:t>
             </a:r>
             <a:endParaRPr sz="3100" dirty="0">
               <a:latin typeface="Calibri"/>
@@ -1165,7 +1162,7 @@
           </a:ln>
           <a:extLst>
             <a:ext uri="{C572A759-6A51-4108-AA02-DFA0A04FC94B}">
-              <ma14:wrappingTextBoxFlag xmlns:ma14="http://schemas.microsoft.com/office/mac/drawingml/2011/main" val="1"/>
+              <ma14:wrappingTextBoxFlag xmlns:ma14="http://schemas.microsoft.com/office/mac/drawingml/2011/main" xmlns="" val="1"/>
             </a:ext>
           </a:extLst>
         </p:spPr>
@@ -1293,7 +1290,7 @@
           </a:ln>
           <a:extLst>
             <a:ext uri="{C572A759-6A51-4108-AA02-DFA0A04FC94B}">
-              <ma14:wrappingTextBoxFlag xmlns:ma14="http://schemas.microsoft.com/office/mac/drawingml/2011/main" val="1"/>
+              <ma14:wrappingTextBoxFlag xmlns:ma14="http://schemas.microsoft.com/office/mac/drawingml/2011/main" xmlns="" val="1"/>
             </a:ext>
           </a:extLst>
         </p:spPr>
@@ -1364,7 +1361,7 @@
           </a:ln>
           <a:extLst>
             <a:ext uri="{C572A759-6A51-4108-AA02-DFA0A04FC94B}">
-              <ma14:wrappingTextBoxFlag xmlns:ma14="http://schemas.microsoft.com/office/mac/drawingml/2011/main" val="1"/>
+              <ma14:wrappingTextBoxFlag xmlns:ma14="http://schemas.microsoft.com/office/mac/drawingml/2011/main" xmlns="" val="1"/>
             </a:ext>
           </a:extLst>
         </p:spPr>
@@ -1492,7 +1489,7 @@
           </a:ln>
           <a:extLst>
             <a:ext uri="{C572A759-6A51-4108-AA02-DFA0A04FC94B}">
-              <ma14:wrappingTextBoxFlag xmlns:ma14="http://schemas.microsoft.com/office/mac/drawingml/2011/main" val="1"/>
+              <ma14:wrappingTextBoxFlag xmlns:ma14="http://schemas.microsoft.com/office/mac/drawingml/2011/main" xmlns="" val="1"/>
             </a:ext>
           </a:extLst>
         </p:spPr>
@@ -1563,7 +1560,7 @@
           </a:ln>
           <a:extLst>
             <a:ext uri="{C572A759-6A51-4108-AA02-DFA0A04FC94B}">
-              <ma14:wrappingTextBoxFlag xmlns:ma14="http://schemas.microsoft.com/office/mac/drawingml/2011/main" val="1"/>
+              <ma14:wrappingTextBoxFlag xmlns:ma14="http://schemas.microsoft.com/office/mac/drawingml/2011/main" xmlns="" val="1"/>
             </a:ext>
           </a:extLst>
         </p:spPr>
@@ -1779,7 +1776,7 @@
           </a:ln>
           <a:extLst>
             <a:ext uri="{C572A759-6A51-4108-AA02-DFA0A04FC94B}">
-              <ma14:wrappingTextBoxFlag xmlns:ma14="http://schemas.microsoft.com/office/mac/drawingml/2011/main" val="1"/>
+              <ma14:wrappingTextBoxFlag xmlns:ma14="http://schemas.microsoft.com/office/mac/drawingml/2011/main" xmlns="" val="1"/>
             </a:ext>
           </a:extLst>
         </p:spPr>
@@ -1850,7 +1847,7 @@
           </a:ln>
           <a:extLst>
             <a:ext uri="{C572A759-6A51-4108-AA02-DFA0A04FC94B}">
-              <ma14:wrappingTextBoxFlag xmlns:ma14="http://schemas.microsoft.com/office/mac/drawingml/2011/main" val="1"/>
+              <ma14:wrappingTextBoxFlag xmlns:ma14="http://schemas.microsoft.com/office/mac/drawingml/2011/main" xmlns="" val="1"/>
             </a:ext>
           </a:extLst>
         </p:spPr>
@@ -2154,7 +2151,7 @@
           </a:ln>
           <a:extLst>
             <a:ext uri="{C572A759-6A51-4108-AA02-DFA0A04FC94B}">
-              <ma14:wrappingTextBoxFlag xmlns:ma14="http://schemas.microsoft.com/office/mac/drawingml/2011/main" val="1"/>
+              <ma14:wrappingTextBoxFlag xmlns:ma14="http://schemas.microsoft.com/office/mac/drawingml/2011/main" xmlns="" val="1"/>
             </a:ext>
           </a:extLst>
         </p:spPr>
@@ -2225,7 +2222,7 @@
           </a:ln>
           <a:extLst>
             <a:ext uri="{C572A759-6A51-4108-AA02-DFA0A04FC94B}">
-              <ma14:wrappingTextBoxFlag xmlns:ma14="http://schemas.microsoft.com/office/mac/drawingml/2011/main" val="1"/>
+              <ma14:wrappingTextBoxFlag xmlns:ma14="http://schemas.microsoft.com/office/mac/drawingml/2011/main" xmlns="" val="1"/>
             </a:ext>
           </a:extLst>
         </p:spPr>
@@ -2353,7 +2350,7 @@
           </a:ln>
           <a:extLst>
             <a:ext uri="{C572A759-6A51-4108-AA02-DFA0A04FC94B}">
-              <ma14:wrappingTextBoxFlag xmlns:ma14="http://schemas.microsoft.com/office/mac/drawingml/2011/main" val="1"/>
+              <ma14:wrappingTextBoxFlag xmlns:ma14="http://schemas.microsoft.com/office/mac/drawingml/2011/main" xmlns="" val="1"/>
             </a:ext>
           </a:extLst>
         </p:spPr>
@@ -2601,7 +2598,7 @@
               <a:effectLst/>
               <a:extLst>
                 <a:ext uri="{C572A759-6A51-4108-AA02-DFA0A04FC94B}">
-                  <ma14:wrappingTextBoxFlag xmlns:ma14="http://schemas.microsoft.com/office/mac/drawingml/2011/main" val="1"/>
+                  <ma14:wrappingTextBoxFlag xmlns:ma14="http://schemas.microsoft.com/office/mac/drawingml/2011/main" xmlns="" val="1"/>
                 </a:ext>
               </a:extLst>
             </p:spPr>
@@ -2672,7 +2669,7 @@
             <a:effectLst/>
             <a:extLst>
               <a:ext uri="{C572A759-6A51-4108-AA02-DFA0A04FC94B}">
-                <ma14:wrappingTextBoxFlag xmlns:ma14="http://schemas.microsoft.com/office/mac/drawingml/2011/main" val="1"/>
+                <ma14:wrappingTextBoxFlag xmlns:ma14="http://schemas.microsoft.com/office/mac/drawingml/2011/main" xmlns="" val="1"/>
               </a:ext>
             </a:extLst>
           </p:spPr>
@@ -2820,7 +2817,7 @@
             <a:effectLst/>
             <a:extLst>
               <a:ext uri="{C572A759-6A51-4108-AA02-DFA0A04FC94B}">
-                <ma14:wrappingTextBoxFlag xmlns:ma14="http://schemas.microsoft.com/office/mac/drawingml/2011/main" val="1"/>
+                <ma14:wrappingTextBoxFlag xmlns:ma14="http://schemas.microsoft.com/office/mac/drawingml/2011/main" xmlns="" val="1"/>
               </a:ext>
             </a:extLst>
           </p:spPr>
@@ -3002,7 +2999,7 @@
               <a:effectLst/>
               <a:extLst>
                 <a:ext uri="{C572A759-6A51-4108-AA02-DFA0A04FC94B}">
-                  <ma14:wrappingTextBoxFlag xmlns:ma14="http://schemas.microsoft.com/office/mac/drawingml/2011/main" val="1"/>
+                  <ma14:wrappingTextBoxFlag xmlns:ma14="http://schemas.microsoft.com/office/mac/drawingml/2011/main" xmlns="" val="1"/>
                 </a:ext>
               </a:extLst>
             </p:spPr>
@@ -3119,7 +3116,7 @@
             <a:effectLst/>
             <a:extLst>
               <a:ext uri="{C572A759-6A51-4108-AA02-DFA0A04FC94B}">
-                <ma14:wrappingTextBoxFlag xmlns:ma14="http://schemas.microsoft.com/office/mac/drawingml/2011/main" val="1"/>
+                <ma14:wrappingTextBoxFlag xmlns:ma14="http://schemas.microsoft.com/office/mac/drawingml/2011/main" xmlns="" val="1"/>
               </a:ext>
             </a:extLst>
           </p:spPr>
@@ -3267,7 +3264,7 @@
             <a:effectLst/>
             <a:extLst>
               <a:ext uri="{C572A759-6A51-4108-AA02-DFA0A04FC94B}">
-                <ma14:wrappingTextBoxFlag xmlns:ma14="http://schemas.microsoft.com/office/mac/drawingml/2011/main" val="1"/>
+                <ma14:wrappingTextBoxFlag xmlns:ma14="http://schemas.microsoft.com/office/mac/drawingml/2011/main" xmlns="" val="1"/>
               </a:ext>
             </a:extLst>
           </p:spPr>
@@ -3453,7 +3450,7 @@
               <a:effectLst/>
               <a:extLst>
                 <a:ext uri="{C572A759-6A51-4108-AA02-DFA0A04FC94B}">
-                  <ma14:wrappingTextBoxFlag xmlns:ma14="http://schemas.microsoft.com/office/mac/drawingml/2011/main" val="1"/>
+                  <ma14:wrappingTextBoxFlag xmlns:ma14="http://schemas.microsoft.com/office/mac/drawingml/2011/main" xmlns="" val="1"/>
                 </a:ext>
               </a:extLst>
             </p:spPr>
@@ -3586,7 +3583,7 @@
             <a:effectLst/>
             <a:extLst>
               <a:ext uri="{C572A759-6A51-4108-AA02-DFA0A04FC94B}">
-                <ma14:wrappingTextBoxFlag xmlns:ma14="http://schemas.microsoft.com/office/mac/drawingml/2011/main" val="1"/>
+                <ma14:wrappingTextBoxFlag xmlns:ma14="http://schemas.microsoft.com/office/mac/drawingml/2011/main" xmlns="" val="1"/>
               </a:ext>
             </a:extLst>
           </p:spPr>
@@ -3734,7 +3731,7 @@
             <a:effectLst/>
             <a:extLst>
               <a:ext uri="{C572A759-6A51-4108-AA02-DFA0A04FC94B}">
-                <ma14:wrappingTextBoxFlag xmlns:ma14="http://schemas.microsoft.com/office/mac/drawingml/2011/main" val="1"/>
+                <ma14:wrappingTextBoxFlag xmlns:ma14="http://schemas.microsoft.com/office/mac/drawingml/2011/main" xmlns="" val="1"/>
               </a:ext>
             </a:extLst>
           </p:spPr>
@@ -4199,7 +4196,7 @@
           </a:ln>
           <a:extLst>
             <a:ext uri="{C572A759-6A51-4108-AA02-DFA0A04FC94B}">
-              <ma14:wrappingTextBoxFlag xmlns:ma14="http://schemas.microsoft.com/office/mac/drawingml/2011/main" val="1"/>
+              <ma14:wrappingTextBoxFlag xmlns:ma14="http://schemas.microsoft.com/office/mac/drawingml/2011/main" xmlns="" val="1"/>
             </a:ext>
           </a:extLst>
         </p:spPr>
@@ -4401,7 +4398,7 @@
               <a:effectLst/>
               <a:extLst>
                 <a:ext uri="{C572A759-6A51-4108-AA02-DFA0A04FC94B}">
-                  <ma14:wrappingTextBoxFlag xmlns:ma14="http://schemas.microsoft.com/office/mac/drawingml/2011/main" val="1"/>
+                  <ma14:wrappingTextBoxFlag xmlns:ma14="http://schemas.microsoft.com/office/mac/drawingml/2011/main" xmlns="" val="1"/>
                 </a:ext>
               </a:extLst>
             </p:spPr>
@@ -4518,7 +4515,7 @@
             <a:effectLst/>
             <a:extLst>
               <a:ext uri="{C572A759-6A51-4108-AA02-DFA0A04FC94B}">
-                <ma14:wrappingTextBoxFlag xmlns:ma14="http://schemas.microsoft.com/office/mac/drawingml/2011/main" val="1"/>
+                <ma14:wrappingTextBoxFlag xmlns:ma14="http://schemas.microsoft.com/office/mac/drawingml/2011/main" xmlns="" val="1"/>
               </a:ext>
             </a:extLst>
           </p:spPr>
@@ -4666,7 +4663,7 @@
             <a:effectLst/>
             <a:extLst>
               <a:ext uri="{C572A759-6A51-4108-AA02-DFA0A04FC94B}">
-                <ma14:wrappingTextBoxFlag xmlns:ma14="http://schemas.microsoft.com/office/mac/drawingml/2011/main" val="1"/>
+                <ma14:wrappingTextBoxFlag xmlns:ma14="http://schemas.microsoft.com/office/mac/drawingml/2011/main" xmlns="" val="1"/>
               </a:ext>
             </a:extLst>
           </p:spPr>
@@ -4751,7 +4748,7 @@
           </a:ln>
           <a:extLst>
             <a:ext uri="{C572A759-6A51-4108-AA02-DFA0A04FC94B}">
-              <ma14:wrappingTextBoxFlag xmlns:ma14="http://schemas.microsoft.com/office/mac/drawingml/2011/main" val="1"/>
+              <ma14:wrappingTextBoxFlag xmlns:ma14="http://schemas.microsoft.com/office/mac/drawingml/2011/main" xmlns="" val="1"/>
             </a:ext>
           </a:extLst>
         </p:spPr>
@@ -5033,7 +5030,7 @@
           </a:ln>
           <a:extLst>
             <a:ext uri="{C572A759-6A51-4108-AA02-DFA0A04FC94B}">
-              <ma14:wrappingTextBoxFlag xmlns:ma14="http://schemas.microsoft.com/office/mac/drawingml/2011/main" val="1"/>
+              <ma14:wrappingTextBoxFlag xmlns:ma14="http://schemas.microsoft.com/office/mac/drawingml/2011/main" xmlns="" val="1"/>
             </a:ext>
           </a:extLst>
         </p:spPr>
@@ -5104,7 +5101,7 @@
           </a:ln>
           <a:extLst>
             <a:ext uri="{C572A759-6A51-4108-AA02-DFA0A04FC94B}">
-              <ma14:wrappingTextBoxFlag xmlns:ma14="http://schemas.microsoft.com/office/mac/drawingml/2011/main" val="1"/>
+              <ma14:wrappingTextBoxFlag xmlns:ma14="http://schemas.microsoft.com/office/mac/drawingml/2011/main" xmlns="" val="1"/>
             </a:ext>
           </a:extLst>
         </p:spPr>
@@ -5232,7 +5229,7 @@
           </a:ln>
           <a:extLst>
             <a:ext uri="{C572A759-6A51-4108-AA02-DFA0A04FC94B}">
-              <ma14:wrappingTextBoxFlag xmlns:ma14="http://schemas.microsoft.com/office/mac/drawingml/2011/main" val="1"/>
+              <ma14:wrappingTextBoxFlag xmlns:ma14="http://schemas.microsoft.com/office/mac/drawingml/2011/main" xmlns="" val="1"/>
             </a:ext>
           </a:extLst>
         </p:spPr>
@@ -5303,7 +5300,7 @@
           </a:ln>
           <a:extLst>
             <a:ext uri="{C572A759-6A51-4108-AA02-DFA0A04FC94B}">
-              <ma14:wrappingTextBoxFlag xmlns:ma14="http://schemas.microsoft.com/office/mac/drawingml/2011/main" val="1"/>
+              <ma14:wrappingTextBoxFlag xmlns:ma14="http://schemas.microsoft.com/office/mac/drawingml/2011/main" xmlns="" val="1"/>
             </a:ext>
           </a:extLst>
         </p:spPr>
@@ -5465,7 +5462,7 @@
           </a:ln>
           <a:extLst>
             <a:ext uri="{C572A759-6A51-4108-AA02-DFA0A04FC94B}">
-              <ma14:wrappingTextBoxFlag xmlns:ma14="http://schemas.microsoft.com/office/mac/drawingml/2011/main" val="1"/>
+              <ma14:wrappingTextBoxFlag xmlns:ma14="http://schemas.microsoft.com/office/mac/drawingml/2011/main" xmlns="" val="1"/>
             </a:ext>
           </a:extLst>
         </p:spPr>
@@ -5536,7 +5533,7 @@
           </a:ln>
           <a:extLst>
             <a:ext uri="{C572A759-6A51-4108-AA02-DFA0A04FC94B}">
-              <ma14:wrappingTextBoxFlag xmlns:ma14="http://schemas.microsoft.com/office/mac/drawingml/2011/main" val="1"/>
+              <ma14:wrappingTextBoxFlag xmlns:ma14="http://schemas.microsoft.com/office/mac/drawingml/2011/main" xmlns="" val="1"/>
             </a:ext>
           </a:extLst>
         </p:spPr>
@@ -5732,7 +5729,7 @@
           </a:ln>
           <a:extLst>
             <a:ext uri="{C572A759-6A51-4108-AA02-DFA0A04FC94B}">
-              <ma14:wrappingTextBoxFlag xmlns:ma14="http://schemas.microsoft.com/office/mac/drawingml/2011/main" val="1"/>
+              <ma14:wrappingTextBoxFlag xmlns:ma14="http://schemas.microsoft.com/office/mac/drawingml/2011/main" xmlns="" val="1"/>
             </a:ext>
           </a:extLst>
         </p:spPr>
@@ -5803,7 +5800,7 @@
           </a:ln>
           <a:extLst>
             <a:ext uri="{C572A759-6A51-4108-AA02-DFA0A04FC94B}">
-              <ma14:wrappingTextBoxFlag xmlns:ma14="http://schemas.microsoft.com/office/mac/drawingml/2011/main" val="1"/>
+              <ma14:wrappingTextBoxFlag xmlns:ma14="http://schemas.microsoft.com/office/mac/drawingml/2011/main" xmlns="" val="1"/>
             </a:ext>
           </a:extLst>
         </p:spPr>
@@ -5903,7 +5900,7 @@
           </a:ln>
           <a:extLst>
             <a:ext uri="{C572A759-6A51-4108-AA02-DFA0A04FC94B}">
-              <ma14:wrappingTextBoxFlag xmlns:ma14="http://schemas.microsoft.com/office/mac/drawingml/2011/main" val="1"/>
+              <ma14:wrappingTextBoxFlag xmlns:ma14="http://schemas.microsoft.com/office/mac/drawingml/2011/main" xmlns="" val="1"/>
             </a:ext>
           </a:extLst>
         </p:spPr>
@@ -6008,7 +6005,7 @@
           </a:ln>
           <a:extLst>
             <a:ext uri="{C572A759-6A51-4108-AA02-DFA0A04FC94B}">
-              <ma14:wrappingTextBoxFlag xmlns:ma14="http://schemas.microsoft.com/office/mac/drawingml/2011/main" val="1"/>
+              <ma14:wrappingTextBoxFlag xmlns:ma14="http://schemas.microsoft.com/office/mac/drawingml/2011/main" xmlns="" val="1"/>
             </a:ext>
           </a:extLst>
         </p:spPr>
@@ -6113,7 +6110,7 @@
           </a:ln>
           <a:extLst>
             <a:ext uri="{C572A759-6A51-4108-AA02-DFA0A04FC94B}">
-              <ma14:wrappingTextBoxFlag xmlns:ma14="http://schemas.microsoft.com/office/mac/drawingml/2011/main" val="1"/>
+              <ma14:wrappingTextBoxFlag xmlns:ma14="http://schemas.microsoft.com/office/mac/drawingml/2011/main" xmlns="" val="1"/>
             </a:ext>
           </a:extLst>
         </p:spPr>
@@ -6184,7 +6181,7 @@
           </a:ln>
           <a:extLst>
             <a:ext uri="{C572A759-6A51-4108-AA02-DFA0A04FC94B}">
-              <ma14:wrappingTextBoxFlag xmlns:ma14="http://schemas.microsoft.com/office/mac/drawingml/2011/main" val="1"/>
+              <ma14:wrappingTextBoxFlag xmlns:ma14="http://schemas.microsoft.com/office/mac/drawingml/2011/main" xmlns="" val="1"/>
             </a:ext>
           </a:extLst>
         </p:spPr>
@@ -6312,7 +6309,7 @@
           </a:ln>
           <a:extLst>
             <a:ext uri="{C572A759-6A51-4108-AA02-DFA0A04FC94B}">
-              <ma14:wrappingTextBoxFlag xmlns:ma14="http://schemas.microsoft.com/office/mac/drawingml/2011/main" val="1"/>
+              <ma14:wrappingTextBoxFlag xmlns:ma14="http://schemas.microsoft.com/office/mac/drawingml/2011/main" xmlns="" val="1"/>
             </a:ext>
           </a:extLst>
         </p:spPr>
@@ -6383,7 +6380,7 @@
           </a:ln>
           <a:extLst>
             <a:ext uri="{C572A759-6A51-4108-AA02-DFA0A04FC94B}">
-              <ma14:wrappingTextBoxFlag xmlns:ma14="http://schemas.microsoft.com/office/mac/drawingml/2011/main" val="1"/>
+              <ma14:wrappingTextBoxFlag xmlns:ma14="http://schemas.microsoft.com/office/mac/drawingml/2011/main" xmlns="" val="1"/>
             </a:ext>
           </a:extLst>
         </p:spPr>
@@ -6520,7 +6517,7 @@
           </a:ln>
           <a:extLst>
             <a:ext uri="{C572A759-6A51-4108-AA02-DFA0A04FC94B}">
-              <ma14:wrappingTextBoxFlag xmlns:ma14="http://schemas.microsoft.com/office/mac/drawingml/2011/main" val="1"/>
+              <ma14:wrappingTextBoxFlag xmlns:ma14="http://schemas.microsoft.com/office/mac/drawingml/2011/main" xmlns="" val="1"/>
             </a:ext>
           </a:extLst>
         </p:spPr>
@@ -6591,7 +6588,7 @@
           </a:ln>
           <a:extLst>
             <a:ext uri="{C572A759-6A51-4108-AA02-DFA0A04FC94B}">
-              <ma14:wrappingTextBoxFlag xmlns:ma14="http://schemas.microsoft.com/office/mac/drawingml/2011/main" val="1"/>
+              <ma14:wrappingTextBoxFlag xmlns:ma14="http://schemas.microsoft.com/office/mac/drawingml/2011/main" xmlns="" val="1"/>
             </a:ext>
           </a:extLst>
         </p:spPr>
@@ -6821,7 +6818,7 @@
           </a:ln>
           <a:extLst>
             <a:ext uri="{C572A759-6A51-4108-AA02-DFA0A04FC94B}">
-              <ma14:wrappingTextBoxFlag xmlns:ma14="http://schemas.microsoft.com/office/mac/drawingml/2011/main" val="1"/>
+              <ma14:wrappingTextBoxFlag xmlns:ma14="http://schemas.microsoft.com/office/mac/drawingml/2011/main" xmlns="" val="1"/>
             </a:ext>
           </a:extLst>
         </p:spPr>
@@ -6892,7 +6889,7 @@
           </a:ln>
           <a:extLst>
             <a:ext uri="{C572A759-6A51-4108-AA02-DFA0A04FC94B}">
-              <ma14:wrappingTextBoxFlag xmlns:ma14="http://schemas.microsoft.com/office/mac/drawingml/2011/main" val="1"/>
+              <ma14:wrappingTextBoxFlag xmlns:ma14="http://schemas.microsoft.com/office/mac/drawingml/2011/main" xmlns="" val="1"/>
             </a:ext>
           </a:extLst>
         </p:spPr>
@@ -7088,7 +7085,7 @@
           </a:ln>
           <a:extLst>
             <a:ext uri="{C572A759-6A51-4108-AA02-DFA0A04FC94B}">
-              <ma14:wrappingTextBoxFlag xmlns:ma14="http://schemas.microsoft.com/office/mac/drawingml/2011/main" val="1"/>
+              <ma14:wrappingTextBoxFlag xmlns:ma14="http://schemas.microsoft.com/office/mac/drawingml/2011/main" xmlns="" val="1"/>
             </a:ext>
           </a:extLst>
         </p:spPr>
@@ -7159,7 +7156,7 @@
           </a:ln>
           <a:extLst>
             <a:ext uri="{C572A759-6A51-4108-AA02-DFA0A04FC94B}">
-              <ma14:wrappingTextBoxFlag xmlns:ma14="http://schemas.microsoft.com/office/mac/drawingml/2011/main" val="1"/>
+              <ma14:wrappingTextBoxFlag xmlns:ma14="http://schemas.microsoft.com/office/mac/drawingml/2011/main" xmlns="" val="1"/>
             </a:ext>
           </a:extLst>
         </p:spPr>
@@ -7287,7 +7284,7 @@
           </a:ln>
           <a:extLst>
             <a:ext uri="{C572A759-6A51-4108-AA02-DFA0A04FC94B}">
-              <ma14:wrappingTextBoxFlag xmlns:ma14="http://schemas.microsoft.com/office/mac/drawingml/2011/main" val="1"/>
+              <ma14:wrappingTextBoxFlag xmlns:ma14="http://schemas.microsoft.com/office/mac/drawingml/2011/main" xmlns="" val="1"/>
             </a:ext>
           </a:extLst>
         </p:spPr>
@@ -7358,7 +7355,7 @@
           </a:ln>
           <a:extLst>
             <a:ext uri="{C572A759-6A51-4108-AA02-DFA0A04FC94B}">
-              <ma14:wrappingTextBoxFlag xmlns:ma14="http://schemas.microsoft.com/office/mac/drawingml/2011/main" val="1"/>
+              <ma14:wrappingTextBoxFlag xmlns:ma14="http://schemas.microsoft.com/office/mac/drawingml/2011/main" xmlns="" val="1"/>
             </a:ext>
           </a:extLst>
         </p:spPr>
@@ -7560,7 +7557,7 @@
           </a:ln>
           <a:extLst>
             <a:ext uri="{C572A759-6A51-4108-AA02-DFA0A04FC94B}">
-              <ma14:wrappingTextBoxFlag xmlns:ma14="http://schemas.microsoft.com/office/mac/drawingml/2011/main" val="1"/>
+              <ma14:wrappingTextBoxFlag xmlns:ma14="http://schemas.microsoft.com/office/mac/drawingml/2011/main" xmlns="" val="1"/>
             </a:ext>
           </a:extLst>
         </p:spPr>
@@ -7631,7 +7628,7 @@
           </a:ln>
           <a:extLst>
             <a:ext uri="{C572A759-6A51-4108-AA02-DFA0A04FC94B}">
-              <ma14:wrappingTextBoxFlag xmlns:ma14="http://schemas.microsoft.com/office/mac/drawingml/2011/main" val="1"/>
+              <ma14:wrappingTextBoxFlag xmlns:ma14="http://schemas.microsoft.com/office/mac/drawingml/2011/main" xmlns="" val="1"/>
             </a:ext>
           </a:extLst>
         </p:spPr>
@@ -7830,7 +7827,7 @@
           </a:ln>
           <a:extLst>
             <a:ext uri="{C572A759-6A51-4108-AA02-DFA0A04FC94B}">
-              <ma14:wrappingTextBoxFlag xmlns:ma14="http://schemas.microsoft.com/office/mac/drawingml/2011/main" val="1"/>
+              <ma14:wrappingTextBoxFlag xmlns:ma14="http://schemas.microsoft.com/office/mac/drawingml/2011/main" xmlns="" val="1"/>
             </a:ext>
           </a:extLst>
         </p:spPr>
@@ -7901,7 +7898,7 @@
           </a:ln>
           <a:extLst>
             <a:ext uri="{C572A759-6A51-4108-AA02-DFA0A04FC94B}">
-              <ma14:wrappingTextBoxFlag xmlns:ma14="http://schemas.microsoft.com/office/mac/drawingml/2011/main" val="1"/>
+              <ma14:wrappingTextBoxFlag xmlns:ma14="http://schemas.microsoft.com/office/mac/drawingml/2011/main" xmlns="" val="1"/>
             </a:ext>
           </a:extLst>
         </p:spPr>
@@ -7998,7 +7995,7 @@
           </a:ln>
           <a:extLst>
             <a:ext uri="{C572A759-6A51-4108-AA02-DFA0A04FC94B}">
-              <ma14:wrappingTextBoxFlag xmlns:ma14="http://schemas.microsoft.com/office/mac/drawingml/2011/main" val="1"/>
+              <ma14:wrappingTextBoxFlag xmlns:ma14="http://schemas.microsoft.com/office/mac/drawingml/2011/main" xmlns="" val="1"/>
             </a:ext>
           </a:extLst>
         </p:spPr>
@@ -8069,7 +8066,7 @@
           </a:ln>
           <a:extLst>
             <a:ext uri="{C572A759-6A51-4108-AA02-DFA0A04FC94B}">
-              <ma14:wrappingTextBoxFlag xmlns:ma14="http://schemas.microsoft.com/office/mac/drawingml/2011/main" val="1"/>
+              <ma14:wrappingTextBoxFlag xmlns:ma14="http://schemas.microsoft.com/office/mac/drawingml/2011/main" xmlns="" val="1"/>
             </a:ext>
           </a:extLst>
         </p:spPr>
@@ -8265,7 +8262,7 @@
           </a:ln>
           <a:extLst>
             <a:ext uri="{C572A759-6A51-4108-AA02-DFA0A04FC94B}">
-              <ma14:wrappingTextBoxFlag xmlns:ma14="http://schemas.microsoft.com/office/mac/drawingml/2011/main" val="1"/>
+              <ma14:wrappingTextBoxFlag xmlns:ma14="http://schemas.microsoft.com/office/mac/drawingml/2011/main" xmlns="" val="1"/>
             </a:ext>
           </a:extLst>
         </p:spPr>
@@ -8336,7 +8333,7 @@
           </a:ln>
           <a:extLst>
             <a:ext uri="{C572A759-6A51-4108-AA02-DFA0A04FC94B}">
-              <ma14:wrappingTextBoxFlag xmlns:ma14="http://schemas.microsoft.com/office/mac/drawingml/2011/main" val="1"/>
+              <ma14:wrappingTextBoxFlag xmlns:ma14="http://schemas.microsoft.com/office/mac/drawingml/2011/main" xmlns="" val="1"/>
             </a:ext>
           </a:extLst>
         </p:spPr>
@@ -8486,7 +8483,7 @@
             <a:effectLst/>
             <a:extLst>
               <a:ext uri="{C572A759-6A51-4108-AA02-DFA0A04FC94B}">
-                <ma14:wrappingTextBoxFlag xmlns:ma14="http://schemas.microsoft.com/office/mac/drawingml/2011/main" val="1"/>
+                <ma14:wrappingTextBoxFlag xmlns:ma14="http://schemas.microsoft.com/office/mac/drawingml/2011/main" xmlns="" val="1"/>
               </a:ext>
             </a:extLst>
           </p:spPr>
@@ -8649,7 +8646,7 @@
               <a:effectLst/>
               <a:extLst>
                 <a:ext uri="{C572A759-6A51-4108-AA02-DFA0A04FC94B}">
-                  <ma14:wrappingTextBoxFlag xmlns:ma14="http://schemas.microsoft.com/office/mac/drawingml/2011/main" val="1"/>
+                  <ma14:wrappingTextBoxFlag xmlns:ma14="http://schemas.microsoft.com/office/mac/drawingml/2011/main" xmlns="" val="1"/>
                 </a:ext>
               </a:extLst>
             </p:spPr>
@@ -8764,7 +8761,7 @@
             <a:effectLst/>
             <a:extLst>
               <a:ext uri="{C572A759-6A51-4108-AA02-DFA0A04FC94B}">
-                <ma14:wrappingTextBoxFlag xmlns:ma14="http://schemas.microsoft.com/office/mac/drawingml/2011/main" val="1"/>
+                <ma14:wrappingTextBoxFlag xmlns:ma14="http://schemas.microsoft.com/office/mac/drawingml/2011/main" xmlns="" val="1"/>
               </a:ext>
             </a:extLst>
           </p:spPr>
@@ -8912,7 +8909,7 @@
             <a:effectLst/>
             <a:extLst>
               <a:ext uri="{C572A759-6A51-4108-AA02-DFA0A04FC94B}">
-                <ma14:wrappingTextBoxFlag xmlns:ma14="http://schemas.microsoft.com/office/mac/drawingml/2011/main" val="1"/>
+                <ma14:wrappingTextBoxFlag xmlns:ma14="http://schemas.microsoft.com/office/mac/drawingml/2011/main" xmlns="" val="1"/>
               </a:ext>
             </a:extLst>
           </p:spPr>
@@ -9165,7 +9162,7 @@
           </a:ln>
           <a:extLst>
             <a:ext uri="{C572A759-6A51-4108-AA02-DFA0A04FC94B}">
-              <ma14:wrappingTextBoxFlag xmlns:ma14="http://schemas.microsoft.com/office/mac/drawingml/2011/main" val="1"/>
+              <ma14:wrappingTextBoxFlag xmlns:ma14="http://schemas.microsoft.com/office/mac/drawingml/2011/main" xmlns="" val="1"/>
             </a:ext>
           </a:extLst>
         </p:spPr>
@@ -9236,7 +9233,7 @@
           </a:ln>
           <a:extLst>
             <a:ext uri="{C572A759-6A51-4108-AA02-DFA0A04FC94B}">
-              <ma14:wrappingTextBoxFlag xmlns:ma14="http://schemas.microsoft.com/office/mac/drawingml/2011/main" val="1"/>
+              <ma14:wrappingTextBoxFlag xmlns:ma14="http://schemas.microsoft.com/office/mac/drawingml/2011/main" xmlns="" val="1"/>
             </a:ext>
           </a:extLst>
         </p:spPr>
@@ -9414,7 +9411,7 @@
           </a:ln>
           <a:extLst>
             <a:ext uri="{C572A759-6A51-4108-AA02-DFA0A04FC94B}">
-              <ma14:wrappingTextBoxFlag xmlns:ma14="http://schemas.microsoft.com/office/mac/drawingml/2011/main" val="1"/>
+              <ma14:wrappingTextBoxFlag xmlns:ma14="http://schemas.microsoft.com/office/mac/drawingml/2011/main" xmlns="" val="1"/>
             </a:ext>
           </a:extLst>
         </p:spPr>
@@ -9610,7 +9607,7 @@
           </a:ln>
           <a:extLst>
             <a:ext uri="{C572A759-6A51-4108-AA02-DFA0A04FC94B}">
-              <ma14:wrappingTextBoxFlag xmlns:ma14="http://schemas.microsoft.com/office/mac/drawingml/2011/main" val="1"/>
+              <ma14:wrappingTextBoxFlag xmlns:ma14="http://schemas.microsoft.com/office/mac/drawingml/2011/main" xmlns="" val="1"/>
             </a:ext>
           </a:extLst>
         </p:spPr>
@@ -9694,7 +9691,7 @@
           </a:ln>
           <a:extLst>
             <a:ext uri="{C572A759-6A51-4108-AA02-DFA0A04FC94B}">
-              <ma14:wrappingTextBoxFlag xmlns:ma14="http://schemas.microsoft.com/office/mac/drawingml/2011/main" val="1"/>
+              <ma14:wrappingTextBoxFlag xmlns:ma14="http://schemas.microsoft.com/office/mac/drawingml/2011/main" xmlns="" val="1"/>
             </a:ext>
           </a:extLst>
         </p:spPr>
@@ -9778,7 +9775,7 @@
           </a:ln>
           <a:extLst>
             <a:ext uri="{C572A759-6A51-4108-AA02-DFA0A04FC94B}">
-              <ma14:wrappingTextBoxFlag xmlns:ma14="http://schemas.microsoft.com/office/mac/drawingml/2011/main" val="1"/>
+              <ma14:wrappingTextBoxFlag xmlns:ma14="http://schemas.microsoft.com/office/mac/drawingml/2011/main" xmlns="" val="1"/>
             </a:ext>
           </a:extLst>
         </p:spPr>
@@ -9892,7 +9889,7 @@
           </a:ln>
           <a:extLst>
             <a:ext uri="{C572A759-6A51-4108-AA02-DFA0A04FC94B}">
-              <ma14:wrappingTextBoxFlag xmlns:ma14="http://schemas.microsoft.com/office/mac/drawingml/2011/main" val="1"/>
+              <ma14:wrappingTextBoxFlag xmlns:ma14="http://schemas.microsoft.com/office/mac/drawingml/2011/main" xmlns="" val="1"/>
             </a:ext>
           </a:extLst>
         </p:spPr>
@@ -9963,7 +9960,7 @@
           </a:ln>
           <a:extLst>
             <a:ext uri="{C572A759-6A51-4108-AA02-DFA0A04FC94B}">
-              <ma14:wrappingTextBoxFlag xmlns:ma14="http://schemas.microsoft.com/office/mac/drawingml/2011/main" val="1"/>
+              <ma14:wrappingTextBoxFlag xmlns:ma14="http://schemas.microsoft.com/office/mac/drawingml/2011/main" xmlns="" val="1"/>
             </a:ext>
           </a:extLst>
         </p:spPr>
@@ -10141,7 +10138,7 @@
           </a:ln>
           <a:extLst>
             <a:ext uri="{C572A759-6A51-4108-AA02-DFA0A04FC94B}">
-              <ma14:wrappingTextBoxFlag xmlns:ma14="http://schemas.microsoft.com/office/mac/drawingml/2011/main" val="1"/>
+              <ma14:wrappingTextBoxFlag xmlns:ma14="http://schemas.microsoft.com/office/mac/drawingml/2011/main" xmlns="" val="1"/>
             </a:ext>
           </a:extLst>
         </p:spPr>
@@ -10372,7 +10369,7 @@
           </a:ln>
           <a:extLst>
             <a:ext uri="{C572A759-6A51-4108-AA02-DFA0A04FC94B}">
-              <ma14:wrappingTextBoxFlag xmlns:ma14="http://schemas.microsoft.com/office/mac/drawingml/2011/main" val="1"/>
+              <ma14:wrappingTextBoxFlag xmlns:ma14="http://schemas.microsoft.com/office/mac/drawingml/2011/main" xmlns="" val="1"/>
             </a:ext>
           </a:extLst>
         </p:spPr>
@@ -10456,7 +10453,7 @@
           </a:ln>
           <a:extLst>
             <a:ext uri="{C572A759-6A51-4108-AA02-DFA0A04FC94B}">
-              <ma14:wrappingTextBoxFlag xmlns:ma14="http://schemas.microsoft.com/office/mac/drawingml/2011/main" val="1"/>
+              <ma14:wrappingTextBoxFlag xmlns:ma14="http://schemas.microsoft.com/office/mac/drawingml/2011/main" xmlns="" val="1"/>
             </a:ext>
           </a:extLst>
         </p:spPr>
@@ -10540,7 +10537,7 @@
           </a:ln>
           <a:extLst>
             <a:ext uri="{C572A759-6A51-4108-AA02-DFA0A04FC94B}">
-              <ma14:wrappingTextBoxFlag xmlns:ma14="http://schemas.microsoft.com/office/mac/drawingml/2011/main" val="1"/>
+              <ma14:wrappingTextBoxFlag xmlns:ma14="http://schemas.microsoft.com/office/mac/drawingml/2011/main" xmlns="" val="1"/>
             </a:ext>
           </a:extLst>
         </p:spPr>
@@ -10654,7 +10651,7 @@
           </a:ln>
           <a:extLst>
             <a:ext uri="{C572A759-6A51-4108-AA02-DFA0A04FC94B}">
-              <ma14:wrappingTextBoxFlag xmlns:ma14="http://schemas.microsoft.com/office/mac/drawingml/2011/main" val="1"/>
+              <ma14:wrappingTextBoxFlag xmlns:ma14="http://schemas.microsoft.com/office/mac/drawingml/2011/main" xmlns="" val="1"/>
             </a:ext>
           </a:extLst>
         </p:spPr>
@@ -10725,7 +10722,7 @@
           </a:ln>
           <a:extLst>
             <a:ext uri="{C572A759-6A51-4108-AA02-DFA0A04FC94B}">
-              <ma14:wrappingTextBoxFlag xmlns:ma14="http://schemas.microsoft.com/office/mac/drawingml/2011/main" val="1"/>
+              <ma14:wrappingTextBoxFlag xmlns:ma14="http://schemas.microsoft.com/office/mac/drawingml/2011/main" xmlns="" val="1"/>
             </a:ext>
           </a:extLst>
         </p:spPr>
@@ -11015,7 +11012,7 @@
           </a:ln>
           <a:extLst>
             <a:ext uri="{C572A759-6A51-4108-AA02-DFA0A04FC94B}">
-              <ma14:wrappingTextBoxFlag xmlns:ma14="http://schemas.microsoft.com/office/mac/drawingml/2011/main" val="1"/>
+              <ma14:wrappingTextBoxFlag xmlns:ma14="http://schemas.microsoft.com/office/mac/drawingml/2011/main" xmlns="" val="1"/>
             </a:ext>
           </a:extLst>
         </p:spPr>
@@ -11090,7 +11087,7 @@
           </a:ln>
           <a:extLst>
             <a:ext uri="{C572A759-6A51-4108-AA02-DFA0A04FC94B}">
-              <ma14:wrappingTextBoxFlag xmlns:ma14="http://schemas.microsoft.com/office/mac/drawingml/2011/main" val="1"/>
+              <ma14:wrappingTextBoxFlag xmlns:ma14="http://schemas.microsoft.com/office/mac/drawingml/2011/main" xmlns="" val="1"/>
             </a:ext>
           </a:extLst>
         </p:spPr>
@@ -11160,7 +11157,7 @@
           </a:ln>
           <a:extLst>
             <a:ext uri="{C572A759-6A51-4108-AA02-DFA0A04FC94B}">
-              <ma14:wrappingTextBoxFlag xmlns:ma14="http://schemas.microsoft.com/office/mac/drawingml/2011/main" val="1"/>
+              <ma14:wrappingTextBoxFlag xmlns:ma14="http://schemas.microsoft.com/office/mac/drawingml/2011/main" xmlns="" val="1"/>
             </a:ext>
           </a:extLst>
         </p:spPr>
@@ -11331,7 +11328,7 @@
           </a:ln>
           <a:extLst>
             <a:ext uri="{C572A759-6A51-4108-AA02-DFA0A04FC94B}">
-              <ma14:wrappingTextBoxFlag xmlns:ma14="http://schemas.microsoft.com/office/mac/drawingml/2011/main" val="1"/>
+              <ma14:wrappingTextBoxFlag xmlns:ma14="http://schemas.microsoft.com/office/mac/drawingml/2011/main" xmlns="" val="1"/>
             </a:ext>
           </a:extLst>
         </p:spPr>
@@ -11404,7 +11401,7 @@
           </a:ln>
           <a:extLst>
             <a:ext uri="{C572A759-6A51-4108-AA02-DFA0A04FC94B}">
-              <ma14:wrappingTextBoxFlag xmlns:ma14="http://schemas.microsoft.com/office/mac/drawingml/2011/main" val="1"/>
+              <ma14:wrappingTextBoxFlag xmlns:ma14="http://schemas.microsoft.com/office/mac/drawingml/2011/main" xmlns="" val="1"/>
             </a:ext>
           </a:extLst>
         </p:spPr>
@@ -11507,7 +11504,7 @@
           </a:ln>
           <a:extLst>
             <a:ext uri="{C572A759-6A51-4108-AA02-DFA0A04FC94B}">
-              <ma14:wrappingTextBoxFlag xmlns:ma14="http://schemas.microsoft.com/office/mac/drawingml/2011/main" val="1"/>
+              <ma14:wrappingTextBoxFlag xmlns:ma14="http://schemas.microsoft.com/office/mac/drawingml/2011/main" xmlns="" val="1"/>
             </a:ext>
           </a:extLst>
         </p:spPr>
@@ -11582,7 +11579,7 @@
           </a:ln>
           <a:extLst>
             <a:ext uri="{C572A759-6A51-4108-AA02-DFA0A04FC94B}">
-              <ma14:wrappingTextBoxFlag xmlns:ma14="http://schemas.microsoft.com/office/mac/drawingml/2011/main" val="1"/>
+              <ma14:wrappingTextBoxFlag xmlns:ma14="http://schemas.microsoft.com/office/mac/drawingml/2011/main" xmlns="" val="1"/>
             </a:ext>
           </a:extLst>
         </p:spPr>
@@ -11753,7 +11750,7 @@
           </a:ln>
           <a:extLst>
             <a:ext uri="{C572A759-6A51-4108-AA02-DFA0A04FC94B}">
-              <ma14:wrappingTextBoxFlag xmlns:ma14="http://schemas.microsoft.com/office/mac/drawingml/2011/main" val="1"/>
+              <ma14:wrappingTextBoxFlag xmlns:ma14="http://schemas.microsoft.com/office/mac/drawingml/2011/main" xmlns="" val="1"/>
             </a:ext>
           </a:extLst>
         </p:spPr>
@@ -11828,7 +11825,7 @@
           </a:ln>
           <a:extLst>
             <a:ext uri="{C572A759-6A51-4108-AA02-DFA0A04FC94B}">
-              <ma14:wrappingTextBoxFlag xmlns:ma14="http://schemas.microsoft.com/office/mac/drawingml/2011/main" val="1"/>
+              <ma14:wrappingTextBoxFlag xmlns:ma14="http://schemas.microsoft.com/office/mac/drawingml/2011/main" xmlns="" val="1"/>
             </a:ext>
           </a:extLst>
         </p:spPr>
@@ -12104,7 +12101,7 @@
           </a:ln>
           <a:extLst>
             <a:ext uri="{C572A759-6A51-4108-AA02-DFA0A04FC94B}">
-              <ma14:wrappingTextBoxFlag xmlns:ma14="http://schemas.microsoft.com/office/mac/drawingml/2011/main" val="1"/>
+              <ma14:wrappingTextBoxFlag xmlns:ma14="http://schemas.microsoft.com/office/mac/drawingml/2011/main" xmlns="" val="1"/>
             </a:ext>
           </a:extLst>
         </p:spPr>
@@ -12175,7 +12172,7 @@
           </a:ln>
           <a:extLst>
             <a:ext uri="{C572A759-6A51-4108-AA02-DFA0A04FC94B}">
-              <ma14:wrappingTextBoxFlag xmlns:ma14="http://schemas.microsoft.com/office/mac/drawingml/2011/main" val="1"/>
+              <ma14:wrappingTextBoxFlag xmlns:ma14="http://schemas.microsoft.com/office/mac/drawingml/2011/main" xmlns="" val="1"/>
             </a:ext>
           </a:extLst>
         </p:spPr>
@@ -12275,7 +12272,7 @@
           </a:ln>
           <a:extLst>
             <a:ext uri="{C572A759-6A51-4108-AA02-DFA0A04FC94B}">
-              <ma14:wrappingTextBoxFlag xmlns:ma14="http://schemas.microsoft.com/office/mac/drawingml/2011/main" val="1"/>
+              <ma14:wrappingTextBoxFlag xmlns:ma14="http://schemas.microsoft.com/office/mac/drawingml/2011/main" xmlns="" val="1"/>
             </a:ext>
           </a:extLst>
         </p:spPr>
@@ -12346,7 +12343,7 @@
           </a:ln>
           <a:extLst>
             <a:ext uri="{C572A759-6A51-4108-AA02-DFA0A04FC94B}">
-              <ma14:wrappingTextBoxFlag xmlns:ma14="http://schemas.microsoft.com/office/mac/drawingml/2011/main" val="1"/>
+              <ma14:wrappingTextBoxFlag xmlns:ma14="http://schemas.microsoft.com/office/mac/drawingml/2011/main" xmlns="" val="1"/>
             </a:ext>
           </a:extLst>
         </p:spPr>
@@ -12583,7 +12580,7 @@
           </a:ln>
           <a:extLst>
             <a:ext uri="{C572A759-6A51-4108-AA02-DFA0A04FC94B}">
-              <ma14:wrappingTextBoxFlag xmlns:ma14="http://schemas.microsoft.com/office/mac/drawingml/2011/main" val="1"/>
+              <ma14:wrappingTextBoxFlag xmlns:ma14="http://schemas.microsoft.com/office/mac/drawingml/2011/main" xmlns="" val="1"/>
             </a:ext>
           </a:extLst>
         </p:spPr>
@@ -12654,7 +12651,7 @@
           </a:ln>
           <a:extLst>
             <a:ext uri="{C572A759-6A51-4108-AA02-DFA0A04FC94B}">
-              <ma14:wrappingTextBoxFlag xmlns:ma14="http://schemas.microsoft.com/office/mac/drawingml/2011/main" val="1"/>
+              <ma14:wrappingTextBoxFlag xmlns:ma14="http://schemas.microsoft.com/office/mac/drawingml/2011/main" xmlns="" val="1"/>
             </a:ext>
           </a:extLst>
         </p:spPr>
@@ -12790,7 +12787,7 @@
           </a:ln>
           <a:extLst>
             <a:ext uri="{C572A759-6A51-4108-AA02-DFA0A04FC94B}">
-              <ma14:wrappingTextBoxFlag xmlns:ma14="http://schemas.microsoft.com/office/mac/drawingml/2011/main" val="1"/>
+              <ma14:wrappingTextBoxFlag xmlns:ma14="http://schemas.microsoft.com/office/mac/drawingml/2011/main" xmlns="" val="1"/>
             </a:ext>
           </a:extLst>
         </p:spPr>
@@ -12946,7 +12943,7 @@
           </a:effectLst>
           <a:extLst>
             <a:ext uri="{C572A759-6A51-4108-AA02-DFA0A04FC94B}">
-              <ma14:wrappingTextBoxFlag xmlns:ma14="http://schemas.microsoft.com/office/mac/drawingml/2011/main" val="1"/>
+              <ma14:wrappingTextBoxFlag xmlns:ma14="http://schemas.microsoft.com/office/mac/drawingml/2011/main" xmlns="" val="1"/>
             </a:ext>
           </a:extLst>
         </p:spPr>
@@ -13047,7 +13044,7 @@
           </a:ln>
           <a:extLst>
             <a:ext uri="{C572A759-6A51-4108-AA02-DFA0A04FC94B}">
-              <ma14:wrappingTextBoxFlag xmlns:ma14="http://schemas.microsoft.com/office/mac/drawingml/2011/main" val="1"/>
+              <ma14:wrappingTextBoxFlag xmlns:ma14="http://schemas.microsoft.com/office/mac/drawingml/2011/main" xmlns="" val="1"/>
             </a:ext>
           </a:extLst>
         </p:spPr>
@@ -13118,7 +13115,7 @@
           </a:ln>
           <a:extLst>
             <a:ext uri="{C572A759-6A51-4108-AA02-DFA0A04FC94B}">
-              <ma14:wrappingTextBoxFlag xmlns:ma14="http://schemas.microsoft.com/office/mac/drawingml/2011/main" val="1"/>
+              <ma14:wrappingTextBoxFlag xmlns:ma14="http://schemas.microsoft.com/office/mac/drawingml/2011/main" xmlns="" val="1"/>
             </a:ext>
           </a:extLst>
         </p:spPr>
@@ -13490,7 +13487,7 @@
           </a:ln>
           <a:extLst>
             <a:ext uri="{C572A759-6A51-4108-AA02-DFA0A04FC94B}">
-              <ma14:wrappingTextBoxFlag xmlns:ma14="http://schemas.microsoft.com/office/mac/drawingml/2011/main" val="1"/>
+              <ma14:wrappingTextBoxFlag xmlns:ma14="http://schemas.microsoft.com/office/mac/drawingml/2011/main" xmlns="" val="1"/>
             </a:ext>
           </a:extLst>
         </p:spPr>
@@ -13561,7 +13558,7 @@
           </a:ln>
           <a:extLst>
             <a:ext uri="{C572A759-6A51-4108-AA02-DFA0A04FC94B}">
-              <ma14:wrappingTextBoxFlag xmlns:ma14="http://schemas.microsoft.com/office/mac/drawingml/2011/main" val="1"/>
+              <ma14:wrappingTextBoxFlag xmlns:ma14="http://schemas.microsoft.com/office/mac/drawingml/2011/main" xmlns="" val="1"/>
             </a:ext>
           </a:extLst>
         </p:spPr>
@@ -13757,7 +13754,7 @@
           </a:ln>
           <a:extLst>
             <a:ext uri="{C572A759-6A51-4108-AA02-DFA0A04FC94B}">
-              <ma14:wrappingTextBoxFlag xmlns:ma14="http://schemas.microsoft.com/office/mac/drawingml/2011/main" val="1"/>
+              <ma14:wrappingTextBoxFlag xmlns:ma14="http://schemas.microsoft.com/office/mac/drawingml/2011/main" xmlns="" val="1"/>
             </a:ext>
           </a:extLst>
         </p:spPr>
@@ -13828,7 +13825,7 @@
           </a:ln>
           <a:extLst>
             <a:ext uri="{C572A759-6A51-4108-AA02-DFA0A04FC94B}">
-              <ma14:wrappingTextBoxFlag xmlns:ma14="http://schemas.microsoft.com/office/mac/drawingml/2011/main" val="1"/>
+              <ma14:wrappingTextBoxFlag xmlns:ma14="http://schemas.microsoft.com/office/mac/drawingml/2011/main" xmlns="" val="1"/>
             </a:ext>
           </a:extLst>
         </p:spPr>
@@ -13873,19 +13870,10 @@
                 <a:cs typeface="Courier New"/>
                 <a:sym typeface="Courier New"/>
               </a:rPr>
-              <a:t>tail /</a:t>
+              <a:t>tail /var/log/</a:t>
             </a:r>
             <a:r>
-              <a:rPr sz="3200" dirty="0" smtClean="0">
-                <a:latin typeface="Courier New"/>
-                <a:ea typeface="Courier New"/>
-                <a:cs typeface="Courier New"/>
-                <a:sym typeface="Courier New"/>
-              </a:rPr>
-              <a:t>var/log/</a:t>
-            </a:r>
-            <a:r>
-              <a:rPr lang="en-CA" sz="3200" dirty="0" err="1" smtClean="0">
+              <a:rPr lang="en-CA" sz="3200" dirty="0" err="1">
                 <a:latin typeface="Courier New"/>
                 <a:ea typeface="Courier New"/>
                 <a:cs typeface="Courier New"/>
@@ -14056,7 +14044,7 @@
           </a:ln>
           <a:extLst>
             <a:ext uri="{C572A759-6A51-4108-AA02-DFA0A04FC94B}">
-              <ma14:wrappingTextBoxFlag xmlns:ma14="http://schemas.microsoft.com/office/mac/drawingml/2011/main" val="1"/>
+              <ma14:wrappingTextBoxFlag xmlns:ma14="http://schemas.microsoft.com/office/mac/drawingml/2011/main" xmlns="" val="1"/>
             </a:ext>
           </a:extLst>
         </p:spPr>
@@ -14127,7 +14115,7 @@
           </a:ln>
           <a:extLst>
             <a:ext uri="{C572A759-6A51-4108-AA02-DFA0A04FC94B}">
-              <ma14:wrappingTextBoxFlag xmlns:ma14="http://schemas.microsoft.com/office/mac/drawingml/2011/main" val="1"/>
+              <ma14:wrappingTextBoxFlag xmlns:ma14="http://schemas.microsoft.com/office/mac/drawingml/2011/main" xmlns="" val="1"/>
             </a:ext>
           </a:extLst>
         </p:spPr>
@@ -14255,7 +14243,7 @@
           </a:ln>
           <a:extLst>
             <a:ext uri="{C572A759-6A51-4108-AA02-DFA0A04FC94B}">
-              <ma14:wrappingTextBoxFlag xmlns:ma14="http://schemas.microsoft.com/office/mac/drawingml/2011/main" val="1"/>
+              <ma14:wrappingTextBoxFlag xmlns:ma14="http://schemas.microsoft.com/office/mac/drawingml/2011/main" xmlns="" val="1"/>
             </a:ext>
           </a:extLst>
         </p:spPr>
@@ -14405,7 +14393,7 @@
             <a:effectLst/>
             <a:extLst>
               <a:ext uri="{C572A759-6A51-4108-AA02-DFA0A04FC94B}">
-                <ma14:wrappingTextBoxFlag xmlns:ma14="http://schemas.microsoft.com/office/mac/drawingml/2011/main" val="1"/>
+                <ma14:wrappingTextBoxFlag xmlns:ma14="http://schemas.microsoft.com/office/mac/drawingml/2011/main" xmlns="" val="1"/>
               </a:ext>
             </a:extLst>
           </p:spPr>
@@ -14603,7 +14591,7 @@
               <a:effectLst/>
               <a:extLst>
                 <a:ext uri="{C572A759-6A51-4108-AA02-DFA0A04FC94B}">
-                  <ma14:wrappingTextBoxFlag xmlns:ma14="http://schemas.microsoft.com/office/mac/drawingml/2011/main" val="1"/>
+                  <ma14:wrappingTextBoxFlag xmlns:ma14="http://schemas.microsoft.com/office/mac/drawingml/2011/main" xmlns="" val="1"/>
                 </a:ext>
               </a:extLst>
             </p:spPr>
@@ -14733,7 +14721,7 @@
             <a:effectLst/>
             <a:extLst>
               <a:ext uri="{C572A759-6A51-4108-AA02-DFA0A04FC94B}">
-                <ma14:wrappingTextBoxFlag xmlns:ma14="http://schemas.microsoft.com/office/mac/drawingml/2011/main" val="1"/>
+                <ma14:wrappingTextBoxFlag xmlns:ma14="http://schemas.microsoft.com/office/mac/drawingml/2011/main" xmlns="" val="1"/>
               </a:ext>
             </a:extLst>
           </p:spPr>
@@ -14820,7 +14808,7 @@
             <a:effectLst/>
             <a:extLst>
               <a:ext uri="{C572A759-6A51-4108-AA02-DFA0A04FC94B}">
-                <ma14:wrappingTextBoxFlag xmlns:ma14="http://schemas.microsoft.com/office/mac/drawingml/2011/main" val="1"/>
+                <ma14:wrappingTextBoxFlag xmlns:ma14="http://schemas.microsoft.com/office/mac/drawingml/2011/main" xmlns="" val="1"/>
               </a:ext>
             </a:extLst>
           </p:spPr>
@@ -15006,7 +14994,7 @@
               <a:effectLst/>
               <a:extLst>
                 <a:ext uri="{C572A759-6A51-4108-AA02-DFA0A04FC94B}">
-                  <ma14:wrappingTextBoxFlag xmlns:ma14="http://schemas.microsoft.com/office/mac/drawingml/2011/main" val="1"/>
+                  <ma14:wrappingTextBoxFlag xmlns:ma14="http://schemas.microsoft.com/office/mac/drawingml/2011/main" xmlns="" val="1"/>
                 </a:ext>
               </a:extLst>
             </p:spPr>
@@ -15208,7 +15196,7 @@
             <a:effectLst/>
             <a:extLst>
               <a:ext uri="{C572A759-6A51-4108-AA02-DFA0A04FC94B}">
-                <ma14:wrappingTextBoxFlag xmlns:ma14="http://schemas.microsoft.com/office/mac/drawingml/2011/main" val="1"/>
+                <ma14:wrappingTextBoxFlag xmlns:ma14="http://schemas.microsoft.com/office/mac/drawingml/2011/main" xmlns="" val="1"/>
               </a:ext>
             </a:extLst>
           </p:spPr>
@@ -15394,7 +15382,7 @@
               <a:effectLst/>
               <a:extLst>
                 <a:ext uri="{C572A759-6A51-4108-AA02-DFA0A04FC94B}">
-                  <ma14:wrappingTextBoxFlag xmlns:ma14="http://schemas.microsoft.com/office/mac/drawingml/2011/main" val="1"/>
+                  <ma14:wrappingTextBoxFlag xmlns:ma14="http://schemas.microsoft.com/office/mac/drawingml/2011/main" xmlns="" val="1"/>
                 </a:ext>
               </a:extLst>
             </p:spPr>
@@ -15596,7 +15584,7 @@
             <a:effectLst/>
             <a:extLst>
               <a:ext uri="{C572A759-6A51-4108-AA02-DFA0A04FC94B}">
-                <ma14:wrappingTextBoxFlag xmlns:ma14="http://schemas.microsoft.com/office/mac/drawingml/2011/main" val="1"/>
+                <ma14:wrappingTextBoxFlag xmlns:ma14="http://schemas.microsoft.com/office/mac/drawingml/2011/main" xmlns="" val="1"/>
               </a:ext>
             </a:extLst>
           </p:spPr>
@@ -15782,7 +15770,7 @@
               <a:effectLst/>
               <a:extLst>
                 <a:ext uri="{C572A759-6A51-4108-AA02-DFA0A04FC94B}">
-                  <ma14:wrappingTextBoxFlag xmlns:ma14="http://schemas.microsoft.com/office/mac/drawingml/2011/main" val="1"/>
+                  <ma14:wrappingTextBoxFlag xmlns:ma14="http://schemas.microsoft.com/office/mac/drawingml/2011/main" xmlns="" val="1"/>
                 </a:ext>
               </a:extLst>
             </p:spPr>
@@ -15984,7 +15972,7 @@
             <a:effectLst/>
             <a:extLst>
               <a:ext uri="{C572A759-6A51-4108-AA02-DFA0A04FC94B}">
-                <ma14:wrappingTextBoxFlag xmlns:ma14="http://schemas.microsoft.com/office/mac/drawingml/2011/main" val="1"/>
+                <ma14:wrappingTextBoxFlag xmlns:ma14="http://schemas.microsoft.com/office/mac/drawingml/2011/main" xmlns="" val="1"/>
               </a:ext>
             </a:extLst>
           </p:spPr>
@@ -16132,7 +16120,7 @@
             <a:effectLst/>
             <a:extLst>
               <a:ext uri="{C572A759-6A51-4108-AA02-DFA0A04FC94B}">
-                <ma14:wrappingTextBoxFlag xmlns:ma14="http://schemas.microsoft.com/office/mac/drawingml/2011/main" val="1"/>
+                <ma14:wrappingTextBoxFlag xmlns:ma14="http://schemas.microsoft.com/office/mac/drawingml/2011/main" xmlns="" val="1"/>
               </a:ext>
             </a:extLst>
           </p:spPr>
@@ -16219,7 +16207,7 @@
             <a:effectLst/>
             <a:extLst>
               <a:ext uri="{C572A759-6A51-4108-AA02-DFA0A04FC94B}">
-                <ma14:wrappingTextBoxFlag xmlns:ma14="http://schemas.microsoft.com/office/mac/drawingml/2011/main" val="1"/>
+                <ma14:wrappingTextBoxFlag xmlns:ma14="http://schemas.microsoft.com/office/mac/drawingml/2011/main" xmlns="" val="1"/>
               </a:ext>
             </a:extLst>
           </p:spPr>
@@ -16631,7 +16619,7 @@
           </a:ln>
           <a:extLst>
             <a:ext uri="{C572A759-6A51-4108-AA02-DFA0A04FC94B}">
-              <ma14:wrappingTextBoxFlag xmlns:ma14="http://schemas.microsoft.com/office/mac/drawingml/2011/main" val="1"/>
+              <ma14:wrappingTextBoxFlag xmlns:ma14="http://schemas.microsoft.com/office/mac/drawingml/2011/main" xmlns="" val="1"/>
             </a:ext>
           </a:extLst>
         </p:spPr>
@@ -16702,7 +16690,7 @@
           </a:ln>
           <a:extLst>
             <a:ext uri="{C572A759-6A51-4108-AA02-DFA0A04FC94B}">
-              <ma14:wrappingTextBoxFlag xmlns:ma14="http://schemas.microsoft.com/office/mac/drawingml/2011/main" val="1"/>
+              <ma14:wrappingTextBoxFlag xmlns:ma14="http://schemas.microsoft.com/office/mac/drawingml/2011/main" xmlns="" val="1"/>
             </a:ext>
           </a:extLst>
         </p:spPr>
@@ -16800,7 +16788,7 @@
           </a:ln>
           <a:extLst>
             <a:ext uri="{C572A759-6A51-4108-AA02-DFA0A04FC94B}">
-              <ma14:wrappingTextBoxFlag xmlns:ma14="http://schemas.microsoft.com/office/mac/drawingml/2011/main" val="1"/>
+              <ma14:wrappingTextBoxFlag xmlns:ma14="http://schemas.microsoft.com/office/mac/drawingml/2011/main" xmlns="" val="1"/>
             </a:ext>
           </a:extLst>
         </p:spPr>
@@ -16873,7 +16861,7 @@
           </a:ln>
           <a:extLst>
             <a:ext uri="{C572A759-6A51-4108-AA02-DFA0A04FC94B}">
-              <ma14:wrappingTextBoxFlag xmlns:ma14="http://schemas.microsoft.com/office/mac/drawingml/2011/main" val="1"/>
+              <ma14:wrappingTextBoxFlag xmlns:ma14="http://schemas.microsoft.com/office/mac/drawingml/2011/main" xmlns="" val="1"/>
             </a:ext>
           </a:extLst>
         </p:spPr>
@@ -16946,7 +16934,7 @@
           </a:ln>
           <a:extLst>
             <a:ext uri="{C572A759-6A51-4108-AA02-DFA0A04FC94B}">
-              <ma14:wrappingTextBoxFlag xmlns:ma14="http://schemas.microsoft.com/office/mac/drawingml/2011/main" val="1"/>
+              <ma14:wrappingTextBoxFlag xmlns:ma14="http://schemas.microsoft.com/office/mac/drawingml/2011/main" xmlns="" val="1"/>
             </a:ext>
           </a:extLst>
         </p:spPr>
@@ -17019,7 +17007,7 @@
           </a:ln>
           <a:extLst>
             <a:ext uri="{C572A759-6A51-4108-AA02-DFA0A04FC94B}">
-              <ma14:wrappingTextBoxFlag xmlns:ma14="http://schemas.microsoft.com/office/mac/drawingml/2011/main" val="1"/>
+              <ma14:wrappingTextBoxFlag xmlns:ma14="http://schemas.microsoft.com/office/mac/drawingml/2011/main" xmlns="" val="1"/>
             </a:ext>
           </a:extLst>
         </p:spPr>
@@ -17284,7 +17272,7 @@
             </a:effectLst>
             <a:extLst>
               <a:ext uri="{C572A759-6A51-4108-AA02-DFA0A04FC94B}">
-                <ma14:wrappingTextBoxFlag xmlns:ma14="http://schemas.microsoft.com/office/mac/drawingml/2011/main" val="1"/>
+                <ma14:wrappingTextBoxFlag xmlns:ma14="http://schemas.microsoft.com/office/mac/drawingml/2011/main" xmlns="" val="1"/>
               </a:ext>
             </a:extLst>
           </p:spPr>
@@ -17427,7 +17415,7 @@
             </a:effectLst>
             <a:extLst>
               <a:ext uri="{C572A759-6A51-4108-AA02-DFA0A04FC94B}">
-                <ma14:wrappingTextBoxFlag xmlns:ma14="http://schemas.microsoft.com/office/mac/drawingml/2011/main" val="1"/>
+                <ma14:wrappingTextBoxFlag xmlns:ma14="http://schemas.microsoft.com/office/mac/drawingml/2011/main" xmlns="" val="1"/>
               </a:ext>
             </a:extLst>
           </p:spPr>
@@ -17570,7 +17558,7 @@
             </a:effectLst>
             <a:extLst>
               <a:ext uri="{C572A759-6A51-4108-AA02-DFA0A04FC94B}">
-                <ma14:wrappingTextBoxFlag xmlns:ma14="http://schemas.microsoft.com/office/mac/drawingml/2011/main" val="1"/>
+                <ma14:wrappingTextBoxFlag xmlns:ma14="http://schemas.microsoft.com/office/mac/drawingml/2011/main" xmlns="" val="1"/>
               </a:ext>
             </a:extLst>
           </p:spPr>
@@ -17713,7 +17701,7 @@
             </a:effectLst>
             <a:extLst>
               <a:ext uri="{C572A759-6A51-4108-AA02-DFA0A04FC94B}">
-                <ma14:wrappingTextBoxFlag xmlns:ma14="http://schemas.microsoft.com/office/mac/drawingml/2011/main" val="1"/>
+                <ma14:wrappingTextBoxFlag xmlns:ma14="http://schemas.microsoft.com/office/mac/drawingml/2011/main" xmlns="" val="1"/>
               </a:ext>
             </a:extLst>
           </p:spPr>
@@ -18210,7 +18198,7 @@
           </a:ln>
           <a:extLst>
             <a:ext uri="{C572A759-6A51-4108-AA02-DFA0A04FC94B}">
-              <ma14:wrappingTextBoxFlag xmlns:ma14="http://schemas.microsoft.com/office/mac/drawingml/2011/main" val="1"/>
+              <ma14:wrappingTextBoxFlag xmlns:ma14="http://schemas.microsoft.com/office/mac/drawingml/2011/main" xmlns="" val="1"/>
             </a:ext>
           </a:extLst>
         </p:spPr>
@@ -18281,7 +18269,7 @@
           </a:ln>
           <a:extLst>
             <a:ext uri="{C572A759-6A51-4108-AA02-DFA0A04FC94B}">
-              <ma14:wrappingTextBoxFlag xmlns:ma14="http://schemas.microsoft.com/office/mac/drawingml/2011/main" val="1"/>
+              <ma14:wrappingTextBoxFlag xmlns:ma14="http://schemas.microsoft.com/office/mac/drawingml/2011/main" xmlns="" val="1"/>
             </a:ext>
           </a:extLst>
         </p:spPr>
@@ -18443,7 +18431,7 @@
           </a:ln>
           <a:extLst>
             <a:ext uri="{C572A759-6A51-4108-AA02-DFA0A04FC94B}">
-              <ma14:wrappingTextBoxFlag xmlns:ma14="http://schemas.microsoft.com/office/mac/drawingml/2011/main" val="1"/>
+              <ma14:wrappingTextBoxFlag xmlns:ma14="http://schemas.microsoft.com/office/mac/drawingml/2011/main" xmlns="" val="1"/>
             </a:ext>
           </a:extLst>
         </p:spPr>
@@ -18514,7 +18502,7 @@
           </a:ln>
           <a:extLst>
             <a:ext uri="{C572A759-6A51-4108-AA02-DFA0A04FC94B}">
-              <ma14:wrappingTextBoxFlag xmlns:ma14="http://schemas.microsoft.com/office/mac/drawingml/2011/main" val="1"/>
+              <ma14:wrappingTextBoxFlag xmlns:ma14="http://schemas.microsoft.com/office/mac/drawingml/2011/main" xmlns="" val="1"/>
             </a:ext>
           </a:extLst>
         </p:spPr>
@@ -18717,7 +18705,7 @@
           </a:ln>
           <a:extLst>
             <a:ext uri="{C572A759-6A51-4108-AA02-DFA0A04FC94B}">
-              <ma14:wrappingTextBoxFlag xmlns:ma14="http://schemas.microsoft.com/office/mac/drawingml/2011/main" val="1"/>
+              <ma14:wrappingTextBoxFlag xmlns:ma14="http://schemas.microsoft.com/office/mac/drawingml/2011/main" xmlns="" val="1"/>
             </a:ext>
           </a:extLst>
         </p:spPr>
@@ -18788,7 +18776,7 @@
           </a:ln>
           <a:extLst>
             <a:ext uri="{C572A759-6A51-4108-AA02-DFA0A04FC94B}">
-              <ma14:wrappingTextBoxFlag xmlns:ma14="http://schemas.microsoft.com/office/mac/drawingml/2011/main" val="1"/>
+              <ma14:wrappingTextBoxFlag xmlns:ma14="http://schemas.microsoft.com/office/mac/drawingml/2011/main" xmlns="" val="1"/>
             </a:ext>
           </a:extLst>
         </p:spPr>
@@ -18859,7 +18847,7 @@
           </a:ln>
           <a:extLst>
             <a:ext uri="{C572A759-6A51-4108-AA02-DFA0A04FC94B}">
-              <ma14:wrappingTextBoxFlag xmlns:ma14="http://schemas.microsoft.com/office/mac/drawingml/2011/main" val="1"/>
+              <ma14:wrappingTextBoxFlag xmlns:ma14="http://schemas.microsoft.com/office/mac/drawingml/2011/main" xmlns="" val="1"/>
             </a:ext>
           </a:extLst>
         </p:spPr>
@@ -18971,7 +18959,7 @@
           </a:ln>
           <a:extLst>
             <a:ext uri="{C572A759-6A51-4108-AA02-DFA0A04FC94B}">
-              <ma14:wrappingTextBoxFlag xmlns:ma14="http://schemas.microsoft.com/office/mac/drawingml/2011/main" val="1"/>
+              <ma14:wrappingTextBoxFlag xmlns:ma14="http://schemas.microsoft.com/office/mac/drawingml/2011/main" xmlns="" val="1"/>
             </a:ext>
           </a:extLst>
         </p:spPr>
@@ -19355,7 +19343,7 @@
           </a:effectLst>
           <a:extLst>
             <a:ext uri="{C572A759-6A51-4108-AA02-DFA0A04FC94B}">
-              <ma14:wrappingTextBoxFlag xmlns:ma14="http://schemas.microsoft.com/office/mac/drawingml/2011/main" val="1"/>
+              <ma14:wrappingTextBoxFlag xmlns:ma14="http://schemas.microsoft.com/office/mac/drawingml/2011/main" xmlns="" val="1"/>
             </a:ext>
           </a:extLst>
         </p:spPr>
@@ -19434,7 +19422,7 @@
           </a:effectLst>
           <a:extLst>
             <a:ext uri="{C572A759-6A51-4108-AA02-DFA0A04FC94B}">
-              <ma14:wrappingTextBoxFlag xmlns:ma14="http://schemas.microsoft.com/office/mac/drawingml/2011/main" val="1"/>
+              <ma14:wrappingTextBoxFlag xmlns:ma14="http://schemas.microsoft.com/office/mac/drawingml/2011/main" xmlns="" val="1"/>
             </a:ext>
           </a:extLst>
         </p:spPr>
